--- a/slides/On-Campus/10_01_Polymorphism.pptx
+++ b/slides/On-Campus/10_01_Polymorphism.pptx
@@ -145,663 +145,47 @@
 <pc:chgInfo xmlns:a="http://schemas.openxmlformats.org/drawingml/2006/main" xmlns:r="http://schemas.openxmlformats.org/officeDocument/2006/relationships" xmlns:ac="http://schemas.microsoft.com/office/drawing/2013/main/command" xmlns:pc="http://schemas.microsoft.com/office/powerpoint/2013/main/command">
   <pc:docChgLst>
     <pc:chgData name="Marcia Moraes" userId="c9c67e8a-58e2-4733-9a1c-5d44fec4775b" providerId="ADAL" clId="{BF9F4715-2091-4503-AE47-A65429C44549}"/>
-    <pc:docChg chg="modSld modMainMaster">
-      <pc:chgData name="Marcia Moraes" userId="c9c67e8a-58e2-4733-9a1c-5d44fec4775b" providerId="ADAL" clId="{BF9F4715-2091-4503-AE47-A65429C44549}" dt="2023-03-26T23:20:52.216" v="55" actId="20577"/>
+  </pc:docChgLst>
+  <pc:docChgLst>
+    <pc:chgData name="Moraes,Marcia" userId="c9c67e8a-58e2-4733-9a1c-5d44fec4775b" providerId="ADAL" clId="{BF01F34B-4E2B-4B7C-8812-D38C67F6E7AD}"/>
+  </pc:docChgLst>
+  <pc:docChgLst>
+    <pc:chgData name="Marcia Moraes" userId="c9c67e8a-58e2-4733-9a1c-5d44fec4775b" providerId="ADAL" clId="{CEC216D5-F2AA-4A6A-BA0F-ED2FDC307F4F}"/>
+    <pc:docChg chg="custSel modSld">
+      <pc:chgData name="Marcia Moraes" userId="c9c67e8a-58e2-4733-9a1c-5d44fec4775b" providerId="ADAL" clId="{CEC216D5-F2AA-4A6A-BA0F-ED2FDC307F4F}" dt="2023-10-19T17:24:55.912" v="2" actId="1076"/>
       <pc:docMkLst>
         <pc:docMk/>
       </pc:docMkLst>
-      <pc:sldChg chg="modSp">
-        <pc:chgData name="Marcia Moraes" userId="c9c67e8a-58e2-4733-9a1c-5d44fec4775b" providerId="ADAL" clId="{BF9F4715-2091-4503-AE47-A65429C44549}" dt="2023-03-26T23:20:52.216" v="55" actId="20577"/>
-        <pc:sldMkLst>
-          <pc:docMk/>
-          <pc:sldMk cId="1583649201" sldId="273"/>
-        </pc:sldMkLst>
-        <pc:spChg chg="mod">
-          <ac:chgData name="Marcia Moraes" userId="c9c67e8a-58e2-4733-9a1c-5d44fec4775b" providerId="ADAL" clId="{BF9F4715-2091-4503-AE47-A65429C44549}" dt="2023-03-26T23:20:52.216" v="55" actId="20577"/>
-          <ac:spMkLst>
-            <pc:docMk/>
-            <pc:sldMk cId="1583649201" sldId="273"/>
-            <ac:spMk id="3" creationId="{507F2138-38CE-FB4F-963C-1AF7D9CA4471}"/>
-          </ac:spMkLst>
-        </pc:spChg>
-      </pc:sldChg>
-      <pc:sldMasterChg chg="modSldLayout">
-        <pc:chgData name="Marcia Moraes" userId="c9c67e8a-58e2-4733-9a1c-5d44fec4775b" providerId="ADAL" clId="{BF9F4715-2091-4503-AE47-A65429C44549}" dt="2023-03-26T23:07:32.300" v="11" actId="6549"/>
-        <pc:sldMasterMkLst>
-          <pc:docMk/>
-          <pc:sldMasterMk cId="3965733437" sldId="2147483648"/>
-        </pc:sldMasterMkLst>
-        <pc:sldLayoutChg chg="modSp">
-          <pc:chgData name="Marcia Moraes" userId="c9c67e8a-58e2-4733-9a1c-5d44fec4775b" providerId="ADAL" clId="{BF9F4715-2091-4503-AE47-A65429C44549}" dt="2023-03-26T23:07:32.300" v="11" actId="6549"/>
-          <pc:sldLayoutMkLst>
-            <pc:docMk/>
-            <pc:sldMasterMk cId="3965733437" sldId="2147483648"/>
-            <pc:sldLayoutMk cId="0" sldId="2147483689"/>
-          </pc:sldLayoutMkLst>
-          <pc:spChg chg="mod">
-            <ac:chgData name="Marcia Moraes" userId="c9c67e8a-58e2-4733-9a1c-5d44fec4775b" providerId="ADAL" clId="{BF9F4715-2091-4503-AE47-A65429C44549}" dt="2023-03-26T23:07:32.300" v="11" actId="6549"/>
-            <ac:spMkLst>
-              <pc:docMk/>
-              <pc:sldMasterMk cId="3965733437" sldId="2147483648"/>
-              <pc:sldLayoutMk cId="0" sldId="2147483689"/>
-              <ac:spMk id="11" creationId="{F621E987-BD36-AF48-B11C-CC4BAD65092F}"/>
-            </ac:spMkLst>
-          </pc:spChg>
-        </pc:sldLayoutChg>
-      </pc:sldMasterChg>
-    </pc:docChg>
-  </pc:docChgLst>
-  <pc:docChgLst>
-    <pc:chgData name="Moraes,Marcia" userId="c9c67e8a-58e2-4733-9a1c-5d44fec4775b" providerId="ADAL" clId="{BF01F34B-4E2B-4B7C-8812-D38C67F6E7AD}"/>
-    <pc:docChg chg="custSel delSld modSld sldOrd">
-      <pc:chgData name="Moraes,Marcia" userId="c9c67e8a-58e2-4733-9a1c-5d44fec4775b" providerId="ADAL" clId="{BF01F34B-4E2B-4B7C-8812-D38C67F6E7AD}" dt="2023-03-26T23:06:28.714" v="1084" actId="20577"/>
-      <pc:docMkLst>
-        <pc:docMk/>
-      </pc:docMkLst>
-      <pc:sldChg chg="modSp">
-        <pc:chgData name="Moraes,Marcia" userId="c9c67e8a-58e2-4733-9a1c-5d44fec4775b" providerId="ADAL" clId="{BF01F34B-4E2B-4B7C-8812-D38C67F6E7AD}" dt="2023-03-26T16:17:13.293" v="11" actId="20577"/>
-        <pc:sldMkLst>
-          <pc:docMk/>
-          <pc:sldMk cId="661209559" sldId="256"/>
-        </pc:sldMkLst>
-        <pc:spChg chg="mod">
-          <ac:chgData name="Moraes,Marcia" userId="c9c67e8a-58e2-4733-9a1c-5d44fec4775b" providerId="ADAL" clId="{BF01F34B-4E2B-4B7C-8812-D38C67F6E7AD}" dt="2023-03-26T16:17:13.293" v="11" actId="20577"/>
-          <ac:spMkLst>
-            <pc:docMk/>
-            <pc:sldMk cId="661209559" sldId="256"/>
-            <ac:spMk id="4" creationId="{36830EDF-82C3-4D4E-8F52-61F2DB42DA11}"/>
-          </ac:spMkLst>
-        </pc:spChg>
-      </pc:sldChg>
-      <pc:sldChg chg="addSp delSp modSp ord">
-        <pc:chgData name="Moraes,Marcia" userId="c9c67e8a-58e2-4733-9a1c-5d44fec4775b" providerId="ADAL" clId="{BF01F34B-4E2B-4B7C-8812-D38C67F6E7AD}" dt="2023-03-26T22:16:32.702" v="946"/>
-        <pc:sldMkLst>
-          <pc:docMk/>
-          <pc:sldMk cId="2012767177" sldId="257"/>
-        </pc:sldMkLst>
-        <pc:spChg chg="mod">
-          <ac:chgData name="Moraes,Marcia" userId="c9c67e8a-58e2-4733-9a1c-5d44fec4775b" providerId="ADAL" clId="{BF01F34B-4E2B-4B7C-8812-D38C67F6E7AD}" dt="2023-03-26T16:34:45.728" v="263" actId="20577"/>
-          <ac:spMkLst>
-            <pc:docMk/>
-            <pc:sldMk cId="2012767177" sldId="257"/>
-            <ac:spMk id="4" creationId="{F6F7E663-32CE-E448-95F9-79C015848441}"/>
-          </ac:spMkLst>
-        </pc:spChg>
-        <pc:spChg chg="mod">
-          <ac:chgData name="Moraes,Marcia" userId="c9c67e8a-58e2-4733-9a1c-5d44fec4775b" providerId="ADAL" clId="{BF01F34B-4E2B-4B7C-8812-D38C67F6E7AD}" dt="2023-03-26T16:36:39.786" v="306" actId="20577"/>
-          <ac:spMkLst>
-            <pc:docMk/>
-            <pc:sldMk cId="2012767177" sldId="257"/>
-            <ac:spMk id="6" creationId="{070BA3BB-E4AC-1442-9C1B-434DA00352F6}"/>
-          </ac:spMkLst>
-        </pc:spChg>
-        <pc:spChg chg="del">
-          <ac:chgData name="Moraes,Marcia" userId="c9c67e8a-58e2-4733-9a1c-5d44fec4775b" providerId="ADAL" clId="{BF01F34B-4E2B-4B7C-8812-D38C67F6E7AD}" dt="2023-03-26T16:36:43.072" v="307" actId="478"/>
-          <ac:spMkLst>
-            <pc:docMk/>
-            <pc:sldMk cId="2012767177" sldId="257"/>
-            <ac:spMk id="7" creationId="{E625CE9C-C39F-4266-B08E-4FC866EEAFBC}"/>
-          </ac:spMkLst>
-        </pc:spChg>
-        <pc:picChg chg="add mod">
-          <ac:chgData name="Moraes,Marcia" userId="c9c67e8a-58e2-4733-9a1c-5d44fec4775b" providerId="ADAL" clId="{BF01F34B-4E2B-4B7C-8812-D38C67F6E7AD}" dt="2023-03-26T16:40:40.742" v="309" actId="1076"/>
-          <ac:picMkLst>
-            <pc:docMk/>
-            <pc:sldMk cId="2012767177" sldId="257"/>
-            <ac:picMk id="5" creationId="{5B4EDCA0-4E45-4E7A-8A78-F26564F1539F}"/>
-          </ac:picMkLst>
-        </pc:picChg>
-        <pc:picChg chg="add mod">
-          <ac:chgData name="Moraes,Marcia" userId="c9c67e8a-58e2-4733-9a1c-5d44fec4775b" providerId="ADAL" clId="{BF01F34B-4E2B-4B7C-8812-D38C67F6E7AD}" dt="2023-03-26T16:42:33.863" v="311" actId="1076"/>
-          <ac:picMkLst>
-            <pc:docMk/>
-            <pc:sldMk cId="2012767177" sldId="257"/>
-            <ac:picMk id="2050" creationId="{D10C563A-EA21-43FB-9554-885D828A1F4C}"/>
-          </ac:picMkLst>
-        </pc:picChg>
-        <pc:picChg chg="add mod">
-          <ac:chgData name="Moraes,Marcia" userId="c9c67e8a-58e2-4733-9a1c-5d44fec4775b" providerId="ADAL" clId="{BF01F34B-4E2B-4B7C-8812-D38C67F6E7AD}" dt="2023-03-26T16:43:44.873" v="314" actId="1076"/>
-          <ac:picMkLst>
-            <pc:docMk/>
-            <pc:sldMk cId="2012767177" sldId="257"/>
-            <ac:picMk id="2052" creationId="{A17FB983-41B4-47E9-BD5C-99CDEBEC3896}"/>
-          </ac:picMkLst>
-        </pc:picChg>
-      </pc:sldChg>
-      <pc:sldChg chg="addSp delSp modSp delAnim modAnim">
-        <pc:chgData name="Moraes,Marcia" userId="c9c67e8a-58e2-4733-9a1c-5d44fec4775b" providerId="ADAL" clId="{BF01F34B-4E2B-4B7C-8812-D38C67F6E7AD}" dt="2023-03-26T22:16:22.048" v="945" actId="20577"/>
-        <pc:sldMkLst>
-          <pc:docMk/>
-          <pc:sldMk cId="2465426233" sldId="258"/>
-        </pc:sldMkLst>
-        <pc:spChg chg="mod">
-          <ac:chgData name="Moraes,Marcia" userId="c9c67e8a-58e2-4733-9a1c-5d44fec4775b" providerId="ADAL" clId="{BF01F34B-4E2B-4B7C-8812-D38C67F6E7AD}" dt="2023-03-26T17:17:14.376" v="653" actId="20577"/>
-          <ac:spMkLst>
-            <pc:docMk/>
-            <pc:sldMk cId="2465426233" sldId="258"/>
-            <ac:spMk id="2" creationId="{7F5F8C1B-DC3E-E841-B6A5-63177E30B362}"/>
-          </ac:spMkLst>
-        </pc:spChg>
-        <pc:spChg chg="del">
-          <ac:chgData name="Moraes,Marcia" userId="c9c67e8a-58e2-4733-9a1c-5d44fec4775b" providerId="ADAL" clId="{BF01F34B-4E2B-4B7C-8812-D38C67F6E7AD}" dt="2023-03-26T17:16:15.662" v="608" actId="478"/>
-          <ac:spMkLst>
-            <pc:docMk/>
-            <pc:sldMk cId="2465426233" sldId="258"/>
-            <ac:spMk id="3" creationId="{4EEDFB7D-D77B-AE41-A1C6-ED4C90C27C9E}"/>
-          </ac:spMkLst>
-        </pc:spChg>
-        <pc:spChg chg="del">
-          <ac:chgData name="Moraes,Marcia" userId="c9c67e8a-58e2-4733-9a1c-5d44fec4775b" providerId="ADAL" clId="{BF01F34B-4E2B-4B7C-8812-D38C67F6E7AD}" dt="2023-03-26T17:16:05.200" v="595" actId="478"/>
-          <ac:spMkLst>
-            <pc:docMk/>
-            <pc:sldMk cId="2465426233" sldId="258"/>
-            <ac:spMk id="4" creationId="{776DC2C5-FABF-AF4B-A76F-146A1F441CF0}"/>
-          </ac:spMkLst>
-        </pc:spChg>
-        <pc:spChg chg="del">
-          <ac:chgData name="Moraes,Marcia" userId="c9c67e8a-58e2-4733-9a1c-5d44fec4775b" providerId="ADAL" clId="{BF01F34B-4E2B-4B7C-8812-D38C67F6E7AD}" dt="2023-03-26T17:16:26.198" v="613" actId="478"/>
-          <ac:spMkLst>
-            <pc:docMk/>
-            <pc:sldMk cId="2465426233" sldId="258"/>
-            <ac:spMk id="5" creationId="{C3D6DE1E-C72D-FC4D-AD95-9E372E55E0AA}"/>
-          </ac:spMkLst>
-        </pc:spChg>
-        <pc:spChg chg="del mod">
-          <ac:chgData name="Moraes,Marcia" userId="c9c67e8a-58e2-4733-9a1c-5d44fec4775b" providerId="ADAL" clId="{BF01F34B-4E2B-4B7C-8812-D38C67F6E7AD}" dt="2023-03-26T17:16:17.900" v="610" actId="478"/>
-          <ac:spMkLst>
-            <pc:docMk/>
-            <pc:sldMk cId="2465426233" sldId="258"/>
-            <ac:spMk id="7" creationId="{1D54C574-F1C4-224F-8D72-1D0CE315659A}"/>
-          </ac:spMkLst>
-        </pc:spChg>
-        <pc:spChg chg="del">
-          <ac:chgData name="Moraes,Marcia" userId="c9c67e8a-58e2-4733-9a1c-5d44fec4775b" providerId="ADAL" clId="{BF01F34B-4E2B-4B7C-8812-D38C67F6E7AD}" dt="2023-03-26T17:16:18.690" v="611" actId="478"/>
-          <ac:spMkLst>
-            <pc:docMk/>
-            <pc:sldMk cId="2465426233" sldId="258"/>
-            <ac:spMk id="8" creationId="{EDB37B83-B729-414D-BB64-25ADD03C6C95}"/>
-          </ac:spMkLst>
-        </pc:spChg>
-        <pc:spChg chg="add mod">
-          <ac:chgData name="Moraes,Marcia" userId="c9c67e8a-58e2-4733-9a1c-5d44fec4775b" providerId="ADAL" clId="{BF01F34B-4E2B-4B7C-8812-D38C67F6E7AD}" dt="2023-03-26T17:20:03.161" v="813" actId="255"/>
-          <ac:spMkLst>
-            <pc:docMk/>
-            <pc:sldMk cId="2465426233" sldId="258"/>
-            <ac:spMk id="9" creationId="{5F3DDC95-08FB-4AC5-BD5A-0B4AD73A659F}"/>
-          </ac:spMkLst>
-        </pc:spChg>
-        <pc:spChg chg="add mod">
-          <ac:chgData name="Moraes,Marcia" userId="c9c67e8a-58e2-4733-9a1c-5d44fec4775b" providerId="ADAL" clId="{BF01F34B-4E2B-4B7C-8812-D38C67F6E7AD}" dt="2023-03-26T19:36:39.833" v="859" actId="1076"/>
-          <ac:spMkLst>
-            <pc:docMk/>
-            <pc:sldMk cId="2465426233" sldId="258"/>
-            <ac:spMk id="11" creationId="{FF3D74CC-A1E4-4E37-A585-EF1FCFA6ECDC}"/>
-          </ac:spMkLst>
-        </pc:spChg>
-        <pc:spChg chg="add del mod">
-          <ac:chgData name="Moraes,Marcia" userId="c9c67e8a-58e2-4733-9a1c-5d44fec4775b" providerId="ADAL" clId="{BF01F34B-4E2B-4B7C-8812-D38C67F6E7AD}" dt="2023-03-26T22:13:30.012" v="894" actId="478"/>
-          <ac:spMkLst>
-            <pc:docMk/>
-            <pc:sldMk cId="2465426233" sldId="258"/>
-            <ac:spMk id="12" creationId="{09D24924-D2D4-49A5-B2BA-BD740C32F6D8}"/>
-          </ac:spMkLst>
-        </pc:spChg>
-        <pc:spChg chg="add mod">
-          <ac:chgData name="Moraes,Marcia" userId="c9c67e8a-58e2-4733-9a1c-5d44fec4775b" providerId="ADAL" clId="{BF01F34B-4E2B-4B7C-8812-D38C67F6E7AD}" dt="2023-03-26T22:09:39.045" v="866" actId="6549"/>
-          <ac:spMkLst>
-            <pc:docMk/>
-            <pc:sldMk cId="2465426233" sldId="258"/>
-            <ac:spMk id="13" creationId="{E20C53D8-A891-4EFC-BE05-CDFF2BF33530}"/>
-          </ac:spMkLst>
-        </pc:spChg>
-        <pc:spChg chg="add del mod">
-          <ac:chgData name="Moraes,Marcia" userId="c9c67e8a-58e2-4733-9a1c-5d44fec4775b" providerId="ADAL" clId="{BF01F34B-4E2B-4B7C-8812-D38C67F6E7AD}" dt="2023-03-26T22:13:32.135" v="895" actId="478"/>
-          <ac:spMkLst>
-            <pc:docMk/>
-            <pc:sldMk cId="2465426233" sldId="258"/>
-            <ac:spMk id="14" creationId="{58BCD99D-9F99-4C7E-909D-CCDD85A13367}"/>
-          </ac:spMkLst>
-        </pc:spChg>
-        <pc:spChg chg="add mod">
-          <ac:chgData name="Moraes,Marcia" userId="c9c67e8a-58e2-4733-9a1c-5d44fec4775b" providerId="ADAL" clId="{BF01F34B-4E2B-4B7C-8812-D38C67F6E7AD}" dt="2023-03-26T22:11:06.006" v="873" actId="20577"/>
-          <ac:spMkLst>
-            <pc:docMk/>
-            <pc:sldMk cId="2465426233" sldId="258"/>
-            <ac:spMk id="15" creationId="{6DCD10DE-ABB4-4E06-B309-A93185B51C07}"/>
-          </ac:spMkLst>
-        </pc:spChg>
-        <pc:spChg chg="add del mod">
-          <ac:chgData name="Moraes,Marcia" userId="c9c67e8a-58e2-4733-9a1c-5d44fec4775b" providerId="ADAL" clId="{BF01F34B-4E2B-4B7C-8812-D38C67F6E7AD}" dt="2023-03-26T22:13:33.917" v="896" actId="478"/>
-          <ac:spMkLst>
-            <pc:docMk/>
-            <pc:sldMk cId="2465426233" sldId="258"/>
-            <ac:spMk id="16" creationId="{0B06374C-1814-4FA0-BB62-B2D537570994}"/>
-          </ac:spMkLst>
-        </pc:spChg>
-        <pc:spChg chg="add mod">
-          <ac:chgData name="Moraes,Marcia" userId="c9c67e8a-58e2-4733-9a1c-5d44fec4775b" providerId="ADAL" clId="{BF01F34B-4E2B-4B7C-8812-D38C67F6E7AD}" dt="2023-03-26T22:11:26.439" v="886" actId="20577"/>
-          <ac:spMkLst>
-            <pc:docMk/>
-            <pc:sldMk cId="2465426233" sldId="258"/>
-            <ac:spMk id="17" creationId="{E891CECD-7DC6-4D1E-BC73-033D0FDE486D}"/>
-          </ac:spMkLst>
-        </pc:spChg>
-        <pc:spChg chg="add del mod">
-          <ac:chgData name="Moraes,Marcia" userId="c9c67e8a-58e2-4733-9a1c-5d44fec4775b" providerId="ADAL" clId="{BF01F34B-4E2B-4B7C-8812-D38C67F6E7AD}" dt="2023-03-26T22:16:04.548" v="931" actId="478"/>
-          <ac:spMkLst>
-            <pc:docMk/>
-            <pc:sldMk cId="2465426233" sldId="258"/>
-            <ac:spMk id="18" creationId="{64941C47-09A7-4DB9-AC99-A3DE193A66AE}"/>
-          </ac:spMkLst>
-        </pc:spChg>
-        <pc:spChg chg="add del mod">
-          <ac:chgData name="Moraes,Marcia" userId="c9c67e8a-58e2-4733-9a1c-5d44fec4775b" providerId="ADAL" clId="{BF01F34B-4E2B-4B7C-8812-D38C67F6E7AD}" dt="2023-03-26T22:14:02.839" v="900"/>
-          <ac:spMkLst>
-            <pc:docMk/>
-            <pc:sldMk cId="2465426233" sldId="258"/>
-            <ac:spMk id="19" creationId="{77D2EE36-F21A-4CD8-8791-42673E4FB6DA}"/>
-          </ac:spMkLst>
-        </pc:spChg>
-        <pc:spChg chg="add del mod">
-          <ac:chgData name="Moraes,Marcia" userId="c9c67e8a-58e2-4733-9a1c-5d44fec4775b" providerId="ADAL" clId="{BF01F34B-4E2B-4B7C-8812-D38C67F6E7AD}" dt="2023-03-26T22:14:36.799" v="904"/>
-          <ac:spMkLst>
-            <pc:docMk/>
-            <pc:sldMk cId="2465426233" sldId="258"/>
-            <ac:spMk id="20" creationId="{0C7C2AA6-A036-4F4D-A654-2B99BBD930FF}"/>
-          </ac:spMkLst>
-        </pc:spChg>
-        <pc:spChg chg="add mod">
-          <ac:chgData name="Moraes,Marcia" userId="c9c67e8a-58e2-4733-9a1c-5d44fec4775b" providerId="ADAL" clId="{BF01F34B-4E2B-4B7C-8812-D38C67F6E7AD}" dt="2023-03-26T22:15:28.954" v="923" actId="1076"/>
-          <ac:spMkLst>
-            <pc:docMk/>
-            <pc:sldMk cId="2465426233" sldId="258"/>
-            <ac:spMk id="23" creationId="{860812BD-29AC-4483-BCA7-CED80FC58BEC}"/>
-          </ac:spMkLst>
-        </pc:spChg>
-        <pc:spChg chg="add mod">
-          <ac:chgData name="Moraes,Marcia" userId="c9c67e8a-58e2-4733-9a1c-5d44fec4775b" providerId="ADAL" clId="{BF01F34B-4E2B-4B7C-8812-D38C67F6E7AD}" dt="2023-03-26T22:15:48.358" v="927" actId="1076"/>
-          <ac:spMkLst>
-            <pc:docMk/>
-            <pc:sldMk cId="2465426233" sldId="258"/>
-            <ac:spMk id="24" creationId="{350C6BCD-7B2B-41A4-BD3E-B60604DD9E2F}"/>
-          </ac:spMkLst>
-        </pc:spChg>
-        <pc:spChg chg="add mod">
-          <ac:chgData name="Moraes,Marcia" userId="c9c67e8a-58e2-4733-9a1c-5d44fec4775b" providerId="ADAL" clId="{BF01F34B-4E2B-4B7C-8812-D38C67F6E7AD}" dt="2023-03-26T22:16:02.676" v="930" actId="1076"/>
-          <ac:spMkLst>
-            <pc:docMk/>
-            <pc:sldMk cId="2465426233" sldId="258"/>
-            <ac:spMk id="25" creationId="{71A0A515-E7E1-4F06-ACC9-0746ABC06A34}"/>
-          </ac:spMkLst>
-        </pc:spChg>
-        <pc:spChg chg="add mod">
-          <ac:chgData name="Moraes,Marcia" userId="c9c67e8a-58e2-4733-9a1c-5d44fec4775b" providerId="ADAL" clId="{BF01F34B-4E2B-4B7C-8812-D38C67F6E7AD}" dt="2023-03-26T22:16:22.048" v="945" actId="20577"/>
-          <ac:spMkLst>
-            <pc:docMk/>
-            <pc:sldMk cId="2465426233" sldId="258"/>
-            <ac:spMk id="26" creationId="{5560D81F-AFB1-451B-84AC-E6E10B3FE3F0}"/>
-          </ac:spMkLst>
-        </pc:spChg>
-        <pc:picChg chg="add del mod">
-          <ac:chgData name="Moraes,Marcia" userId="c9c67e8a-58e2-4733-9a1c-5d44fec4775b" providerId="ADAL" clId="{BF01F34B-4E2B-4B7C-8812-D38C67F6E7AD}" dt="2023-03-26T22:14:36.786" v="902"/>
-          <ac:picMkLst>
-            <pc:docMk/>
-            <pc:sldMk cId="2465426233" sldId="258"/>
-            <ac:picMk id="10" creationId="{636C1DBD-3A91-4AAD-93A0-820747840981}"/>
-          </ac:picMkLst>
-        </pc:picChg>
-        <pc:picChg chg="add mod">
-          <ac:chgData name="Moraes,Marcia" userId="c9c67e8a-58e2-4733-9a1c-5d44fec4775b" providerId="ADAL" clId="{BF01F34B-4E2B-4B7C-8812-D38C67F6E7AD}" dt="2023-03-26T22:14:54.208" v="907" actId="14100"/>
-          <ac:picMkLst>
-            <pc:docMk/>
-            <pc:sldMk cId="2465426233" sldId="258"/>
-            <ac:picMk id="21" creationId="{BFB05108-D10D-43E2-9CEE-3FE567922A07}"/>
-          </ac:picMkLst>
-        </pc:picChg>
-        <pc:picChg chg="add mod">
-          <ac:chgData name="Moraes,Marcia" userId="c9c67e8a-58e2-4733-9a1c-5d44fec4775b" providerId="ADAL" clId="{BF01F34B-4E2B-4B7C-8812-D38C67F6E7AD}" dt="2023-03-26T22:15:15.124" v="913" actId="1076"/>
-          <ac:picMkLst>
-            <pc:docMk/>
-            <pc:sldMk cId="2465426233" sldId="258"/>
-            <ac:picMk id="22" creationId="{0CD5332A-E1D5-47B1-94B4-5D8DD4F9993F}"/>
-          </ac:picMkLst>
-        </pc:picChg>
-      </pc:sldChg>
-      <pc:sldChg chg="addSp delSp modSp delAnim modAnim">
-        <pc:chgData name="Moraes,Marcia" userId="c9c67e8a-58e2-4733-9a1c-5d44fec4775b" providerId="ADAL" clId="{BF01F34B-4E2B-4B7C-8812-D38C67F6E7AD}" dt="2023-03-26T22:59:37.841" v="1019" actId="1076"/>
-        <pc:sldMkLst>
-          <pc:docMk/>
-          <pc:sldMk cId="1014466982" sldId="259"/>
-        </pc:sldMkLst>
-        <pc:spChg chg="mod">
-          <ac:chgData name="Moraes,Marcia" userId="c9c67e8a-58e2-4733-9a1c-5d44fec4775b" providerId="ADAL" clId="{BF01F34B-4E2B-4B7C-8812-D38C67F6E7AD}" dt="2023-03-26T22:34:32.535" v="966" actId="20577"/>
-          <ac:spMkLst>
-            <pc:docMk/>
-            <pc:sldMk cId="1014466982" sldId="259"/>
-            <ac:spMk id="2" creationId="{2DBAED83-8A0A-0548-BA23-13CB5D45BC8F}"/>
-          </ac:spMkLst>
-        </pc:spChg>
-        <pc:spChg chg="mod">
-          <ac:chgData name="Moraes,Marcia" userId="c9c67e8a-58e2-4733-9a1c-5d44fec4775b" providerId="ADAL" clId="{BF01F34B-4E2B-4B7C-8812-D38C67F6E7AD}" dt="2023-03-26T22:37:04.773" v="987" actId="1076"/>
-          <ac:spMkLst>
-            <pc:docMk/>
-            <pc:sldMk cId="1014466982" sldId="259"/>
-            <ac:spMk id="3" creationId="{507F2138-38CE-FB4F-963C-1AF7D9CA4471}"/>
-          </ac:spMkLst>
-        </pc:spChg>
-        <pc:spChg chg="del">
-          <ac:chgData name="Moraes,Marcia" userId="c9c67e8a-58e2-4733-9a1c-5d44fec4775b" providerId="ADAL" clId="{BF01F34B-4E2B-4B7C-8812-D38C67F6E7AD}" dt="2023-03-26T22:34:36.252" v="967" actId="478"/>
-          <ac:spMkLst>
-            <pc:docMk/>
-            <pc:sldMk cId="1014466982" sldId="259"/>
-            <ac:spMk id="4" creationId="{BE278577-C507-B448-9A94-C13AB472D32E}"/>
-          </ac:spMkLst>
-        </pc:spChg>
-        <pc:picChg chg="add mod">
-          <ac:chgData name="Moraes,Marcia" userId="c9c67e8a-58e2-4733-9a1c-5d44fec4775b" providerId="ADAL" clId="{BF01F34B-4E2B-4B7C-8812-D38C67F6E7AD}" dt="2023-03-26T22:59:04.954" v="1015" actId="1076"/>
-          <ac:picMkLst>
-            <pc:docMk/>
-            <pc:sldMk cId="1014466982" sldId="259"/>
-            <ac:picMk id="7" creationId="{FF82A107-B434-4CA9-B953-9F1DA86C0345}"/>
-          </ac:picMkLst>
-        </pc:picChg>
-        <pc:picChg chg="add mod">
-          <ac:chgData name="Moraes,Marcia" userId="c9c67e8a-58e2-4733-9a1c-5d44fec4775b" providerId="ADAL" clId="{BF01F34B-4E2B-4B7C-8812-D38C67F6E7AD}" dt="2023-03-26T22:59:11.212" v="1016" actId="1076"/>
-          <ac:picMkLst>
-            <pc:docMk/>
-            <pc:sldMk cId="1014466982" sldId="259"/>
-            <ac:picMk id="8" creationId="{4AC8B316-6B46-40EF-AB0F-B64409F39AF7}"/>
-          </ac:picMkLst>
-        </pc:picChg>
-        <pc:picChg chg="add mod">
-          <ac:chgData name="Moraes,Marcia" userId="c9c67e8a-58e2-4733-9a1c-5d44fec4775b" providerId="ADAL" clId="{BF01F34B-4E2B-4B7C-8812-D38C67F6E7AD}" dt="2023-03-26T22:59:37.841" v="1019" actId="1076"/>
-          <ac:picMkLst>
-            <pc:docMk/>
-            <pc:sldMk cId="1014466982" sldId="259"/>
-            <ac:picMk id="9" creationId="{D3CF43C7-9C77-4715-9AC5-B536C97A50E1}"/>
-          </ac:picMkLst>
-        </pc:picChg>
-        <pc:inkChg chg="del">
-          <ac:chgData name="Moraes,Marcia" userId="c9c67e8a-58e2-4733-9a1c-5d44fec4775b" providerId="ADAL" clId="{BF01F34B-4E2B-4B7C-8812-D38C67F6E7AD}" dt="2023-03-26T22:34:39.281" v="968" actId="478"/>
-          <ac:inkMkLst>
-            <pc:docMk/>
-            <pc:sldMk cId="1014466982" sldId="259"/>
-            <ac:inkMk id="5" creationId="{47034581-2088-48CB-B05C-0CDD05B94136}"/>
-          </ac:inkMkLst>
-        </pc:inkChg>
-        <pc:inkChg chg="del">
-          <ac:chgData name="Moraes,Marcia" userId="c9c67e8a-58e2-4733-9a1c-5d44fec4775b" providerId="ADAL" clId="{BF01F34B-4E2B-4B7C-8812-D38C67F6E7AD}" dt="2023-03-26T22:34:41.453" v="969" actId="478"/>
-          <ac:inkMkLst>
-            <pc:docMk/>
-            <pc:sldMk cId="1014466982" sldId="259"/>
-            <ac:inkMk id="6" creationId="{63D7F7F9-8B58-453C-A6FD-416D34544E16}"/>
-          </ac:inkMkLst>
-        </pc:inkChg>
-      </pc:sldChg>
       <pc:sldChg chg="addSp delSp modSp">
-        <pc:chgData name="Moraes,Marcia" userId="c9c67e8a-58e2-4733-9a1c-5d44fec4775b" providerId="ADAL" clId="{BF01F34B-4E2B-4B7C-8812-D38C67F6E7AD}" dt="2023-03-26T16:34:19.106" v="252" actId="1076"/>
-        <pc:sldMkLst>
-          <pc:docMk/>
-          <pc:sldMk cId="2451232438" sldId="260"/>
-        </pc:sldMkLst>
-        <pc:spChg chg="del">
-          <ac:chgData name="Moraes,Marcia" userId="c9c67e8a-58e2-4733-9a1c-5d44fec4775b" providerId="ADAL" clId="{BF01F34B-4E2B-4B7C-8812-D38C67F6E7AD}" dt="2023-03-26T16:30:10.383" v="97" actId="478"/>
-          <ac:spMkLst>
-            <pc:docMk/>
-            <pc:sldMk cId="2451232438" sldId="260"/>
-            <ac:spMk id="5" creationId="{F3430565-9E8F-1349-833D-D81F25510834}"/>
-          </ac:spMkLst>
-        </pc:spChg>
-        <pc:spChg chg="mod">
-          <ac:chgData name="Moraes,Marcia" userId="c9c67e8a-58e2-4733-9a1c-5d44fec4775b" providerId="ADAL" clId="{BF01F34B-4E2B-4B7C-8812-D38C67F6E7AD}" dt="2023-03-26T16:34:16.367" v="251" actId="20577"/>
-          <ac:spMkLst>
-            <pc:docMk/>
-            <pc:sldMk cId="2451232438" sldId="260"/>
-            <ac:spMk id="6" creationId="{070BA3BB-E4AC-1442-9C1B-434DA00352F6}"/>
-          </ac:spMkLst>
-        </pc:spChg>
-        <pc:picChg chg="add mod">
-          <ac:chgData name="Moraes,Marcia" userId="c9c67e8a-58e2-4733-9a1c-5d44fec4775b" providerId="ADAL" clId="{BF01F34B-4E2B-4B7C-8812-D38C67F6E7AD}" dt="2023-03-26T16:34:19.106" v="252" actId="1076"/>
-          <ac:picMkLst>
-            <pc:docMk/>
-            <pc:sldMk cId="2451232438" sldId="260"/>
-            <ac:picMk id="2" creationId="{7BD72A2D-2676-4340-837C-2C528969126E}"/>
-          </ac:picMkLst>
-        </pc:picChg>
-      </pc:sldChg>
-      <pc:sldChg chg="addSp delSp modSp">
-        <pc:chgData name="Moraes,Marcia" userId="c9c67e8a-58e2-4733-9a1c-5d44fec4775b" providerId="ADAL" clId="{BF01F34B-4E2B-4B7C-8812-D38C67F6E7AD}" dt="2023-03-26T17:03:45.513" v="373" actId="14100"/>
-        <pc:sldMkLst>
-          <pc:docMk/>
-          <pc:sldMk cId="1227827217" sldId="261"/>
-        </pc:sldMkLst>
-        <pc:spChg chg="mod">
-          <ac:chgData name="Moraes,Marcia" userId="c9c67e8a-58e2-4733-9a1c-5d44fec4775b" providerId="ADAL" clId="{BF01F34B-4E2B-4B7C-8812-D38C67F6E7AD}" dt="2023-03-26T16:44:59.752" v="326" actId="14100"/>
-          <ac:spMkLst>
-            <pc:docMk/>
-            <pc:sldMk cId="1227827217" sldId="261"/>
-            <ac:spMk id="4" creationId="{F6F7E663-32CE-E448-95F9-79C015848441}"/>
-          </ac:spMkLst>
-        </pc:spChg>
-        <pc:spChg chg="mod">
-          <ac:chgData name="Moraes,Marcia" userId="c9c67e8a-58e2-4733-9a1c-5d44fec4775b" providerId="ADAL" clId="{BF01F34B-4E2B-4B7C-8812-D38C67F6E7AD}" dt="2023-03-26T16:45:12.767" v="348" actId="6549"/>
-          <ac:spMkLst>
-            <pc:docMk/>
-            <pc:sldMk cId="1227827217" sldId="261"/>
-            <ac:spMk id="6" creationId="{070BA3BB-E4AC-1442-9C1B-434DA00352F6}"/>
-          </ac:spMkLst>
-        </pc:spChg>
-        <pc:spChg chg="del">
-          <ac:chgData name="Moraes,Marcia" userId="c9c67e8a-58e2-4733-9a1c-5d44fec4775b" providerId="ADAL" clId="{BF01F34B-4E2B-4B7C-8812-D38C67F6E7AD}" dt="2023-03-26T16:45:02.635" v="327" actId="478"/>
-          <ac:spMkLst>
-            <pc:docMk/>
-            <pc:sldMk cId="1227827217" sldId="261"/>
-            <ac:spMk id="7" creationId="{95A40B67-1CA5-4F37-9FD6-8058A256357E}"/>
-          </ac:spMkLst>
-        </pc:spChg>
-        <pc:picChg chg="add mod">
-          <ac:chgData name="Moraes,Marcia" userId="c9c67e8a-58e2-4733-9a1c-5d44fec4775b" providerId="ADAL" clId="{BF01F34B-4E2B-4B7C-8812-D38C67F6E7AD}" dt="2023-03-26T16:47:33.837" v="350" actId="1076"/>
-          <ac:picMkLst>
-            <pc:docMk/>
-            <pc:sldMk cId="1227827217" sldId="261"/>
-            <ac:picMk id="2" creationId="{994899AB-6ADE-4A6C-94F5-7519A5B4DD38}"/>
-          </ac:picMkLst>
-        </pc:picChg>
-        <pc:picChg chg="add mod">
-          <ac:chgData name="Moraes,Marcia" userId="c9c67e8a-58e2-4733-9a1c-5d44fec4775b" providerId="ADAL" clId="{BF01F34B-4E2B-4B7C-8812-D38C67F6E7AD}" dt="2023-03-26T17:03:45.513" v="373" actId="14100"/>
-          <ac:picMkLst>
-            <pc:docMk/>
-            <pc:sldMk cId="1227827217" sldId="261"/>
-            <ac:picMk id="3" creationId="{71DC8D55-0773-46B4-9744-71626ED14E0C}"/>
-          </ac:picMkLst>
-        </pc:picChg>
-        <pc:picChg chg="add del mod">
-          <ac:chgData name="Moraes,Marcia" userId="c9c67e8a-58e2-4733-9a1c-5d44fec4775b" providerId="ADAL" clId="{BF01F34B-4E2B-4B7C-8812-D38C67F6E7AD}" dt="2023-03-26T16:51:30.424" v="357" actId="478"/>
-          <ac:picMkLst>
-            <pc:docMk/>
-            <pc:sldMk cId="1227827217" sldId="261"/>
-            <ac:picMk id="3074" creationId="{E2459AFF-864C-46FF-A341-014E98FCF2DD}"/>
-          </ac:picMkLst>
-        </pc:picChg>
-        <pc:picChg chg="add del mod">
-          <ac:chgData name="Moraes,Marcia" userId="c9c67e8a-58e2-4733-9a1c-5d44fec4775b" providerId="ADAL" clId="{BF01F34B-4E2B-4B7C-8812-D38C67F6E7AD}" dt="2023-03-26T16:52:08.791" v="360" actId="478"/>
-          <ac:picMkLst>
-            <pc:docMk/>
-            <pc:sldMk cId="1227827217" sldId="261"/>
-            <ac:picMk id="3076" creationId="{513CA4EA-4CAE-41D6-BFF2-0FF47610B6CB}"/>
-          </ac:picMkLst>
-        </pc:picChg>
-        <pc:picChg chg="add del mod">
-          <ac:chgData name="Moraes,Marcia" userId="c9c67e8a-58e2-4733-9a1c-5d44fec4775b" providerId="ADAL" clId="{BF01F34B-4E2B-4B7C-8812-D38C67F6E7AD}" dt="2023-03-26T17:01:56.763" v="366" actId="478"/>
-          <ac:picMkLst>
-            <pc:docMk/>
-            <pc:sldMk cId="1227827217" sldId="261"/>
-            <ac:picMk id="3078" creationId="{E0439EE0-4FD2-4A0F-905C-D6DF9832A038}"/>
-          </ac:picMkLst>
-        </pc:picChg>
-        <pc:picChg chg="add mod">
-          <ac:chgData name="Moraes,Marcia" userId="c9c67e8a-58e2-4733-9a1c-5d44fec4775b" providerId="ADAL" clId="{BF01F34B-4E2B-4B7C-8812-D38C67F6E7AD}" dt="2023-03-26T17:03:42.996" v="372" actId="1076"/>
-          <ac:picMkLst>
-            <pc:docMk/>
-            <pc:sldMk cId="1227827217" sldId="261"/>
-            <ac:picMk id="3080" creationId="{671554FA-C0CC-4B8D-96FD-AE025D0EECB9}"/>
-          </ac:picMkLst>
-        </pc:picChg>
-      </pc:sldChg>
-      <pc:sldChg chg="delSp modSp">
-        <pc:chgData name="Moraes,Marcia" userId="c9c67e8a-58e2-4733-9a1c-5d44fec4775b" providerId="ADAL" clId="{BF01F34B-4E2B-4B7C-8812-D38C67F6E7AD}" dt="2023-03-26T17:09:59.756" v="594" actId="1076"/>
-        <pc:sldMkLst>
-          <pc:docMk/>
-          <pc:sldMk cId="2110323143" sldId="262"/>
-        </pc:sldMkLst>
-        <pc:spChg chg="mod">
-          <ac:chgData name="Moraes,Marcia" userId="c9c67e8a-58e2-4733-9a1c-5d44fec4775b" providerId="ADAL" clId="{BF01F34B-4E2B-4B7C-8812-D38C67F6E7AD}" dt="2023-03-26T17:05:38.768" v="388" actId="20577"/>
-          <ac:spMkLst>
-            <pc:docMk/>
-            <pc:sldMk cId="2110323143" sldId="262"/>
-            <ac:spMk id="2" creationId="{2DBAED83-8A0A-0548-BA23-13CB5D45BC8F}"/>
-          </ac:spMkLst>
-        </pc:spChg>
-        <pc:spChg chg="mod">
-          <ac:chgData name="Moraes,Marcia" userId="c9c67e8a-58e2-4733-9a1c-5d44fec4775b" providerId="ADAL" clId="{BF01F34B-4E2B-4B7C-8812-D38C67F6E7AD}" dt="2023-03-26T17:09:59.756" v="594" actId="1076"/>
-          <ac:spMkLst>
-            <pc:docMk/>
-            <pc:sldMk cId="2110323143" sldId="262"/>
-            <ac:spMk id="3" creationId="{507F2138-38CE-FB4F-963C-1AF7D9CA4471}"/>
-          </ac:spMkLst>
-        </pc:spChg>
-        <pc:spChg chg="del">
-          <ac:chgData name="Moraes,Marcia" userId="c9c67e8a-58e2-4733-9a1c-5d44fec4775b" providerId="ADAL" clId="{BF01F34B-4E2B-4B7C-8812-D38C67F6E7AD}" dt="2023-03-26T17:05:34.325" v="386" actId="478"/>
-          <ac:spMkLst>
-            <pc:docMk/>
-            <pc:sldMk cId="2110323143" sldId="262"/>
-            <ac:spMk id="4" creationId="{BE278577-C507-B448-9A94-C13AB472D32E}"/>
-          </ac:spMkLst>
-        </pc:spChg>
-      </pc:sldChg>
-      <pc:sldChg chg="addSp delSp modSp">
-        <pc:chgData name="Moraes,Marcia" userId="c9c67e8a-58e2-4733-9a1c-5d44fec4775b" providerId="ADAL" clId="{BF01F34B-4E2B-4B7C-8812-D38C67F6E7AD}" dt="2023-03-26T23:05:20.075" v="1031" actId="1076"/>
-        <pc:sldMkLst>
-          <pc:docMk/>
-          <pc:sldMk cId="1439199420" sldId="264"/>
-        </pc:sldMkLst>
-        <pc:spChg chg="mod">
-          <ac:chgData name="Moraes,Marcia" userId="c9c67e8a-58e2-4733-9a1c-5d44fec4775b" providerId="ADAL" clId="{BF01F34B-4E2B-4B7C-8812-D38C67F6E7AD}" dt="2023-03-26T23:05:16.786" v="1030" actId="1076"/>
-          <ac:spMkLst>
-            <pc:docMk/>
-            <pc:sldMk cId="1439199420" sldId="264"/>
-            <ac:spMk id="2" creationId="{2DBAED83-8A0A-0548-BA23-13CB5D45BC8F}"/>
-          </ac:spMkLst>
-        </pc:spChg>
-        <pc:spChg chg="mod">
-          <ac:chgData name="Moraes,Marcia" userId="c9c67e8a-58e2-4733-9a1c-5d44fec4775b" providerId="ADAL" clId="{BF01F34B-4E2B-4B7C-8812-D38C67F6E7AD}" dt="2023-03-26T23:05:14.828" v="1029" actId="1076"/>
-          <ac:spMkLst>
-            <pc:docMk/>
-            <pc:sldMk cId="1439199420" sldId="264"/>
-            <ac:spMk id="3" creationId="{507F2138-38CE-FB4F-963C-1AF7D9CA4471}"/>
-          </ac:spMkLst>
-        </pc:spChg>
-        <pc:spChg chg="del">
-          <ac:chgData name="Moraes,Marcia" userId="c9c67e8a-58e2-4733-9a1c-5d44fec4775b" providerId="ADAL" clId="{BF01F34B-4E2B-4B7C-8812-D38C67F6E7AD}" dt="2023-03-26T22:39:11.394" v="1008" actId="478"/>
-          <ac:spMkLst>
-            <pc:docMk/>
-            <pc:sldMk cId="1439199420" sldId="264"/>
-            <ac:spMk id="4" creationId="{BE278577-C507-B448-9A94-C13AB472D32E}"/>
-          </ac:spMkLst>
-        </pc:spChg>
-        <pc:spChg chg="add mod">
-          <ac:chgData name="Moraes,Marcia" userId="c9c67e8a-58e2-4733-9a1c-5d44fec4775b" providerId="ADAL" clId="{BF01F34B-4E2B-4B7C-8812-D38C67F6E7AD}" dt="2023-03-26T23:05:20.075" v="1031" actId="1076"/>
-          <ac:spMkLst>
-            <pc:docMk/>
-            <pc:sldMk cId="1439199420" sldId="264"/>
-            <ac:spMk id="5" creationId="{BC3294FB-6AA5-4C38-ACE3-3B21B7375403}"/>
-          </ac:spMkLst>
-        </pc:spChg>
-      </pc:sldChg>
-      <pc:sldChg chg="addSp delSp modSp">
-        <pc:chgData name="Moraes,Marcia" userId="c9c67e8a-58e2-4733-9a1c-5d44fec4775b" providerId="ADAL" clId="{BF01F34B-4E2B-4B7C-8812-D38C67F6E7AD}" dt="2023-03-26T16:28:40.298" v="96" actId="1076"/>
+        <pc:chgData name="Marcia Moraes" userId="c9c67e8a-58e2-4733-9a1c-5d44fec4775b" providerId="ADAL" clId="{CEC216D5-F2AA-4A6A-BA0F-ED2FDC307F4F}" dt="2023-10-19T17:24:55.912" v="2" actId="1076"/>
         <pc:sldMkLst>
           <pc:docMk/>
           <pc:sldMk cId="2571368551" sldId="272"/>
         </pc:sldMkLst>
-        <pc:spChg chg="mod">
-          <ac:chgData name="Moraes,Marcia" userId="c9c67e8a-58e2-4733-9a1c-5d44fec4775b" providerId="ADAL" clId="{BF01F34B-4E2B-4B7C-8812-D38C67F6E7AD}" dt="2023-03-26T16:28:40.298" v="96" actId="1076"/>
-          <ac:spMkLst>
-            <pc:docMk/>
-            <pc:sldMk cId="2571368551" sldId="272"/>
-            <ac:spMk id="2" creationId="{84CD52E7-9878-46B0-B322-12FDC9581986}"/>
-          </ac:spMkLst>
-        </pc:spChg>
-        <pc:spChg chg="mod">
-          <ac:chgData name="Moraes,Marcia" userId="c9c67e8a-58e2-4733-9a1c-5d44fec4775b" providerId="ADAL" clId="{BF01F34B-4E2B-4B7C-8812-D38C67F6E7AD}" dt="2023-03-26T16:27:43.304" v="92" actId="1076"/>
+        <pc:spChg chg="del">
+          <ac:chgData name="Marcia Moraes" userId="c9c67e8a-58e2-4733-9a1c-5d44fec4775b" providerId="ADAL" clId="{CEC216D5-F2AA-4A6A-BA0F-ED2FDC307F4F}" dt="2023-10-19T17:24:50.673" v="0" actId="478"/>
           <ac:spMkLst>
             <pc:docMk/>
             <pc:sldMk cId="2571368551" sldId="272"/>
             <ac:spMk id="5" creationId="{1E54CBCD-3447-4F03-970A-F1628F46BEF2}"/>
           </ac:spMkLst>
         </pc:spChg>
-        <pc:spChg chg="mod">
-          <ac:chgData name="Moraes,Marcia" userId="c9c67e8a-58e2-4733-9a1c-5d44fec4775b" providerId="ADAL" clId="{BF01F34B-4E2B-4B7C-8812-D38C67F6E7AD}" dt="2023-03-26T16:18:19.095" v="28" actId="20577"/>
+        <pc:spChg chg="add mod">
+          <ac:chgData name="Marcia Moraes" userId="c9c67e8a-58e2-4733-9a1c-5d44fec4775b" providerId="ADAL" clId="{CEC216D5-F2AA-4A6A-BA0F-ED2FDC307F4F}" dt="2023-10-19T17:24:55.912" v="2" actId="1076"/>
           <ac:spMkLst>
             <pc:docMk/>
             <pc:sldMk cId="2571368551" sldId="272"/>
-            <ac:spMk id="11" creationId="{BDA0DBC1-29A7-4498-B9AA-9B174D0FEC3E}"/>
+            <ac:spMk id="7" creationId="{90E74110-EF94-47B3-9416-28189EB12EAC}"/>
           </ac:spMkLst>
         </pc:spChg>
-        <pc:picChg chg="del">
-          <ac:chgData name="Moraes,Marcia" userId="c9c67e8a-58e2-4733-9a1c-5d44fec4775b" providerId="ADAL" clId="{BF01F34B-4E2B-4B7C-8812-D38C67F6E7AD}" dt="2023-03-26T16:27:23.224" v="88" actId="478"/>
-          <ac:picMkLst>
+        <pc:graphicFrameChg chg="add mod">
+          <ac:chgData name="Marcia Moraes" userId="c9c67e8a-58e2-4733-9a1c-5d44fec4775b" providerId="ADAL" clId="{CEC216D5-F2AA-4A6A-BA0F-ED2FDC307F4F}" dt="2023-10-19T17:24:55.912" v="2" actId="1076"/>
+          <ac:graphicFrameMkLst>
             <pc:docMk/>
             <pc:sldMk cId="2571368551" sldId="272"/>
-            <ac:picMk id="3" creationId="{56004AA4-ADC7-47C2-A641-282FB8A9D64E}"/>
-          </ac:picMkLst>
-        </pc:picChg>
-        <pc:picChg chg="add mod">
-          <ac:chgData name="Moraes,Marcia" userId="c9c67e8a-58e2-4733-9a1c-5d44fec4775b" providerId="ADAL" clId="{BF01F34B-4E2B-4B7C-8812-D38C67F6E7AD}" dt="2023-03-26T16:27:56.726" v="94" actId="1076"/>
-          <ac:picMkLst>
-            <pc:docMk/>
-            <pc:sldMk cId="2571368551" sldId="272"/>
-            <ac:picMk id="1026" creationId="{76F90ADF-7BC1-487D-A39C-C9BE9DA546D3}"/>
-          </ac:picMkLst>
-        </pc:picChg>
-      </pc:sldChg>
-      <pc:sldChg chg="delSp modSp">
-        <pc:chgData name="Moraes,Marcia" userId="c9c67e8a-58e2-4733-9a1c-5d44fec4775b" providerId="ADAL" clId="{BF01F34B-4E2B-4B7C-8812-D38C67F6E7AD}" dt="2023-03-26T23:06:28.714" v="1084" actId="20577"/>
-        <pc:sldMkLst>
-          <pc:docMk/>
-          <pc:sldMk cId="1583649201" sldId="273"/>
-        </pc:sldMkLst>
-        <pc:spChg chg="mod">
-          <ac:chgData name="Moraes,Marcia" userId="c9c67e8a-58e2-4733-9a1c-5d44fec4775b" providerId="ADAL" clId="{BF01F34B-4E2B-4B7C-8812-D38C67F6E7AD}" dt="2023-03-26T23:05:34.273" v="1046" actId="20577"/>
-          <ac:spMkLst>
-            <pc:docMk/>
-            <pc:sldMk cId="1583649201" sldId="273"/>
-            <ac:spMk id="2" creationId="{2DBAED83-8A0A-0548-BA23-13CB5D45BC8F}"/>
-          </ac:spMkLst>
-        </pc:spChg>
-        <pc:spChg chg="mod">
-          <ac:chgData name="Moraes,Marcia" userId="c9c67e8a-58e2-4733-9a1c-5d44fec4775b" providerId="ADAL" clId="{BF01F34B-4E2B-4B7C-8812-D38C67F6E7AD}" dt="2023-03-26T23:06:28.714" v="1084" actId="20577"/>
-          <ac:spMkLst>
-            <pc:docMk/>
-            <pc:sldMk cId="1583649201" sldId="273"/>
-            <ac:spMk id="3" creationId="{507F2138-38CE-FB4F-963C-1AF7D9CA4471}"/>
-          </ac:spMkLst>
-        </pc:spChg>
-        <pc:picChg chg="del">
-          <ac:chgData name="Moraes,Marcia" userId="c9c67e8a-58e2-4733-9a1c-5d44fec4775b" providerId="ADAL" clId="{BF01F34B-4E2B-4B7C-8812-D38C67F6E7AD}" dt="2023-03-26T23:05:37.202" v="1047" actId="478"/>
-          <ac:picMkLst>
-            <pc:docMk/>
-            <pc:sldMk cId="1583649201" sldId="273"/>
-            <ac:picMk id="5" creationId="{6A60AAB6-55CF-4B44-9C08-E345A9012F4E}"/>
-          </ac:picMkLst>
-        </pc:picChg>
-      </pc:sldChg>
-      <pc:sldChg chg="del">
-        <pc:chgData name="Moraes,Marcia" userId="c9c67e8a-58e2-4733-9a1c-5d44fec4775b" providerId="ADAL" clId="{BF01F34B-4E2B-4B7C-8812-D38C67F6E7AD}" dt="2023-03-26T23:05:54.332" v="1083" actId="2696"/>
-        <pc:sldMkLst>
-          <pc:docMk/>
-          <pc:sldMk cId="807556313" sldId="274"/>
-        </pc:sldMkLst>
+            <ac:graphicFrameMk id="8" creationId="{7668D128-08A9-40F7-AB83-D8469375D7BE}"/>
+          </ac:graphicFrameMkLst>
+        </pc:graphicFrameChg>
       </pc:sldChg>
     </pc:docChg>
   </pc:docChgLst>
@@ -890,7 +274,7 @@
           <a:p>
             <a:fld id="{4D7E51A5-B478-1E40-8CBB-0DAA8831E99D}" type="datetimeFigureOut">
               <a:rPr lang="en-US" smtClean="0"/>
-              <a:t>3/26/2023</a:t>
+              <a:t>10/19/2023</a:t>
             </a:fld>
             <a:endParaRPr lang="en-US"/>
           </a:p>
@@ -1055,7 +439,7 @@
           <a:p>
             <a:fld id="{D0ED587F-861E-6740-9643-E3DDAE89B8D6}" type="datetimeFigureOut">
               <a:rPr lang="en-US" smtClean="0"/>
-              <a:t>3/26/2023</a:t>
+              <a:t>10/19/2023</a:t>
             </a:fld>
             <a:endParaRPr lang="en-US"/>
           </a:p>
@@ -8836,97 +8220,6 @@
           </a:p>
         </p:txBody>
       </p:sp>
-      <p:sp>
-        <p:nvSpPr>
-          <p:cNvPr id="5" name="TextBox 4">
-            <a:extLst>
-              <a:ext uri="{FF2B5EF4-FFF2-40B4-BE49-F238E27FC236}">
-                <a16:creationId xmlns:a16="http://schemas.microsoft.com/office/drawing/2014/main" id="{1E54CBCD-3447-4F03-970A-F1628F46BEF2}"/>
-              </a:ext>
-            </a:extLst>
-          </p:cNvPr>
-          <p:cNvSpPr txBox="1"/>
-          <p:nvPr/>
-        </p:nvSpPr>
-        <p:spPr>
-          <a:xfrm>
-            <a:off x="10570030" y="3886200"/>
-            <a:ext cx="3069770" cy="3477875"/>
-          </a:xfrm>
-          <a:prstGeom prst="rect">
-            <a:avLst/>
-          </a:prstGeom>
-          <a:solidFill>
-            <a:schemeClr val="bg2">
-              <a:lumMod val="40000"/>
-              <a:lumOff val="60000"/>
-            </a:schemeClr>
-          </a:solidFill>
-        </p:spPr>
-        <p:txBody>
-          <a:bodyPr wrap="square" rtlCol="0">
-            <a:spAutoFit/>
-          </a:bodyPr>
-          <a:lstStyle/>
-          <a:p>
-            <a:r>
-              <a:rPr lang="en-US" dirty="0"/>
-              <a:t>Monday Help Desk – </a:t>
-            </a:r>
-          </a:p>
-          <a:p>
-            <a:r>
-              <a:rPr lang="en-US" dirty="0"/>
-              <a:t>12-2pm CSB120</a:t>
-            </a:r>
-          </a:p>
-          <a:p>
-            <a:endParaRPr lang="en-US" dirty="0"/>
-          </a:p>
-          <a:p>
-            <a:r>
-              <a:rPr lang="en-US" dirty="0"/>
-              <a:t>Monday Help Session – </a:t>
-            </a:r>
-          </a:p>
-          <a:p>
-            <a:r>
-              <a:rPr lang="en-US" dirty="0"/>
-              <a:t>3-4pm CSB325</a:t>
-            </a:r>
-          </a:p>
-          <a:p>
-            <a:endParaRPr lang="en-US" dirty="0"/>
-          </a:p>
-          <a:p>
-            <a:r>
-              <a:rPr lang="en-US" dirty="0"/>
-              <a:t>Tuesday Help Desk – </a:t>
-            </a:r>
-          </a:p>
-          <a:p>
-            <a:r>
-              <a:rPr lang="en-US" dirty="0"/>
-              <a:t>6-8pm Teams</a:t>
-            </a:r>
-          </a:p>
-          <a:p>
-            <a:endParaRPr lang="en-US" dirty="0"/>
-          </a:p>
-          <a:p>
-            <a:r>
-              <a:rPr lang="en-US" dirty="0"/>
-              <a:t>Tuesday Help Session –</a:t>
-            </a:r>
-          </a:p>
-          <a:p>
-            <a:r>
-              <a:rPr lang="en-US" dirty="0"/>
-              <a:t>10-11am Teams </a:t>
-            </a:r>
-          </a:p>
-        </p:txBody>
-      </p:sp>
       <p:pic>
         <p:nvPicPr>
           <p:cNvPr id="1026" name="Picture 2" descr="That's right! | Famous women quotes, Woman quotes, Important quotes">
@@ -8974,6 +8267,1439 @@
           </a:extLst>
         </p:spPr>
       </p:pic>
+      <p:sp>
+        <p:nvSpPr>
+          <p:cNvPr id="7" name="TextBox 6">
+            <a:extLst>
+              <a:ext uri="{FF2B5EF4-FFF2-40B4-BE49-F238E27FC236}">
+                <a16:creationId xmlns:a16="http://schemas.microsoft.com/office/drawing/2014/main" id="{90E74110-EF94-47B3-9416-28189EB12EAC}"/>
+              </a:ext>
+            </a:extLst>
+          </p:cNvPr>
+          <p:cNvSpPr txBox="1"/>
+          <p:nvPr/>
+        </p:nvSpPr>
+        <p:spPr>
+          <a:xfrm flipH="1">
+            <a:off x="9976198" y="3563577"/>
+            <a:ext cx="2444933" cy="400110"/>
+          </a:xfrm>
+          <a:prstGeom prst="rect">
+            <a:avLst/>
+          </a:prstGeom>
+          <a:noFill/>
+        </p:spPr>
+        <p:txBody>
+          <a:bodyPr wrap="square" rtlCol="0">
+            <a:spAutoFit/>
+          </a:bodyPr>
+          <a:lstStyle/>
+          <a:p>
+            <a:r>
+              <a:rPr lang="en-US" dirty="0"/>
+              <a:t>Help Desk</a:t>
+            </a:r>
+          </a:p>
+        </p:txBody>
+      </p:sp>
+      <p:graphicFrame>
+        <p:nvGraphicFramePr>
+          <p:cNvPr id="8" name="Table 7">
+            <a:extLst>
+              <a:ext uri="{FF2B5EF4-FFF2-40B4-BE49-F238E27FC236}">
+                <a16:creationId xmlns:a16="http://schemas.microsoft.com/office/drawing/2014/main" id="{7668D128-08A9-40F7-AB83-D8469375D7BE}"/>
+              </a:ext>
+            </a:extLst>
+          </p:cNvPr>
+          <p:cNvGraphicFramePr>
+            <a:graphicFrameLocks noGrp="1"/>
+          </p:cNvGraphicFramePr>
+          <p:nvPr>
+            <p:extLst>
+              <p:ext uri="{D42A27DB-BD31-4B8C-83A1-F6EECF244321}">
+                <p14:modId xmlns:p14="http://schemas.microsoft.com/office/powerpoint/2010/main" val="1815249765"/>
+              </p:ext>
+            </p:extLst>
+          </p:nvPr>
+        </p:nvGraphicFramePr>
+        <p:xfrm>
+          <a:off x="9987253" y="4063757"/>
+          <a:ext cx="3572199" cy="3253859"/>
+        </p:xfrm>
+        <a:graphic>
+          <a:graphicData uri="http://schemas.openxmlformats.org/drawingml/2006/table">
+            <a:tbl>
+              <a:tblPr firstRow="1">
+                <a:tableStyleId>{5C22544A-7EE6-4342-B048-85BDC9FD1C3A}</a:tableStyleId>
+              </a:tblPr>
+              <a:tblGrid>
+                <a:gridCol w="1105468">
+                  <a:extLst>
+                    <a:ext uri="{9D8B030D-6E8A-4147-A177-3AD203B41FA5}">
+                      <a16:colId xmlns:a16="http://schemas.microsoft.com/office/drawing/2014/main" val="1333462331"/>
+                    </a:ext>
+                  </a:extLst>
+                </a:gridCol>
+                <a:gridCol w="2466731">
+                  <a:extLst>
+                    <a:ext uri="{9D8B030D-6E8A-4147-A177-3AD203B41FA5}">
+                      <a16:colId xmlns:a16="http://schemas.microsoft.com/office/drawing/2014/main" val="668155110"/>
+                    </a:ext>
+                  </a:extLst>
+                </a:gridCol>
+              </a:tblGrid>
+              <a:tr h="165373">
+                <a:tc>
+                  <a:txBody>
+                    <a:bodyPr/>
+                    <a:lstStyle/>
+                    <a:p>
+                      <a:pPr marL="0" marR="0">
+                        <a:lnSpc>
+                          <a:spcPct val="107000"/>
+                        </a:lnSpc>
+                        <a:spcBef>
+                          <a:spcPts val="0"/>
+                        </a:spcBef>
+                        <a:spcAft>
+                          <a:spcPts val="800"/>
+                        </a:spcAft>
+                      </a:pPr>
+                      <a:r>
+                        <a:rPr lang="en-US" sz="1600" dirty="0">
+                          <a:solidFill>
+                            <a:schemeClr val="tx1"/>
+                          </a:solidFill>
+                          <a:effectLst/>
+                        </a:rPr>
+                        <a:t>Day</a:t>
+                      </a:r>
+                      <a:endParaRPr lang="en-US" sz="1600" dirty="0">
+                        <a:solidFill>
+                          <a:schemeClr val="tx1"/>
+                        </a:solidFill>
+                        <a:effectLst/>
+                        <a:latin typeface="Calibri" panose="020F0502020204030204" pitchFamily="34" charset="0"/>
+                        <a:ea typeface="Calibri" panose="020F0502020204030204" pitchFamily="34" charset="0"/>
+                        <a:cs typeface="Times New Roman" panose="02020603050405020304" pitchFamily="18" charset="0"/>
+                      </a:endParaRPr>
+                    </a:p>
+                  </a:txBody>
+                  <a:tcPr marL="15875" marR="15875" marT="15875" marB="15875" anchor="ctr">
+                    <a:lnL w="12700" cap="flat" cmpd="sng" algn="ctr">
+                      <a:solidFill>
+                        <a:schemeClr val="tx1"/>
+                      </a:solidFill>
+                      <a:prstDash val="solid"/>
+                      <a:round/>
+                      <a:headEnd type="none" w="med" len="med"/>
+                      <a:tailEnd type="none" w="med" len="med"/>
+                    </a:lnL>
+                    <a:lnR w="12700" cap="flat" cmpd="sng" algn="ctr">
+                      <a:solidFill>
+                        <a:schemeClr val="tx1"/>
+                      </a:solidFill>
+                      <a:prstDash val="solid"/>
+                      <a:round/>
+                      <a:headEnd type="none" w="med" len="med"/>
+                      <a:tailEnd type="none" w="med" len="med"/>
+                    </a:lnR>
+                    <a:lnT w="12700" cap="flat" cmpd="sng" algn="ctr">
+                      <a:solidFill>
+                        <a:schemeClr val="tx1"/>
+                      </a:solidFill>
+                      <a:prstDash val="solid"/>
+                      <a:round/>
+                      <a:headEnd type="none" w="med" len="med"/>
+                      <a:tailEnd type="none" w="med" len="med"/>
+                    </a:lnT>
+                    <a:lnB w="12700" cap="flat" cmpd="sng" algn="ctr">
+                      <a:solidFill>
+                        <a:schemeClr val="tx1"/>
+                      </a:solidFill>
+                      <a:prstDash val="solid"/>
+                      <a:round/>
+                      <a:headEnd type="none" w="med" len="med"/>
+                      <a:tailEnd type="none" w="med" len="med"/>
+                    </a:lnB>
+                    <a:lnTlToBr w="12700" cmpd="sng">
+                      <a:noFill/>
+                      <a:prstDash val="solid"/>
+                    </a:lnTlToBr>
+                    <a:lnBlToTr w="12700" cmpd="sng">
+                      <a:noFill/>
+                      <a:prstDash val="solid"/>
+                    </a:lnBlToTr>
+                    <a:solidFill>
+                      <a:schemeClr val="bg1"/>
+                    </a:solidFill>
+                  </a:tcPr>
+                </a:tc>
+                <a:tc>
+                  <a:txBody>
+                    <a:bodyPr/>
+                    <a:lstStyle/>
+                    <a:p>
+                      <a:pPr marL="0" marR="0">
+                        <a:lnSpc>
+                          <a:spcPct val="107000"/>
+                        </a:lnSpc>
+                        <a:spcBef>
+                          <a:spcPts val="0"/>
+                        </a:spcBef>
+                        <a:spcAft>
+                          <a:spcPts val="800"/>
+                        </a:spcAft>
+                      </a:pPr>
+                      <a:r>
+                        <a:rPr lang="en-US" sz="1600" dirty="0">
+                          <a:solidFill>
+                            <a:schemeClr val="tx1"/>
+                          </a:solidFill>
+                          <a:effectLst/>
+                        </a:rPr>
+                        <a:t>Time : Room</a:t>
+                      </a:r>
+                      <a:endParaRPr lang="en-US" sz="1600" dirty="0">
+                        <a:solidFill>
+                          <a:schemeClr val="tx1"/>
+                        </a:solidFill>
+                        <a:effectLst/>
+                        <a:latin typeface="Calibri" panose="020F0502020204030204" pitchFamily="34" charset="0"/>
+                        <a:ea typeface="Calibri" panose="020F0502020204030204" pitchFamily="34" charset="0"/>
+                        <a:cs typeface="Times New Roman" panose="02020603050405020304" pitchFamily="18" charset="0"/>
+                      </a:endParaRPr>
+                    </a:p>
+                  </a:txBody>
+                  <a:tcPr marL="15875" marR="15875" marT="15875" marB="15875" anchor="ctr">
+                    <a:lnL w="12700" cap="flat" cmpd="sng" algn="ctr">
+                      <a:solidFill>
+                        <a:schemeClr val="tx1"/>
+                      </a:solidFill>
+                      <a:prstDash val="solid"/>
+                      <a:round/>
+                      <a:headEnd type="none" w="med" len="med"/>
+                      <a:tailEnd type="none" w="med" len="med"/>
+                    </a:lnL>
+                    <a:lnR w="12700" cap="flat" cmpd="sng" algn="ctr">
+                      <a:solidFill>
+                        <a:schemeClr val="tx1"/>
+                      </a:solidFill>
+                      <a:prstDash val="solid"/>
+                      <a:round/>
+                      <a:headEnd type="none" w="med" len="med"/>
+                      <a:tailEnd type="none" w="med" len="med"/>
+                    </a:lnR>
+                    <a:lnT w="12700" cap="flat" cmpd="sng" algn="ctr">
+                      <a:solidFill>
+                        <a:schemeClr val="tx1"/>
+                      </a:solidFill>
+                      <a:prstDash val="solid"/>
+                      <a:round/>
+                      <a:headEnd type="none" w="med" len="med"/>
+                      <a:tailEnd type="none" w="med" len="med"/>
+                    </a:lnT>
+                    <a:lnB w="12700" cap="flat" cmpd="sng" algn="ctr">
+                      <a:solidFill>
+                        <a:schemeClr val="tx1"/>
+                      </a:solidFill>
+                      <a:prstDash val="solid"/>
+                      <a:round/>
+                      <a:headEnd type="none" w="med" len="med"/>
+                      <a:tailEnd type="none" w="med" len="med"/>
+                    </a:lnB>
+                    <a:lnTlToBr w="12700" cmpd="sng">
+                      <a:noFill/>
+                      <a:prstDash val="solid"/>
+                    </a:lnTlToBr>
+                    <a:lnBlToTr w="12700" cmpd="sng">
+                      <a:noFill/>
+                      <a:prstDash val="solid"/>
+                    </a:lnBlToTr>
+                    <a:solidFill>
+                      <a:schemeClr val="bg1"/>
+                    </a:solidFill>
+                  </a:tcPr>
+                </a:tc>
+                <a:extLst>
+                  <a:ext uri="{0D108BD9-81ED-4DB2-BD59-A6C34878D82A}">
+                    <a16:rowId xmlns:a16="http://schemas.microsoft.com/office/drawing/2014/main" val="3093163206"/>
+                  </a:ext>
+                </a:extLst>
+              </a:tr>
+              <a:tr h="581669">
+                <a:tc>
+                  <a:txBody>
+                    <a:bodyPr/>
+                    <a:lstStyle/>
+                    <a:p>
+                      <a:pPr marL="0" marR="0">
+                        <a:lnSpc>
+                          <a:spcPct val="107000"/>
+                        </a:lnSpc>
+                        <a:spcBef>
+                          <a:spcPts val="0"/>
+                        </a:spcBef>
+                        <a:spcAft>
+                          <a:spcPts val="800"/>
+                        </a:spcAft>
+                      </a:pPr>
+                      <a:r>
+                        <a:rPr lang="en-US" sz="1600" dirty="0">
+                          <a:effectLst/>
+                        </a:rPr>
+                        <a:t>Monday</a:t>
+                      </a:r>
+                      <a:endParaRPr lang="en-US" sz="1600" dirty="0">
+                        <a:effectLst/>
+                        <a:latin typeface="Calibri" panose="020F0502020204030204" pitchFamily="34" charset="0"/>
+                        <a:ea typeface="Calibri" panose="020F0502020204030204" pitchFamily="34" charset="0"/>
+                        <a:cs typeface="Times New Roman" panose="02020603050405020304" pitchFamily="18" charset="0"/>
+                      </a:endParaRPr>
+                    </a:p>
+                  </a:txBody>
+                  <a:tcPr marL="15875" marR="15875" marT="15875" marB="15875" anchor="ctr">
+                    <a:lnL w="12700" cap="flat" cmpd="sng" algn="ctr">
+                      <a:solidFill>
+                        <a:schemeClr val="tx1"/>
+                      </a:solidFill>
+                      <a:prstDash val="solid"/>
+                      <a:round/>
+                      <a:headEnd type="none" w="med" len="med"/>
+                      <a:tailEnd type="none" w="med" len="med"/>
+                    </a:lnL>
+                    <a:lnR w="12700" cap="flat" cmpd="sng" algn="ctr">
+                      <a:solidFill>
+                        <a:schemeClr val="tx1"/>
+                      </a:solidFill>
+                      <a:prstDash val="solid"/>
+                      <a:round/>
+                      <a:headEnd type="none" w="med" len="med"/>
+                      <a:tailEnd type="none" w="med" len="med"/>
+                    </a:lnR>
+                    <a:lnT w="12700" cap="flat" cmpd="sng" algn="ctr">
+                      <a:solidFill>
+                        <a:schemeClr val="tx1"/>
+                      </a:solidFill>
+                      <a:prstDash val="solid"/>
+                      <a:round/>
+                      <a:headEnd type="none" w="med" len="med"/>
+                      <a:tailEnd type="none" w="med" len="med"/>
+                    </a:lnT>
+                    <a:lnB w="12700" cap="flat" cmpd="sng" algn="ctr">
+                      <a:solidFill>
+                        <a:schemeClr val="tx1"/>
+                      </a:solidFill>
+                      <a:prstDash val="solid"/>
+                      <a:round/>
+                      <a:headEnd type="none" w="med" len="med"/>
+                      <a:tailEnd type="none" w="med" len="med"/>
+                    </a:lnB>
+                    <a:lnTlToBr w="12700" cmpd="sng">
+                      <a:noFill/>
+                      <a:prstDash val="solid"/>
+                    </a:lnTlToBr>
+                    <a:lnBlToTr w="12700" cmpd="sng">
+                      <a:noFill/>
+                      <a:prstDash val="solid"/>
+                    </a:lnBlToTr>
+                    <a:solidFill>
+                      <a:schemeClr val="bg1"/>
+                    </a:solidFill>
+                  </a:tcPr>
+                </a:tc>
+                <a:tc>
+                  <a:txBody>
+                    <a:bodyPr/>
+                    <a:lstStyle/>
+                    <a:p>
+                      <a:pPr marL="0" marR="0">
+                        <a:lnSpc>
+                          <a:spcPct val="107000"/>
+                        </a:lnSpc>
+                        <a:spcBef>
+                          <a:spcPts val="0"/>
+                        </a:spcBef>
+                        <a:spcAft>
+                          <a:spcPts val="800"/>
+                        </a:spcAft>
+                      </a:pPr>
+                      <a:r>
+                        <a:rPr lang="en-US" sz="1600" dirty="0">
+                          <a:effectLst/>
+                        </a:rPr>
+                        <a:t>12 PM - 2 PM : CSB 120</a:t>
+                      </a:r>
+                      <a:endParaRPr lang="en-US" sz="1600" dirty="0">
+                        <a:effectLst/>
+                        <a:latin typeface="Calibri" panose="020F0502020204030204" pitchFamily="34" charset="0"/>
+                        <a:ea typeface="Calibri" panose="020F0502020204030204" pitchFamily="34" charset="0"/>
+                        <a:cs typeface="Times New Roman" panose="02020603050405020304" pitchFamily="18" charset="0"/>
+                      </a:endParaRPr>
+                    </a:p>
+                  </a:txBody>
+                  <a:tcPr marL="15875" marR="15875" marT="15875" marB="15875" anchor="ctr">
+                    <a:lnL w="12700" cap="flat" cmpd="sng" algn="ctr">
+                      <a:solidFill>
+                        <a:schemeClr val="tx1"/>
+                      </a:solidFill>
+                      <a:prstDash val="solid"/>
+                      <a:round/>
+                      <a:headEnd type="none" w="med" len="med"/>
+                      <a:tailEnd type="none" w="med" len="med"/>
+                    </a:lnL>
+                    <a:lnR w="12700" cap="flat" cmpd="sng" algn="ctr">
+                      <a:solidFill>
+                        <a:schemeClr val="tx1"/>
+                      </a:solidFill>
+                      <a:prstDash val="solid"/>
+                      <a:round/>
+                      <a:headEnd type="none" w="med" len="med"/>
+                      <a:tailEnd type="none" w="med" len="med"/>
+                    </a:lnR>
+                    <a:lnT w="12700" cap="flat" cmpd="sng" algn="ctr">
+                      <a:solidFill>
+                        <a:schemeClr val="tx1"/>
+                      </a:solidFill>
+                      <a:prstDash val="solid"/>
+                      <a:round/>
+                      <a:headEnd type="none" w="med" len="med"/>
+                      <a:tailEnd type="none" w="med" len="med"/>
+                    </a:lnT>
+                    <a:lnB w="12700" cap="flat" cmpd="sng" algn="ctr">
+                      <a:solidFill>
+                        <a:schemeClr val="tx1"/>
+                      </a:solidFill>
+                      <a:prstDash val="solid"/>
+                      <a:round/>
+                      <a:headEnd type="none" w="med" len="med"/>
+                      <a:tailEnd type="none" w="med" len="med"/>
+                    </a:lnB>
+                    <a:lnTlToBr w="12700" cmpd="sng">
+                      <a:noFill/>
+                      <a:prstDash val="solid"/>
+                    </a:lnTlToBr>
+                    <a:lnBlToTr w="12700" cmpd="sng">
+                      <a:noFill/>
+                      <a:prstDash val="solid"/>
+                    </a:lnBlToTr>
+                    <a:solidFill>
+                      <a:schemeClr val="bg1"/>
+                    </a:solidFill>
+                  </a:tcPr>
+                </a:tc>
+                <a:extLst>
+                  <a:ext uri="{0D108BD9-81ED-4DB2-BD59-A6C34878D82A}">
+                    <a16:rowId xmlns:a16="http://schemas.microsoft.com/office/drawing/2014/main" val="1139786997"/>
+                  </a:ext>
+                </a:extLst>
+              </a:tr>
+              <a:tr h="307347">
+                <a:tc>
+                  <a:txBody>
+                    <a:bodyPr/>
+                    <a:lstStyle/>
+                    <a:p>
+                      <a:pPr marL="0" marR="0">
+                        <a:lnSpc>
+                          <a:spcPct val="107000"/>
+                        </a:lnSpc>
+                        <a:spcBef>
+                          <a:spcPts val="0"/>
+                        </a:spcBef>
+                        <a:spcAft>
+                          <a:spcPts val="800"/>
+                        </a:spcAft>
+                      </a:pPr>
+                      <a:r>
+                        <a:rPr lang="en-US" sz="1600">
+                          <a:effectLst/>
+                        </a:rPr>
+                        <a:t>Tuesday</a:t>
+                      </a:r>
+                      <a:endParaRPr lang="en-US" sz="1600">
+                        <a:effectLst/>
+                        <a:latin typeface="Calibri" panose="020F0502020204030204" pitchFamily="34" charset="0"/>
+                        <a:ea typeface="Calibri" panose="020F0502020204030204" pitchFamily="34" charset="0"/>
+                        <a:cs typeface="Times New Roman" panose="02020603050405020304" pitchFamily="18" charset="0"/>
+                      </a:endParaRPr>
+                    </a:p>
+                  </a:txBody>
+                  <a:tcPr marL="15875" marR="15875" marT="15875" marB="15875" anchor="ctr">
+                    <a:lnL w="12700" cap="flat" cmpd="sng" algn="ctr">
+                      <a:solidFill>
+                        <a:schemeClr val="tx1"/>
+                      </a:solidFill>
+                      <a:prstDash val="solid"/>
+                      <a:round/>
+                      <a:headEnd type="none" w="med" len="med"/>
+                      <a:tailEnd type="none" w="med" len="med"/>
+                    </a:lnL>
+                    <a:lnR w="12700" cap="flat" cmpd="sng" algn="ctr">
+                      <a:solidFill>
+                        <a:schemeClr val="tx1"/>
+                      </a:solidFill>
+                      <a:prstDash val="solid"/>
+                      <a:round/>
+                      <a:headEnd type="none" w="med" len="med"/>
+                      <a:tailEnd type="none" w="med" len="med"/>
+                    </a:lnR>
+                    <a:lnT w="12700" cap="flat" cmpd="sng" algn="ctr">
+                      <a:solidFill>
+                        <a:schemeClr val="tx1"/>
+                      </a:solidFill>
+                      <a:prstDash val="solid"/>
+                      <a:round/>
+                      <a:headEnd type="none" w="med" len="med"/>
+                      <a:tailEnd type="none" w="med" len="med"/>
+                    </a:lnT>
+                    <a:lnB w="12700" cap="flat" cmpd="sng" algn="ctr">
+                      <a:solidFill>
+                        <a:schemeClr val="tx1"/>
+                      </a:solidFill>
+                      <a:prstDash val="solid"/>
+                      <a:round/>
+                      <a:headEnd type="none" w="med" len="med"/>
+                      <a:tailEnd type="none" w="med" len="med"/>
+                    </a:lnB>
+                    <a:lnTlToBr w="12700" cmpd="sng">
+                      <a:noFill/>
+                      <a:prstDash val="solid"/>
+                    </a:lnTlToBr>
+                    <a:lnBlToTr w="12700" cmpd="sng">
+                      <a:noFill/>
+                      <a:prstDash val="solid"/>
+                    </a:lnBlToTr>
+                    <a:solidFill>
+                      <a:schemeClr val="bg1"/>
+                    </a:solidFill>
+                  </a:tcPr>
+                </a:tc>
+                <a:tc>
+                  <a:txBody>
+                    <a:bodyPr/>
+                    <a:lstStyle/>
+                    <a:p>
+                      <a:pPr marL="0" marR="0">
+                        <a:lnSpc>
+                          <a:spcPct val="107000"/>
+                        </a:lnSpc>
+                        <a:spcBef>
+                          <a:spcPts val="0"/>
+                        </a:spcBef>
+                        <a:spcAft>
+                          <a:spcPts val="800"/>
+                        </a:spcAft>
+                      </a:pPr>
+                      <a:r>
+                        <a:rPr lang="en-US" sz="1600">
+                          <a:effectLst/>
+                        </a:rPr>
+                        <a:t>6 PM - 8 PM : Teams</a:t>
+                      </a:r>
+                      <a:endParaRPr lang="en-US" sz="1600">
+                        <a:effectLst/>
+                        <a:latin typeface="Calibri" panose="020F0502020204030204" pitchFamily="34" charset="0"/>
+                        <a:ea typeface="Calibri" panose="020F0502020204030204" pitchFamily="34" charset="0"/>
+                        <a:cs typeface="Times New Roman" panose="02020603050405020304" pitchFamily="18" charset="0"/>
+                      </a:endParaRPr>
+                    </a:p>
+                  </a:txBody>
+                  <a:tcPr marL="15875" marR="15875" marT="15875" marB="15875" anchor="ctr">
+                    <a:lnL w="12700" cap="flat" cmpd="sng" algn="ctr">
+                      <a:solidFill>
+                        <a:schemeClr val="tx1"/>
+                      </a:solidFill>
+                      <a:prstDash val="solid"/>
+                      <a:round/>
+                      <a:headEnd type="none" w="med" len="med"/>
+                      <a:tailEnd type="none" w="med" len="med"/>
+                    </a:lnL>
+                    <a:lnR w="12700" cap="flat" cmpd="sng" algn="ctr">
+                      <a:solidFill>
+                        <a:schemeClr val="tx1"/>
+                      </a:solidFill>
+                      <a:prstDash val="solid"/>
+                      <a:round/>
+                      <a:headEnd type="none" w="med" len="med"/>
+                      <a:tailEnd type="none" w="med" len="med"/>
+                    </a:lnR>
+                    <a:lnT w="12700" cap="flat" cmpd="sng" algn="ctr">
+                      <a:solidFill>
+                        <a:schemeClr val="tx1"/>
+                      </a:solidFill>
+                      <a:prstDash val="solid"/>
+                      <a:round/>
+                      <a:headEnd type="none" w="med" len="med"/>
+                      <a:tailEnd type="none" w="med" len="med"/>
+                    </a:lnT>
+                    <a:lnB w="12700" cap="flat" cmpd="sng" algn="ctr">
+                      <a:solidFill>
+                        <a:schemeClr val="tx1"/>
+                      </a:solidFill>
+                      <a:prstDash val="solid"/>
+                      <a:round/>
+                      <a:headEnd type="none" w="med" len="med"/>
+                      <a:tailEnd type="none" w="med" len="med"/>
+                    </a:lnB>
+                    <a:lnTlToBr w="12700" cmpd="sng">
+                      <a:noFill/>
+                      <a:prstDash val="solid"/>
+                    </a:lnTlToBr>
+                    <a:lnBlToTr w="12700" cmpd="sng">
+                      <a:noFill/>
+                      <a:prstDash val="solid"/>
+                    </a:lnBlToTr>
+                    <a:solidFill>
+                      <a:schemeClr val="bg1"/>
+                    </a:solidFill>
+                  </a:tcPr>
+                </a:tc>
+                <a:extLst>
+                  <a:ext uri="{0D108BD9-81ED-4DB2-BD59-A6C34878D82A}">
+                    <a16:rowId xmlns:a16="http://schemas.microsoft.com/office/drawing/2014/main" val="1164388044"/>
+                  </a:ext>
+                </a:extLst>
+              </a:tr>
+              <a:tr h="581669">
+                <a:tc>
+                  <a:txBody>
+                    <a:bodyPr/>
+                    <a:lstStyle/>
+                    <a:p>
+                      <a:pPr marL="0" marR="0">
+                        <a:lnSpc>
+                          <a:spcPct val="107000"/>
+                        </a:lnSpc>
+                        <a:spcBef>
+                          <a:spcPts val="0"/>
+                        </a:spcBef>
+                        <a:spcAft>
+                          <a:spcPts val="800"/>
+                        </a:spcAft>
+                      </a:pPr>
+                      <a:r>
+                        <a:rPr lang="en-US" sz="1600">
+                          <a:effectLst/>
+                        </a:rPr>
+                        <a:t>Wednesday</a:t>
+                      </a:r>
+                      <a:endParaRPr lang="en-US" sz="1600">
+                        <a:effectLst/>
+                        <a:latin typeface="Calibri" panose="020F0502020204030204" pitchFamily="34" charset="0"/>
+                        <a:ea typeface="Calibri" panose="020F0502020204030204" pitchFamily="34" charset="0"/>
+                        <a:cs typeface="Times New Roman" panose="02020603050405020304" pitchFamily="18" charset="0"/>
+                      </a:endParaRPr>
+                    </a:p>
+                  </a:txBody>
+                  <a:tcPr marL="15875" marR="15875" marT="15875" marB="15875" anchor="ctr">
+                    <a:lnL w="12700" cap="flat" cmpd="sng" algn="ctr">
+                      <a:solidFill>
+                        <a:schemeClr val="tx1"/>
+                      </a:solidFill>
+                      <a:prstDash val="solid"/>
+                      <a:round/>
+                      <a:headEnd type="none" w="med" len="med"/>
+                      <a:tailEnd type="none" w="med" len="med"/>
+                    </a:lnL>
+                    <a:lnR w="12700" cap="flat" cmpd="sng" algn="ctr">
+                      <a:solidFill>
+                        <a:schemeClr val="tx1"/>
+                      </a:solidFill>
+                      <a:prstDash val="solid"/>
+                      <a:round/>
+                      <a:headEnd type="none" w="med" len="med"/>
+                      <a:tailEnd type="none" w="med" len="med"/>
+                    </a:lnR>
+                    <a:lnT w="12700" cap="flat" cmpd="sng" algn="ctr">
+                      <a:solidFill>
+                        <a:schemeClr val="tx1"/>
+                      </a:solidFill>
+                      <a:prstDash val="solid"/>
+                      <a:round/>
+                      <a:headEnd type="none" w="med" len="med"/>
+                      <a:tailEnd type="none" w="med" len="med"/>
+                    </a:lnT>
+                    <a:lnB w="12700" cap="flat" cmpd="sng" algn="ctr">
+                      <a:solidFill>
+                        <a:schemeClr val="tx1"/>
+                      </a:solidFill>
+                      <a:prstDash val="solid"/>
+                      <a:round/>
+                      <a:headEnd type="none" w="med" len="med"/>
+                      <a:tailEnd type="none" w="med" len="med"/>
+                    </a:lnB>
+                    <a:lnTlToBr w="12700" cmpd="sng">
+                      <a:noFill/>
+                      <a:prstDash val="solid"/>
+                    </a:lnTlToBr>
+                    <a:lnBlToTr w="12700" cmpd="sng">
+                      <a:noFill/>
+                      <a:prstDash val="solid"/>
+                    </a:lnBlToTr>
+                    <a:solidFill>
+                      <a:schemeClr val="bg1"/>
+                    </a:solidFill>
+                  </a:tcPr>
+                </a:tc>
+                <a:tc>
+                  <a:txBody>
+                    <a:bodyPr/>
+                    <a:lstStyle/>
+                    <a:p>
+                      <a:pPr marL="0" marR="0">
+                        <a:lnSpc>
+                          <a:spcPct val="107000"/>
+                        </a:lnSpc>
+                        <a:spcBef>
+                          <a:spcPts val="0"/>
+                        </a:spcBef>
+                        <a:spcAft>
+                          <a:spcPts val="800"/>
+                        </a:spcAft>
+                      </a:pPr>
+                      <a:r>
+                        <a:rPr lang="en-US" sz="1600">
+                          <a:effectLst/>
+                        </a:rPr>
+                        <a:t>3 PM - 5 PM : CSB 120</a:t>
+                      </a:r>
+                      <a:endParaRPr lang="en-US" sz="1600">
+                        <a:effectLst/>
+                        <a:latin typeface="Calibri" panose="020F0502020204030204" pitchFamily="34" charset="0"/>
+                        <a:ea typeface="Calibri" panose="020F0502020204030204" pitchFamily="34" charset="0"/>
+                        <a:cs typeface="Times New Roman" panose="02020603050405020304" pitchFamily="18" charset="0"/>
+                      </a:endParaRPr>
+                    </a:p>
+                  </a:txBody>
+                  <a:tcPr marL="15875" marR="15875" marT="15875" marB="15875" anchor="ctr">
+                    <a:lnL w="12700" cap="flat" cmpd="sng" algn="ctr">
+                      <a:solidFill>
+                        <a:schemeClr val="tx1"/>
+                      </a:solidFill>
+                      <a:prstDash val="solid"/>
+                      <a:round/>
+                      <a:headEnd type="none" w="med" len="med"/>
+                      <a:tailEnd type="none" w="med" len="med"/>
+                    </a:lnL>
+                    <a:lnR w="12700" cap="flat" cmpd="sng" algn="ctr">
+                      <a:solidFill>
+                        <a:schemeClr val="tx1"/>
+                      </a:solidFill>
+                      <a:prstDash val="solid"/>
+                      <a:round/>
+                      <a:headEnd type="none" w="med" len="med"/>
+                      <a:tailEnd type="none" w="med" len="med"/>
+                    </a:lnR>
+                    <a:lnT w="12700" cap="flat" cmpd="sng" algn="ctr">
+                      <a:solidFill>
+                        <a:schemeClr val="tx1"/>
+                      </a:solidFill>
+                      <a:prstDash val="solid"/>
+                      <a:round/>
+                      <a:headEnd type="none" w="med" len="med"/>
+                      <a:tailEnd type="none" w="med" len="med"/>
+                    </a:lnT>
+                    <a:lnB w="12700" cap="flat" cmpd="sng" algn="ctr">
+                      <a:solidFill>
+                        <a:schemeClr val="tx1"/>
+                      </a:solidFill>
+                      <a:prstDash val="solid"/>
+                      <a:round/>
+                      <a:headEnd type="none" w="med" len="med"/>
+                      <a:tailEnd type="none" w="med" len="med"/>
+                    </a:lnB>
+                    <a:lnTlToBr w="12700" cmpd="sng">
+                      <a:noFill/>
+                      <a:prstDash val="solid"/>
+                    </a:lnTlToBr>
+                    <a:lnBlToTr w="12700" cmpd="sng">
+                      <a:noFill/>
+                      <a:prstDash val="solid"/>
+                    </a:lnBlToTr>
+                    <a:solidFill>
+                      <a:schemeClr val="bg1"/>
+                    </a:solidFill>
+                  </a:tcPr>
+                </a:tc>
+                <a:extLst>
+                  <a:ext uri="{0D108BD9-81ED-4DB2-BD59-A6C34878D82A}">
+                    <a16:rowId xmlns:a16="http://schemas.microsoft.com/office/drawing/2014/main" val="1097778555"/>
+                  </a:ext>
+                </a:extLst>
+              </a:tr>
+              <a:tr h="307347">
+                <a:tc>
+                  <a:txBody>
+                    <a:bodyPr/>
+                    <a:lstStyle/>
+                    <a:p>
+                      <a:pPr marL="0" marR="0">
+                        <a:lnSpc>
+                          <a:spcPct val="107000"/>
+                        </a:lnSpc>
+                        <a:spcBef>
+                          <a:spcPts val="0"/>
+                        </a:spcBef>
+                        <a:spcAft>
+                          <a:spcPts val="800"/>
+                        </a:spcAft>
+                      </a:pPr>
+                      <a:r>
+                        <a:rPr lang="en-US" sz="1600">
+                          <a:effectLst/>
+                        </a:rPr>
+                        <a:t>Thursday</a:t>
+                      </a:r>
+                      <a:endParaRPr lang="en-US" sz="1600">
+                        <a:effectLst/>
+                        <a:latin typeface="Calibri" panose="020F0502020204030204" pitchFamily="34" charset="0"/>
+                        <a:ea typeface="Calibri" panose="020F0502020204030204" pitchFamily="34" charset="0"/>
+                        <a:cs typeface="Times New Roman" panose="02020603050405020304" pitchFamily="18" charset="0"/>
+                      </a:endParaRPr>
+                    </a:p>
+                  </a:txBody>
+                  <a:tcPr marL="15875" marR="15875" marT="15875" marB="15875" anchor="ctr">
+                    <a:lnL w="12700" cap="flat" cmpd="sng" algn="ctr">
+                      <a:solidFill>
+                        <a:schemeClr val="tx1"/>
+                      </a:solidFill>
+                      <a:prstDash val="solid"/>
+                      <a:round/>
+                      <a:headEnd type="none" w="med" len="med"/>
+                      <a:tailEnd type="none" w="med" len="med"/>
+                    </a:lnL>
+                    <a:lnR w="12700" cap="flat" cmpd="sng" algn="ctr">
+                      <a:solidFill>
+                        <a:schemeClr val="tx1"/>
+                      </a:solidFill>
+                      <a:prstDash val="solid"/>
+                      <a:round/>
+                      <a:headEnd type="none" w="med" len="med"/>
+                      <a:tailEnd type="none" w="med" len="med"/>
+                    </a:lnR>
+                    <a:lnT w="12700" cap="flat" cmpd="sng" algn="ctr">
+                      <a:solidFill>
+                        <a:schemeClr val="tx1"/>
+                      </a:solidFill>
+                      <a:prstDash val="solid"/>
+                      <a:round/>
+                      <a:headEnd type="none" w="med" len="med"/>
+                      <a:tailEnd type="none" w="med" len="med"/>
+                    </a:lnT>
+                    <a:lnB w="12700" cap="flat" cmpd="sng" algn="ctr">
+                      <a:solidFill>
+                        <a:schemeClr val="tx1"/>
+                      </a:solidFill>
+                      <a:prstDash val="solid"/>
+                      <a:round/>
+                      <a:headEnd type="none" w="med" len="med"/>
+                      <a:tailEnd type="none" w="med" len="med"/>
+                    </a:lnB>
+                    <a:lnTlToBr w="12700" cmpd="sng">
+                      <a:noFill/>
+                      <a:prstDash val="solid"/>
+                    </a:lnTlToBr>
+                    <a:lnBlToTr w="12700" cmpd="sng">
+                      <a:noFill/>
+                      <a:prstDash val="solid"/>
+                    </a:lnBlToTr>
+                    <a:solidFill>
+                      <a:schemeClr val="bg1"/>
+                    </a:solidFill>
+                  </a:tcPr>
+                </a:tc>
+                <a:tc>
+                  <a:txBody>
+                    <a:bodyPr/>
+                    <a:lstStyle/>
+                    <a:p>
+                      <a:pPr marL="0" marR="0">
+                        <a:lnSpc>
+                          <a:spcPct val="107000"/>
+                        </a:lnSpc>
+                        <a:spcBef>
+                          <a:spcPts val="0"/>
+                        </a:spcBef>
+                        <a:spcAft>
+                          <a:spcPts val="800"/>
+                        </a:spcAft>
+                      </a:pPr>
+                      <a:r>
+                        <a:rPr lang="en-US" sz="1600">
+                          <a:effectLst/>
+                        </a:rPr>
+                        <a:t>6 PM - 8 PM : Teams</a:t>
+                      </a:r>
+                      <a:endParaRPr lang="en-US" sz="1600">
+                        <a:effectLst/>
+                        <a:latin typeface="Calibri" panose="020F0502020204030204" pitchFamily="34" charset="0"/>
+                        <a:ea typeface="Calibri" panose="020F0502020204030204" pitchFamily="34" charset="0"/>
+                        <a:cs typeface="Times New Roman" panose="02020603050405020304" pitchFamily="18" charset="0"/>
+                      </a:endParaRPr>
+                    </a:p>
+                  </a:txBody>
+                  <a:tcPr marL="15875" marR="15875" marT="15875" marB="15875" anchor="ctr">
+                    <a:lnL w="12700" cap="flat" cmpd="sng" algn="ctr">
+                      <a:solidFill>
+                        <a:schemeClr val="tx1"/>
+                      </a:solidFill>
+                      <a:prstDash val="solid"/>
+                      <a:round/>
+                      <a:headEnd type="none" w="med" len="med"/>
+                      <a:tailEnd type="none" w="med" len="med"/>
+                    </a:lnL>
+                    <a:lnR w="12700" cap="flat" cmpd="sng" algn="ctr">
+                      <a:solidFill>
+                        <a:schemeClr val="tx1"/>
+                      </a:solidFill>
+                      <a:prstDash val="solid"/>
+                      <a:round/>
+                      <a:headEnd type="none" w="med" len="med"/>
+                      <a:tailEnd type="none" w="med" len="med"/>
+                    </a:lnR>
+                    <a:lnT w="12700" cap="flat" cmpd="sng" algn="ctr">
+                      <a:solidFill>
+                        <a:schemeClr val="tx1"/>
+                      </a:solidFill>
+                      <a:prstDash val="solid"/>
+                      <a:round/>
+                      <a:headEnd type="none" w="med" len="med"/>
+                      <a:tailEnd type="none" w="med" len="med"/>
+                    </a:lnT>
+                    <a:lnB w="12700" cap="flat" cmpd="sng" algn="ctr">
+                      <a:solidFill>
+                        <a:schemeClr val="tx1"/>
+                      </a:solidFill>
+                      <a:prstDash val="solid"/>
+                      <a:round/>
+                      <a:headEnd type="none" w="med" len="med"/>
+                      <a:tailEnd type="none" w="med" len="med"/>
+                    </a:lnB>
+                    <a:lnTlToBr w="12700" cmpd="sng">
+                      <a:noFill/>
+                      <a:prstDash val="solid"/>
+                    </a:lnTlToBr>
+                    <a:lnBlToTr w="12700" cmpd="sng">
+                      <a:noFill/>
+                      <a:prstDash val="solid"/>
+                    </a:lnBlToTr>
+                    <a:solidFill>
+                      <a:schemeClr val="bg1"/>
+                    </a:solidFill>
+                  </a:tcPr>
+                </a:tc>
+                <a:extLst>
+                  <a:ext uri="{0D108BD9-81ED-4DB2-BD59-A6C34878D82A}">
+                    <a16:rowId xmlns:a16="http://schemas.microsoft.com/office/drawing/2014/main" val="1747960062"/>
+                  </a:ext>
+                </a:extLst>
+              </a:tr>
+              <a:tr h="581669">
+                <a:tc>
+                  <a:txBody>
+                    <a:bodyPr/>
+                    <a:lstStyle/>
+                    <a:p>
+                      <a:pPr marL="0" marR="0">
+                        <a:lnSpc>
+                          <a:spcPct val="107000"/>
+                        </a:lnSpc>
+                        <a:spcBef>
+                          <a:spcPts val="0"/>
+                        </a:spcBef>
+                        <a:spcAft>
+                          <a:spcPts val="800"/>
+                        </a:spcAft>
+                      </a:pPr>
+                      <a:r>
+                        <a:rPr lang="en-US" sz="1600">
+                          <a:effectLst/>
+                        </a:rPr>
+                        <a:t>Friday</a:t>
+                      </a:r>
+                      <a:endParaRPr lang="en-US" sz="1600">
+                        <a:effectLst/>
+                        <a:latin typeface="Calibri" panose="020F0502020204030204" pitchFamily="34" charset="0"/>
+                        <a:ea typeface="Calibri" panose="020F0502020204030204" pitchFamily="34" charset="0"/>
+                        <a:cs typeface="Times New Roman" panose="02020603050405020304" pitchFamily="18" charset="0"/>
+                      </a:endParaRPr>
+                    </a:p>
+                  </a:txBody>
+                  <a:tcPr marL="15875" marR="15875" marT="15875" marB="15875" anchor="ctr">
+                    <a:lnL w="12700" cap="flat" cmpd="sng" algn="ctr">
+                      <a:solidFill>
+                        <a:schemeClr val="tx1"/>
+                      </a:solidFill>
+                      <a:prstDash val="solid"/>
+                      <a:round/>
+                      <a:headEnd type="none" w="med" len="med"/>
+                      <a:tailEnd type="none" w="med" len="med"/>
+                    </a:lnL>
+                    <a:lnR w="12700" cap="flat" cmpd="sng" algn="ctr">
+                      <a:solidFill>
+                        <a:schemeClr val="tx1"/>
+                      </a:solidFill>
+                      <a:prstDash val="solid"/>
+                      <a:round/>
+                      <a:headEnd type="none" w="med" len="med"/>
+                      <a:tailEnd type="none" w="med" len="med"/>
+                    </a:lnR>
+                    <a:lnT w="12700" cap="flat" cmpd="sng" algn="ctr">
+                      <a:solidFill>
+                        <a:schemeClr val="tx1"/>
+                      </a:solidFill>
+                      <a:prstDash val="solid"/>
+                      <a:round/>
+                      <a:headEnd type="none" w="med" len="med"/>
+                      <a:tailEnd type="none" w="med" len="med"/>
+                    </a:lnT>
+                    <a:lnB w="12700" cap="flat" cmpd="sng" algn="ctr">
+                      <a:solidFill>
+                        <a:schemeClr val="tx1"/>
+                      </a:solidFill>
+                      <a:prstDash val="solid"/>
+                      <a:round/>
+                      <a:headEnd type="none" w="med" len="med"/>
+                      <a:tailEnd type="none" w="med" len="med"/>
+                    </a:lnB>
+                    <a:lnTlToBr w="12700" cmpd="sng">
+                      <a:noFill/>
+                      <a:prstDash val="solid"/>
+                    </a:lnTlToBr>
+                    <a:lnBlToTr w="12700" cmpd="sng">
+                      <a:noFill/>
+                      <a:prstDash val="solid"/>
+                    </a:lnBlToTr>
+                    <a:solidFill>
+                      <a:schemeClr val="bg1"/>
+                    </a:solidFill>
+                  </a:tcPr>
+                </a:tc>
+                <a:tc>
+                  <a:txBody>
+                    <a:bodyPr/>
+                    <a:lstStyle/>
+                    <a:p>
+                      <a:pPr marL="0" marR="0">
+                        <a:lnSpc>
+                          <a:spcPct val="107000"/>
+                        </a:lnSpc>
+                        <a:spcBef>
+                          <a:spcPts val="0"/>
+                        </a:spcBef>
+                        <a:spcAft>
+                          <a:spcPts val="800"/>
+                        </a:spcAft>
+                      </a:pPr>
+                      <a:r>
+                        <a:rPr lang="en-US" sz="1600">
+                          <a:effectLst/>
+                        </a:rPr>
+                        <a:t>3 PM - 5 PM : CSB 120</a:t>
+                      </a:r>
+                      <a:endParaRPr lang="en-US" sz="1600">
+                        <a:effectLst/>
+                        <a:latin typeface="Calibri" panose="020F0502020204030204" pitchFamily="34" charset="0"/>
+                        <a:ea typeface="Calibri" panose="020F0502020204030204" pitchFamily="34" charset="0"/>
+                        <a:cs typeface="Times New Roman" panose="02020603050405020304" pitchFamily="18" charset="0"/>
+                      </a:endParaRPr>
+                    </a:p>
+                  </a:txBody>
+                  <a:tcPr marL="15875" marR="15875" marT="15875" marB="15875" anchor="ctr">
+                    <a:lnL w="12700" cap="flat" cmpd="sng" algn="ctr">
+                      <a:solidFill>
+                        <a:schemeClr val="tx1"/>
+                      </a:solidFill>
+                      <a:prstDash val="solid"/>
+                      <a:round/>
+                      <a:headEnd type="none" w="med" len="med"/>
+                      <a:tailEnd type="none" w="med" len="med"/>
+                    </a:lnL>
+                    <a:lnR w="12700" cap="flat" cmpd="sng" algn="ctr">
+                      <a:solidFill>
+                        <a:schemeClr val="tx1"/>
+                      </a:solidFill>
+                      <a:prstDash val="solid"/>
+                      <a:round/>
+                      <a:headEnd type="none" w="med" len="med"/>
+                      <a:tailEnd type="none" w="med" len="med"/>
+                    </a:lnR>
+                    <a:lnT w="12700" cap="flat" cmpd="sng" algn="ctr">
+                      <a:solidFill>
+                        <a:schemeClr val="tx1"/>
+                      </a:solidFill>
+                      <a:prstDash val="solid"/>
+                      <a:round/>
+                      <a:headEnd type="none" w="med" len="med"/>
+                      <a:tailEnd type="none" w="med" len="med"/>
+                    </a:lnT>
+                    <a:lnB w="12700" cap="flat" cmpd="sng" algn="ctr">
+                      <a:solidFill>
+                        <a:schemeClr val="tx1"/>
+                      </a:solidFill>
+                      <a:prstDash val="solid"/>
+                      <a:round/>
+                      <a:headEnd type="none" w="med" len="med"/>
+                      <a:tailEnd type="none" w="med" len="med"/>
+                    </a:lnB>
+                    <a:lnTlToBr w="12700" cmpd="sng">
+                      <a:noFill/>
+                      <a:prstDash val="solid"/>
+                    </a:lnTlToBr>
+                    <a:lnBlToTr w="12700" cmpd="sng">
+                      <a:noFill/>
+                      <a:prstDash val="solid"/>
+                    </a:lnBlToTr>
+                    <a:solidFill>
+                      <a:schemeClr val="bg1"/>
+                    </a:solidFill>
+                  </a:tcPr>
+                </a:tc>
+                <a:extLst>
+                  <a:ext uri="{0D108BD9-81ED-4DB2-BD59-A6C34878D82A}">
+                    <a16:rowId xmlns:a16="http://schemas.microsoft.com/office/drawing/2014/main" val="1553865624"/>
+                  </a:ext>
+                </a:extLst>
+              </a:tr>
+              <a:tr h="307347">
+                <a:tc>
+                  <a:txBody>
+                    <a:bodyPr/>
+                    <a:lstStyle/>
+                    <a:p>
+                      <a:pPr marL="0" marR="0">
+                        <a:lnSpc>
+                          <a:spcPct val="107000"/>
+                        </a:lnSpc>
+                        <a:spcBef>
+                          <a:spcPts val="0"/>
+                        </a:spcBef>
+                        <a:spcAft>
+                          <a:spcPts val="800"/>
+                        </a:spcAft>
+                      </a:pPr>
+                      <a:r>
+                        <a:rPr lang="en-US" sz="1600">
+                          <a:effectLst/>
+                        </a:rPr>
+                        <a:t>Saturday</a:t>
+                      </a:r>
+                      <a:endParaRPr lang="en-US" sz="1600">
+                        <a:effectLst/>
+                        <a:latin typeface="Calibri" panose="020F0502020204030204" pitchFamily="34" charset="0"/>
+                        <a:ea typeface="Calibri" panose="020F0502020204030204" pitchFamily="34" charset="0"/>
+                        <a:cs typeface="Times New Roman" panose="02020603050405020304" pitchFamily="18" charset="0"/>
+                      </a:endParaRPr>
+                    </a:p>
+                  </a:txBody>
+                  <a:tcPr marL="15875" marR="15875" marT="15875" marB="15875" anchor="ctr">
+                    <a:lnL w="12700" cap="flat" cmpd="sng" algn="ctr">
+                      <a:solidFill>
+                        <a:schemeClr val="tx1"/>
+                      </a:solidFill>
+                      <a:prstDash val="solid"/>
+                      <a:round/>
+                      <a:headEnd type="none" w="med" len="med"/>
+                      <a:tailEnd type="none" w="med" len="med"/>
+                    </a:lnL>
+                    <a:lnR w="12700" cap="flat" cmpd="sng" algn="ctr">
+                      <a:solidFill>
+                        <a:schemeClr val="tx1"/>
+                      </a:solidFill>
+                      <a:prstDash val="solid"/>
+                      <a:round/>
+                      <a:headEnd type="none" w="med" len="med"/>
+                      <a:tailEnd type="none" w="med" len="med"/>
+                    </a:lnR>
+                    <a:lnT w="12700" cap="flat" cmpd="sng" algn="ctr">
+                      <a:solidFill>
+                        <a:schemeClr val="tx1"/>
+                      </a:solidFill>
+                      <a:prstDash val="solid"/>
+                      <a:round/>
+                      <a:headEnd type="none" w="med" len="med"/>
+                      <a:tailEnd type="none" w="med" len="med"/>
+                    </a:lnT>
+                    <a:lnB w="12700" cap="flat" cmpd="sng" algn="ctr">
+                      <a:solidFill>
+                        <a:schemeClr val="tx1"/>
+                      </a:solidFill>
+                      <a:prstDash val="solid"/>
+                      <a:round/>
+                      <a:headEnd type="none" w="med" len="med"/>
+                      <a:tailEnd type="none" w="med" len="med"/>
+                    </a:lnB>
+                    <a:lnTlToBr w="12700" cmpd="sng">
+                      <a:noFill/>
+                      <a:prstDash val="solid"/>
+                    </a:lnTlToBr>
+                    <a:lnBlToTr w="12700" cmpd="sng">
+                      <a:noFill/>
+                      <a:prstDash val="solid"/>
+                    </a:lnBlToTr>
+                    <a:solidFill>
+                      <a:schemeClr val="bg1"/>
+                    </a:solidFill>
+                  </a:tcPr>
+                </a:tc>
+                <a:tc>
+                  <a:txBody>
+                    <a:bodyPr/>
+                    <a:lstStyle/>
+                    <a:p>
+                      <a:pPr marL="0" marR="0">
+                        <a:lnSpc>
+                          <a:spcPct val="107000"/>
+                        </a:lnSpc>
+                        <a:spcBef>
+                          <a:spcPts val="0"/>
+                        </a:spcBef>
+                        <a:spcAft>
+                          <a:spcPts val="800"/>
+                        </a:spcAft>
+                      </a:pPr>
+                      <a:r>
+                        <a:rPr lang="en-US" sz="1600" dirty="0">
+                          <a:effectLst/>
+                        </a:rPr>
+                        <a:t>12 PM - 4 PM : Teams</a:t>
+                      </a:r>
+                      <a:endParaRPr lang="en-US" sz="1600" dirty="0">
+                        <a:effectLst/>
+                        <a:latin typeface="Calibri" panose="020F0502020204030204" pitchFamily="34" charset="0"/>
+                        <a:ea typeface="Calibri" panose="020F0502020204030204" pitchFamily="34" charset="0"/>
+                        <a:cs typeface="Times New Roman" panose="02020603050405020304" pitchFamily="18" charset="0"/>
+                      </a:endParaRPr>
+                    </a:p>
+                  </a:txBody>
+                  <a:tcPr marL="15875" marR="15875" marT="15875" marB="15875" anchor="ctr">
+                    <a:lnL w="12700" cap="flat" cmpd="sng" algn="ctr">
+                      <a:solidFill>
+                        <a:schemeClr val="tx1"/>
+                      </a:solidFill>
+                      <a:prstDash val="solid"/>
+                      <a:round/>
+                      <a:headEnd type="none" w="med" len="med"/>
+                      <a:tailEnd type="none" w="med" len="med"/>
+                    </a:lnL>
+                    <a:lnR w="12700" cap="flat" cmpd="sng" algn="ctr">
+                      <a:solidFill>
+                        <a:schemeClr val="tx1"/>
+                      </a:solidFill>
+                      <a:prstDash val="solid"/>
+                      <a:round/>
+                      <a:headEnd type="none" w="med" len="med"/>
+                      <a:tailEnd type="none" w="med" len="med"/>
+                    </a:lnR>
+                    <a:lnT w="12700" cap="flat" cmpd="sng" algn="ctr">
+                      <a:solidFill>
+                        <a:schemeClr val="tx1"/>
+                      </a:solidFill>
+                      <a:prstDash val="solid"/>
+                      <a:round/>
+                      <a:headEnd type="none" w="med" len="med"/>
+                      <a:tailEnd type="none" w="med" len="med"/>
+                    </a:lnT>
+                    <a:lnB w="12700" cap="flat" cmpd="sng" algn="ctr">
+                      <a:solidFill>
+                        <a:schemeClr val="tx1"/>
+                      </a:solidFill>
+                      <a:prstDash val="solid"/>
+                      <a:round/>
+                      <a:headEnd type="none" w="med" len="med"/>
+                      <a:tailEnd type="none" w="med" len="med"/>
+                    </a:lnB>
+                    <a:lnTlToBr w="12700" cmpd="sng">
+                      <a:noFill/>
+                      <a:prstDash val="solid"/>
+                    </a:lnTlToBr>
+                    <a:lnBlToTr w="12700" cmpd="sng">
+                      <a:noFill/>
+                      <a:prstDash val="solid"/>
+                    </a:lnBlToTr>
+                    <a:solidFill>
+                      <a:schemeClr val="bg1"/>
+                    </a:solidFill>
+                  </a:tcPr>
+                </a:tc>
+                <a:extLst>
+                  <a:ext uri="{0D108BD9-81ED-4DB2-BD59-A6C34878D82A}">
+                    <a16:rowId xmlns:a16="http://schemas.microsoft.com/office/drawing/2014/main" val="3921746368"/>
+                  </a:ext>
+                </a:extLst>
+              </a:tr>
+              <a:tr h="307347">
+                <a:tc>
+                  <a:txBody>
+                    <a:bodyPr/>
+                    <a:lstStyle/>
+                    <a:p>
+                      <a:pPr marL="0" marR="0">
+                        <a:lnSpc>
+                          <a:spcPct val="107000"/>
+                        </a:lnSpc>
+                        <a:spcBef>
+                          <a:spcPts val="0"/>
+                        </a:spcBef>
+                        <a:spcAft>
+                          <a:spcPts val="800"/>
+                        </a:spcAft>
+                      </a:pPr>
+                      <a:r>
+                        <a:rPr lang="en-US" sz="1600">
+                          <a:effectLst/>
+                        </a:rPr>
+                        <a:t>Sunday</a:t>
+                      </a:r>
+                      <a:endParaRPr lang="en-US" sz="1600">
+                        <a:effectLst/>
+                        <a:latin typeface="Calibri" panose="020F0502020204030204" pitchFamily="34" charset="0"/>
+                        <a:ea typeface="Calibri" panose="020F0502020204030204" pitchFamily="34" charset="0"/>
+                        <a:cs typeface="Times New Roman" panose="02020603050405020304" pitchFamily="18" charset="0"/>
+                      </a:endParaRPr>
+                    </a:p>
+                  </a:txBody>
+                  <a:tcPr marL="15875" marR="15875" marT="15875" marB="15875" anchor="ctr">
+                    <a:lnL w="12700" cap="flat" cmpd="sng" algn="ctr">
+                      <a:solidFill>
+                        <a:schemeClr val="tx1"/>
+                      </a:solidFill>
+                      <a:prstDash val="solid"/>
+                      <a:round/>
+                      <a:headEnd type="none" w="med" len="med"/>
+                      <a:tailEnd type="none" w="med" len="med"/>
+                    </a:lnL>
+                    <a:lnR w="12700" cap="flat" cmpd="sng" algn="ctr">
+                      <a:solidFill>
+                        <a:schemeClr val="tx1"/>
+                      </a:solidFill>
+                      <a:prstDash val="solid"/>
+                      <a:round/>
+                      <a:headEnd type="none" w="med" len="med"/>
+                      <a:tailEnd type="none" w="med" len="med"/>
+                    </a:lnR>
+                    <a:lnT w="12700" cap="flat" cmpd="sng" algn="ctr">
+                      <a:solidFill>
+                        <a:schemeClr val="tx1"/>
+                      </a:solidFill>
+                      <a:prstDash val="solid"/>
+                      <a:round/>
+                      <a:headEnd type="none" w="med" len="med"/>
+                      <a:tailEnd type="none" w="med" len="med"/>
+                    </a:lnT>
+                    <a:lnB w="12700" cap="flat" cmpd="sng" algn="ctr">
+                      <a:solidFill>
+                        <a:schemeClr val="tx1"/>
+                      </a:solidFill>
+                      <a:prstDash val="solid"/>
+                      <a:round/>
+                      <a:headEnd type="none" w="med" len="med"/>
+                      <a:tailEnd type="none" w="med" len="med"/>
+                    </a:lnB>
+                    <a:lnTlToBr w="12700" cmpd="sng">
+                      <a:noFill/>
+                      <a:prstDash val="solid"/>
+                    </a:lnTlToBr>
+                    <a:lnBlToTr w="12700" cmpd="sng">
+                      <a:noFill/>
+                      <a:prstDash val="solid"/>
+                    </a:lnBlToTr>
+                    <a:solidFill>
+                      <a:schemeClr val="bg1"/>
+                    </a:solidFill>
+                  </a:tcPr>
+                </a:tc>
+                <a:tc>
+                  <a:txBody>
+                    <a:bodyPr/>
+                    <a:lstStyle/>
+                    <a:p>
+                      <a:pPr marL="0" marR="0">
+                        <a:lnSpc>
+                          <a:spcPct val="107000"/>
+                        </a:lnSpc>
+                        <a:spcBef>
+                          <a:spcPts val="0"/>
+                        </a:spcBef>
+                        <a:spcAft>
+                          <a:spcPts val="800"/>
+                        </a:spcAft>
+                      </a:pPr>
+                      <a:r>
+                        <a:rPr lang="en-US" sz="1600" dirty="0">
+                          <a:effectLst/>
+                        </a:rPr>
+                        <a:t>12 PM - 4 PM : Teams</a:t>
+                      </a:r>
+                      <a:endParaRPr lang="en-US" sz="1600" dirty="0">
+                        <a:effectLst/>
+                        <a:latin typeface="Calibri" panose="020F0502020204030204" pitchFamily="34" charset="0"/>
+                        <a:ea typeface="Calibri" panose="020F0502020204030204" pitchFamily="34" charset="0"/>
+                        <a:cs typeface="Times New Roman" panose="02020603050405020304" pitchFamily="18" charset="0"/>
+                      </a:endParaRPr>
+                    </a:p>
+                  </a:txBody>
+                  <a:tcPr marL="15875" marR="15875" marT="15875" marB="15875" anchor="ctr">
+                    <a:lnL w="12700" cap="flat" cmpd="sng" algn="ctr">
+                      <a:solidFill>
+                        <a:schemeClr val="tx1"/>
+                      </a:solidFill>
+                      <a:prstDash val="solid"/>
+                      <a:round/>
+                      <a:headEnd type="none" w="med" len="med"/>
+                      <a:tailEnd type="none" w="med" len="med"/>
+                    </a:lnL>
+                    <a:lnR w="12700" cap="flat" cmpd="sng" algn="ctr">
+                      <a:solidFill>
+                        <a:schemeClr val="tx1"/>
+                      </a:solidFill>
+                      <a:prstDash val="solid"/>
+                      <a:round/>
+                      <a:headEnd type="none" w="med" len="med"/>
+                      <a:tailEnd type="none" w="med" len="med"/>
+                    </a:lnR>
+                    <a:lnT w="12700" cap="flat" cmpd="sng" algn="ctr">
+                      <a:solidFill>
+                        <a:schemeClr val="tx1"/>
+                      </a:solidFill>
+                      <a:prstDash val="solid"/>
+                      <a:round/>
+                      <a:headEnd type="none" w="med" len="med"/>
+                      <a:tailEnd type="none" w="med" len="med"/>
+                    </a:lnT>
+                    <a:lnB w="12700" cap="flat" cmpd="sng" algn="ctr">
+                      <a:solidFill>
+                        <a:schemeClr val="tx1"/>
+                      </a:solidFill>
+                      <a:prstDash val="solid"/>
+                      <a:round/>
+                      <a:headEnd type="none" w="med" len="med"/>
+                      <a:tailEnd type="none" w="med" len="med"/>
+                    </a:lnB>
+                    <a:lnTlToBr w="12700" cmpd="sng">
+                      <a:noFill/>
+                      <a:prstDash val="solid"/>
+                    </a:lnTlToBr>
+                    <a:lnBlToTr w="12700" cmpd="sng">
+                      <a:noFill/>
+                      <a:prstDash val="solid"/>
+                    </a:lnBlToTr>
+                    <a:solidFill>
+                      <a:schemeClr val="bg1"/>
+                    </a:solidFill>
+                  </a:tcPr>
+                </a:tc>
+                <a:extLst>
+                  <a:ext uri="{0D108BD9-81ED-4DB2-BD59-A6C34878D82A}">
+                    <a16:rowId xmlns:a16="http://schemas.microsoft.com/office/drawing/2014/main" val="1928039740"/>
+                  </a:ext>
+                </a:extLst>
+              </a:tr>
+            </a:tbl>
+          </a:graphicData>
+        </a:graphic>
+      </p:graphicFrame>
     </p:spTree>
     <p:extLst>
       <p:ext uri="{BB962C8B-B14F-4D97-AF65-F5344CB8AC3E}">
@@ -13705,12 +14431,11 @@
 </file>
 
 <file path=customXml/item1.xml><?xml version="1.0" encoding="utf-8"?>
-<?mso-contentType ?>
-<FormTemplates xmlns="http://schemas.microsoft.com/sharepoint/v3/contenttype/forms">
-  <Display>DocumentLibraryForm</Display>
-  <Edit>DocumentLibraryForm</Edit>
-  <New>DocumentLibraryForm</New>
-</FormTemplates>
+<p:properties xmlns:p="http://schemas.microsoft.com/office/2006/metadata/properties" xmlns:xsi="http://www.w3.org/2001/XMLSchema-instance" xmlns:pc="http://schemas.microsoft.com/office/infopath/2007/PartnerControls">
+  <documentManagement>
+    <_activity xmlns="92c41bee-f0ee-4aa6-9399-a35fbb883510" xsi:nil="true"/>
+  </documentManagement>
+</p:properties>
 </file>
 
 <file path=customXml/item2.xml><?xml version="1.0" encoding="utf-8"?>
@@ -13949,17 +14674,27 @@
 </file>
 
 <file path=customXml/item3.xml><?xml version="1.0" encoding="utf-8"?>
-<p:properties xmlns:p="http://schemas.microsoft.com/office/2006/metadata/properties" xmlns:xsi="http://www.w3.org/2001/XMLSchema-instance" xmlns:pc="http://schemas.microsoft.com/office/infopath/2007/PartnerControls">
-  <documentManagement>
-    <_activity xmlns="92c41bee-f0ee-4aa6-9399-a35fbb883510" xsi:nil="true"/>
-  </documentManagement>
-</p:properties>
+<?mso-contentType ?>
+<FormTemplates xmlns="http://schemas.microsoft.com/sharepoint/v3/contenttype/forms">
+  <Display>DocumentLibraryForm</Display>
+  <Edit>DocumentLibraryForm</Edit>
+  <New>DocumentLibraryForm</New>
+</FormTemplates>
 </file>
 
 <file path=customXml/itemProps1.xml><?xml version="1.0" encoding="utf-8"?>
-<ds:datastoreItem xmlns:ds="http://schemas.openxmlformats.org/officeDocument/2006/customXml" ds:itemID="{89A51EB2-5938-4503-962D-41917281861E}">
+<ds:datastoreItem xmlns:ds="http://schemas.openxmlformats.org/officeDocument/2006/customXml" ds:itemID="{B0ABAC91-C1EB-481F-B60B-A09C54856BBA}">
   <ds:schemaRefs>
-    <ds:schemaRef ds:uri="http://schemas.microsoft.com/sharepoint/v3/contenttype/forms"/>
+    <ds:schemaRef ds:uri="http://schemas.microsoft.com/office/infopath/2007/PartnerControls"/>
+    <ds:schemaRef ds:uri="http://purl.org/dc/dcmitype/"/>
+    <ds:schemaRef ds:uri="http://www.w3.org/XML/1998/namespace"/>
+    <ds:schemaRef ds:uri="92c41bee-f0ee-4aa6-9399-a35fbb883510"/>
+    <ds:schemaRef ds:uri="http://schemas.openxmlformats.org/package/2006/metadata/core-properties"/>
+    <ds:schemaRef ds:uri="http://purl.org/dc/terms/"/>
+    <ds:schemaRef ds:uri="http://schemas.microsoft.com/office/2006/documentManagement/types"/>
+    <ds:schemaRef ds:uri="e06ed288-fd75-4b50-bbed-f5a5df88c31c"/>
+    <ds:schemaRef ds:uri="http://schemas.microsoft.com/office/2006/metadata/properties"/>
+    <ds:schemaRef ds:uri="http://purl.org/dc/elements/1.1/"/>
   </ds:schemaRefs>
 </ds:datastoreItem>
 </file>
@@ -13984,18 +14719,9 @@
 </file>
 
 <file path=customXml/itemProps3.xml><?xml version="1.0" encoding="utf-8"?>
-<ds:datastoreItem xmlns:ds="http://schemas.openxmlformats.org/officeDocument/2006/customXml" ds:itemID="{B0ABAC91-C1EB-481F-B60B-A09C54856BBA}">
+<ds:datastoreItem xmlns:ds="http://schemas.openxmlformats.org/officeDocument/2006/customXml" ds:itemID="{89A51EB2-5938-4503-962D-41917281861E}">
   <ds:schemaRefs>
-    <ds:schemaRef ds:uri="http://www.w3.org/XML/1998/namespace"/>
-    <ds:schemaRef ds:uri="http://schemas.microsoft.com/office/2006/metadata/properties"/>
-    <ds:schemaRef ds:uri="92c41bee-f0ee-4aa6-9399-a35fbb883510"/>
-    <ds:schemaRef ds:uri="http://purl.org/dc/dcmitype/"/>
-    <ds:schemaRef ds:uri="http://schemas.microsoft.com/office/2006/documentManagement/types"/>
-    <ds:schemaRef ds:uri="http://schemas.microsoft.com/office/infopath/2007/PartnerControls"/>
-    <ds:schemaRef ds:uri="http://purl.org/dc/terms/"/>
-    <ds:schemaRef ds:uri="http://schemas.openxmlformats.org/package/2006/metadata/core-properties"/>
-    <ds:schemaRef ds:uri="e06ed288-fd75-4b50-bbed-f5a5df88c31c"/>
-    <ds:schemaRef ds:uri="http://purl.org/dc/elements/1.1/"/>
+    <ds:schemaRef ds:uri="http://schemas.microsoft.com/sharepoint/v3/contenttype/forms"/>
   </ds:schemaRefs>
 </ds:datastoreItem>
 </file>
--- a/slides/On-Campus/10_01_Polymorphism.pptx
+++ b/slides/On-Campus/10_01_Polymorphism.pptx
@@ -152,10 +152,33 @@
   <pc:docChgLst>
     <pc:chgData name="Marcia Moraes" userId="c9c67e8a-58e2-4733-9a1c-5d44fec4775b" providerId="ADAL" clId="{CEC216D5-F2AA-4A6A-BA0F-ED2FDC307F4F}"/>
     <pc:docChg chg="custSel modSld">
-      <pc:chgData name="Marcia Moraes" userId="c9c67e8a-58e2-4733-9a1c-5d44fec4775b" providerId="ADAL" clId="{CEC216D5-F2AA-4A6A-BA0F-ED2FDC307F4F}" dt="2023-10-19T17:24:55.912" v="2" actId="1076"/>
+      <pc:chgData name="Marcia Moraes" userId="c9c67e8a-58e2-4733-9a1c-5d44fec4775b" providerId="ADAL" clId="{CEC216D5-F2AA-4A6A-BA0F-ED2FDC307F4F}" dt="2023-10-23T19:13:59.752" v="6" actId="478"/>
       <pc:docMkLst>
         <pc:docMk/>
       </pc:docMkLst>
+      <pc:sldChg chg="delSp modSp">
+        <pc:chgData name="Marcia Moraes" userId="c9c67e8a-58e2-4733-9a1c-5d44fec4775b" providerId="ADAL" clId="{CEC216D5-F2AA-4A6A-BA0F-ED2FDC307F4F}" dt="2023-10-23T19:13:59.752" v="6" actId="478"/>
+        <pc:sldMkLst>
+          <pc:docMk/>
+          <pc:sldMk cId="1439199420" sldId="264"/>
+        </pc:sldMkLst>
+        <pc:spChg chg="del mod">
+          <ac:chgData name="Marcia Moraes" userId="c9c67e8a-58e2-4733-9a1c-5d44fec4775b" providerId="ADAL" clId="{CEC216D5-F2AA-4A6A-BA0F-ED2FDC307F4F}" dt="2023-10-23T19:13:59.752" v="6" actId="478"/>
+          <ac:spMkLst>
+            <pc:docMk/>
+            <pc:sldMk cId="1439199420" sldId="264"/>
+            <ac:spMk id="3" creationId="{507F2138-38CE-FB4F-963C-1AF7D9CA4471}"/>
+          </ac:spMkLst>
+        </pc:spChg>
+        <pc:spChg chg="mod">
+          <ac:chgData name="Marcia Moraes" userId="c9c67e8a-58e2-4733-9a1c-5d44fec4775b" providerId="ADAL" clId="{CEC216D5-F2AA-4A6A-BA0F-ED2FDC307F4F}" dt="2023-10-23T19:13:57.213" v="5" actId="255"/>
+          <ac:spMkLst>
+            <pc:docMk/>
+            <pc:sldMk cId="1439199420" sldId="264"/>
+            <ac:spMk id="5" creationId="{BC3294FB-6AA5-4C38-ACE3-3B21B7375403}"/>
+          </ac:spMkLst>
+        </pc:spChg>
+      </pc:sldChg>
       <pc:sldChg chg="addSp delSp modSp">
         <pc:chgData name="Marcia Moraes" userId="c9c67e8a-58e2-4733-9a1c-5d44fec4775b" providerId="ADAL" clId="{CEC216D5-F2AA-4A6A-BA0F-ED2FDC307F4F}" dt="2023-10-19T17:24:55.912" v="2" actId="1076"/>
         <pc:sldMkLst>
@@ -274,7 +297,7 @@
           <a:p>
             <a:fld id="{4D7E51A5-B478-1E40-8CBB-0DAA8831E99D}" type="datetimeFigureOut">
               <a:rPr lang="en-US" smtClean="0"/>
-              <a:t>10/19/2023</a:t>
+              <a:t>10/23/2023</a:t>
             </a:fld>
             <a:endParaRPr lang="en-US"/>
           </a:p>
@@ -439,7 +462,7 @@
           <a:p>
             <a:fld id="{D0ED587F-861E-6740-9643-E3DDAE89B8D6}" type="datetimeFigureOut">
               <a:rPr lang="en-US" smtClean="0"/>
-              <a:t>10/19/2023</a:t>
+              <a:t>10/23/2023</a:t>
             </a:fld>
             <a:endParaRPr lang="en-US"/>
           </a:p>
@@ -11735,39 +11758,6 @@
       </p:sp>
       <p:sp>
         <p:nvSpPr>
-          <p:cNvPr id="3" name="Text Placeholder 2">
-            <a:extLst>
-              <a:ext uri="{FF2B5EF4-FFF2-40B4-BE49-F238E27FC236}">
-                <a16:creationId xmlns:a16="http://schemas.microsoft.com/office/drawing/2014/main" id="{507F2138-38CE-FB4F-963C-1AF7D9CA4471}"/>
-              </a:ext>
-            </a:extLst>
-          </p:cNvPr>
-          <p:cNvSpPr>
-            <a:spLocks noGrp="1"/>
-          </p:cNvSpPr>
-          <p:nvPr>
-            <p:ph type="body" sz="quarter" idx="10"/>
-          </p:nvPr>
-        </p:nvSpPr>
-        <p:spPr>
-          <a:xfrm>
-            <a:off x="628072" y="1266102"/>
-            <a:ext cx="11912268" cy="1023422"/>
-          </a:xfrm>
-        </p:spPr>
-        <p:txBody>
-          <a:bodyPr/>
-          <a:lstStyle/>
-          <a:p>
-            <a:r>
-              <a:rPr lang="en-US" sz="2400" dirty="0"/>
-              <a:t>Rewrite the class Pet to have its constructors properly overloaded.</a:t>
-            </a:r>
-          </a:p>
-        </p:txBody>
-      </p:sp>
-      <p:sp>
-        <p:nvSpPr>
           <p:cNvPr id="5" name="Rectangle 1">
             <a:extLst>
               <a:ext uri="{FF2B5EF4-FFF2-40B4-BE49-F238E27FC236}">
@@ -11782,8 +11772,8 @@
         </p:nvSpPr>
         <p:spPr bwMode="auto">
           <a:xfrm>
-            <a:off x="2382379" y="1959626"/>
-            <a:ext cx="9633857" cy="5262979"/>
+            <a:off x="1404257" y="1087769"/>
+            <a:ext cx="10611979" cy="6124754"/>
           </a:xfrm>
           <a:prstGeom prst="rect">
             <a:avLst/>
@@ -11820,7 +11810,7 @@
               <a:tabLst/>
             </a:pPr>
             <a:r>
-              <a:rPr kumimoji="0" lang="en-US" altLang="en-US" sz="2400" b="0" i="0" u="none" strike="noStrike" cap="none" normalizeH="0" baseline="0" dirty="0">
+              <a:rPr kumimoji="0" lang="en-US" altLang="en-US" sz="2800" b="0" i="0" u="none" strike="noStrike" cap="none" normalizeH="0" baseline="0" dirty="0">
                 <a:ln>
                   <a:noFill/>
                 </a:ln>
@@ -11833,7 +11823,7 @@
               <a:t>public static void </a:t>
             </a:r>
             <a:r>
-              <a:rPr kumimoji="0" lang="en-US" altLang="en-US" sz="2400" b="0" i="0" u="none" strike="noStrike" cap="none" normalizeH="0" baseline="0" dirty="0">
+              <a:rPr kumimoji="0" lang="en-US" altLang="en-US" sz="2800" b="0" i="0" u="none" strike="noStrike" cap="none" normalizeH="0" baseline="0" dirty="0">
                 <a:ln>
                   <a:noFill/>
                 </a:ln>
@@ -11846,7 +11836,7 @@
               <a:t>printArrayListV2</a:t>
             </a:r>
             <a:r>
-              <a:rPr kumimoji="0" lang="en-US" altLang="en-US" sz="2400" b="0" i="0" u="none" strike="noStrike" cap="none" normalizeH="0" baseline="0" dirty="0">
+              <a:rPr kumimoji="0" lang="en-US" altLang="en-US" sz="2800" b="0" i="0" u="none" strike="noStrike" cap="none" normalizeH="0" baseline="0" dirty="0">
                 <a:ln>
                   <a:noFill/>
                 </a:ln>
@@ -11859,7 +11849,7 @@
               <a:t>(</a:t>
             </a:r>
             <a:r>
-              <a:rPr kumimoji="0" lang="en-US" altLang="en-US" sz="2400" b="0" i="0" u="none" strike="noStrike" cap="none" normalizeH="0" baseline="0" dirty="0" err="1">
+              <a:rPr kumimoji="0" lang="en-US" altLang="en-US" sz="2800" b="0" i="0" u="none" strike="noStrike" cap="none" normalizeH="0" baseline="0" dirty="0" err="1">
                 <a:ln>
                   <a:noFill/>
                 </a:ln>
@@ -11872,7 +11862,7 @@
               <a:t>ArrayList</a:t>
             </a:r>
             <a:r>
-              <a:rPr kumimoji="0" lang="en-US" altLang="en-US" sz="2400" b="0" i="0" u="none" strike="noStrike" cap="none" normalizeH="0" baseline="0" dirty="0">
+              <a:rPr kumimoji="0" lang="en-US" altLang="en-US" sz="2800" b="0" i="0" u="none" strike="noStrike" cap="none" normalizeH="0" baseline="0" dirty="0">
                 <a:ln>
                   <a:noFill/>
                 </a:ln>
@@ -11885,7 +11875,7 @@
               <a:t>&lt;</a:t>
             </a:r>
             <a:r>
-              <a:rPr kumimoji="0" lang="en-US" altLang="en-US" sz="2400" b="0" i="0" u="none" strike="noStrike" cap="none" normalizeH="0" baseline="0" dirty="0">
+              <a:rPr kumimoji="0" lang="en-US" altLang="en-US" sz="2800" b="0" i="0" u="none" strike="noStrike" cap="none" normalizeH="0" baseline="0" dirty="0">
                 <a:ln>
                   <a:noFill/>
                 </a:ln>
@@ -11898,7 +11888,7 @@
               <a:t>Object</a:t>
             </a:r>
             <a:r>
-              <a:rPr kumimoji="0" lang="en-US" altLang="en-US" sz="2400" b="0" i="0" u="none" strike="noStrike" cap="none" normalizeH="0" baseline="0" dirty="0">
+              <a:rPr kumimoji="0" lang="en-US" altLang="en-US" sz="2800" b="0" i="0" u="none" strike="noStrike" cap="none" normalizeH="0" baseline="0" dirty="0">
                 <a:ln>
                   <a:noFill/>
                 </a:ln>
@@ -11911,7 +11901,7 @@
               <a:t>&gt; </a:t>
             </a:r>
             <a:r>
-              <a:rPr kumimoji="0" lang="en-US" altLang="en-US" sz="2400" b="0" i="0" u="none" strike="noStrike" cap="none" normalizeH="0" baseline="0" dirty="0" err="1">
+              <a:rPr kumimoji="0" lang="en-US" altLang="en-US" sz="2800" b="0" i="0" u="none" strike="noStrike" cap="none" normalizeH="0" baseline="0" dirty="0" err="1">
                 <a:ln>
                   <a:noFill/>
                 </a:ln>
@@ -11924,7 +11914,7 @@
               <a:t>objList</a:t>
             </a:r>
             <a:r>
-              <a:rPr kumimoji="0" lang="en-US" altLang="en-US" sz="2400" b="0" i="0" u="none" strike="noStrike" cap="none" normalizeH="0" baseline="0" dirty="0">
+              <a:rPr kumimoji="0" lang="en-US" altLang="en-US" sz="2800" b="0" i="0" u="none" strike="noStrike" cap="none" normalizeH="0" baseline="0" dirty="0">
                 <a:ln>
                   <a:noFill/>
                 </a:ln>
@@ -11937,7 +11927,7 @@
               <a:t>) {</a:t>
             </a:r>
             <a:br>
-              <a:rPr kumimoji="0" lang="en-US" altLang="en-US" sz="2400" b="0" i="0" u="none" strike="noStrike" cap="none" normalizeH="0" baseline="0" dirty="0">
+              <a:rPr kumimoji="0" lang="en-US" altLang="en-US" sz="2800" b="0" i="0" u="none" strike="noStrike" cap="none" normalizeH="0" baseline="0" dirty="0">
                 <a:ln>
                   <a:noFill/>
                 </a:ln>
@@ -11949,7 +11939,7 @@
               </a:rPr>
             </a:br>
             <a:r>
-              <a:rPr kumimoji="0" lang="en-US" altLang="en-US" sz="2400" b="0" i="0" u="none" strike="noStrike" cap="none" normalizeH="0" baseline="0" dirty="0">
+              <a:rPr kumimoji="0" lang="en-US" altLang="en-US" sz="2800" b="0" i="0" u="none" strike="noStrike" cap="none" normalizeH="0" baseline="0" dirty="0">
                 <a:ln>
                   <a:noFill/>
                 </a:ln>
@@ -11962,7 +11952,7 @@
               <a:t>    </a:t>
             </a:r>
             <a:r>
-              <a:rPr kumimoji="0" lang="en-US" altLang="en-US" sz="2400" b="0" i="0" u="none" strike="noStrike" cap="none" normalizeH="0" baseline="0" dirty="0">
+              <a:rPr kumimoji="0" lang="en-US" altLang="en-US" sz="2800" b="0" i="0" u="none" strike="noStrike" cap="none" normalizeH="0" baseline="0" dirty="0">
                 <a:ln>
                   <a:noFill/>
                 </a:ln>
@@ -11975,7 +11965,7 @@
               <a:t>int </a:t>
             </a:r>
             <a:r>
-              <a:rPr kumimoji="0" lang="en-US" altLang="en-US" sz="2400" b="0" i="0" u="none" strike="noStrike" cap="none" normalizeH="0" baseline="0" dirty="0" err="1">
+              <a:rPr kumimoji="0" lang="en-US" altLang="en-US" sz="2800" b="0" i="0" u="none" strike="noStrike" cap="none" normalizeH="0" baseline="0" dirty="0" err="1">
                 <a:ln>
                   <a:noFill/>
                 </a:ln>
@@ -11988,7 +11978,7 @@
               <a:t>i</a:t>
             </a:r>
             <a:r>
-              <a:rPr kumimoji="0" lang="en-US" altLang="en-US" sz="2400" b="0" i="0" u="none" strike="noStrike" cap="none" normalizeH="0" baseline="0" dirty="0">
+              <a:rPr kumimoji="0" lang="en-US" altLang="en-US" sz="2800" b="0" i="0" u="none" strike="noStrike" cap="none" normalizeH="0" baseline="0" dirty="0">
                 <a:ln>
                   <a:noFill/>
                 </a:ln>
@@ -12001,7 +11991,7 @@
               <a:t>;</a:t>
             </a:r>
             <a:br>
-              <a:rPr kumimoji="0" lang="en-US" altLang="en-US" sz="2400" b="0" i="0" u="none" strike="noStrike" cap="none" normalizeH="0" baseline="0" dirty="0">
+              <a:rPr kumimoji="0" lang="en-US" altLang="en-US" sz="2800" b="0" i="0" u="none" strike="noStrike" cap="none" normalizeH="0" baseline="0" dirty="0">
                 <a:ln>
                   <a:noFill/>
                 </a:ln>
@@ -12013,7 +12003,7 @@
               </a:rPr>
             </a:br>
             <a:r>
-              <a:rPr kumimoji="0" lang="en-US" altLang="en-US" sz="2400" b="0" i="0" u="none" strike="noStrike" cap="none" normalizeH="0" baseline="0" dirty="0">
+              <a:rPr kumimoji="0" lang="en-US" altLang="en-US" sz="2800" b="0" i="0" u="none" strike="noStrike" cap="none" normalizeH="0" baseline="0" dirty="0">
                 <a:ln>
                   <a:noFill/>
                 </a:ln>
@@ -12026,7 +12016,7 @@
               <a:t>    </a:t>
             </a:r>
             <a:r>
-              <a:rPr kumimoji="0" lang="en-US" altLang="en-US" sz="2400" b="0" i="0" u="none" strike="noStrike" cap="none" normalizeH="0" baseline="0" dirty="0">
+              <a:rPr kumimoji="0" lang="en-US" altLang="en-US" sz="2800" b="0" i="0" u="none" strike="noStrike" cap="none" normalizeH="0" baseline="0" dirty="0">
                 <a:ln>
                   <a:noFill/>
                 </a:ln>
@@ -12039,7 +12029,7 @@
               <a:t>for </a:t>
             </a:r>
             <a:r>
-              <a:rPr kumimoji="0" lang="en-US" altLang="en-US" sz="2400" b="0" i="0" u="none" strike="noStrike" cap="none" normalizeH="0" baseline="0" dirty="0">
+              <a:rPr kumimoji="0" lang="en-US" altLang="en-US" sz="2800" b="0" i="0" u="none" strike="noStrike" cap="none" normalizeH="0" baseline="0" dirty="0">
                 <a:ln>
                   <a:noFill/>
                 </a:ln>
@@ -12052,7 +12042,7 @@
               <a:t>(</a:t>
             </a:r>
             <a:r>
-              <a:rPr kumimoji="0" lang="en-US" altLang="en-US" sz="2400" b="0" i="0" u="none" strike="noStrike" cap="none" normalizeH="0" baseline="0" dirty="0" err="1">
+              <a:rPr kumimoji="0" lang="en-US" altLang="en-US" sz="2800" b="0" i="0" u="none" strike="noStrike" cap="none" normalizeH="0" baseline="0" dirty="0" err="1">
                 <a:ln>
                   <a:noFill/>
                 </a:ln>
@@ -12065,7 +12055,7 @@
               <a:t>i</a:t>
             </a:r>
             <a:r>
-              <a:rPr kumimoji="0" lang="en-US" altLang="en-US" sz="2400" b="0" i="0" u="none" strike="noStrike" cap="none" normalizeH="0" baseline="0" dirty="0">
+              <a:rPr kumimoji="0" lang="en-US" altLang="en-US" sz="2800" b="0" i="0" u="none" strike="noStrike" cap="none" normalizeH="0" baseline="0" dirty="0">
                 <a:ln>
                   <a:noFill/>
                 </a:ln>
@@ -12078,7 +12068,7 @@
               <a:t> = </a:t>
             </a:r>
             <a:r>
-              <a:rPr kumimoji="0" lang="en-US" altLang="en-US" sz="2400" b="0" i="0" u="none" strike="noStrike" cap="none" normalizeH="0" baseline="0" dirty="0">
+              <a:rPr kumimoji="0" lang="en-US" altLang="en-US" sz="2800" b="0" i="0" u="none" strike="noStrike" cap="none" normalizeH="0" baseline="0" dirty="0">
                 <a:ln>
                   <a:noFill/>
                 </a:ln>
@@ -12091,7 +12081,7 @@
               <a:t>0</a:t>
             </a:r>
             <a:r>
-              <a:rPr kumimoji="0" lang="en-US" altLang="en-US" sz="2400" b="0" i="0" u="none" strike="noStrike" cap="none" normalizeH="0" baseline="0" dirty="0">
+              <a:rPr kumimoji="0" lang="en-US" altLang="en-US" sz="2800" b="0" i="0" u="none" strike="noStrike" cap="none" normalizeH="0" baseline="0" dirty="0">
                 <a:ln>
                   <a:noFill/>
                 </a:ln>
@@ -12104,7 +12094,7 @@
               <a:t>; </a:t>
             </a:r>
             <a:r>
-              <a:rPr kumimoji="0" lang="en-US" altLang="en-US" sz="2400" b="0" i="0" u="none" strike="noStrike" cap="none" normalizeH="0" baseline="0" dirty="0" err="1">
+              <a:rPr kumimoji="0" lang="en-US" altLang="en-US" sz="2800" b="0" i="0" u="none" strike="noStrike" cap="none" normalizeH="0" baseline="0" dirty="0" err="1">
                 <a:ln>
                   <a:noFill/>
                 </a:ln>
@@ -12117,7 +12107,7 @@
               <a:t>i</a:t>
             </a:r>
             <a:r>
-              <a:rPr kumimoji="0" lang="en-US" altLang="en-US" sz="2400" b="0" i="0" u="none" strike="noStrike" cap="none" normalizeH="0" baseline="0" dirty="0">
+              <a:rPr kumimoji="0" lang="en-US" altLang="en-US" sz="2800" b="0" i="0" u="none" strike="noStrike" cap="none" normalizeH="0" baseline="0" dirty="0">
                 <a:ln>
                   <a:noFill/>
                 </a:ln>
@@ -12130,7 +12120,7 @@
               <a:t> &lt; </a:t>
             </a:r>
             <a:r>
-              <a:rPr kumimoji="0" lang="en-US" altLang="en-US" sz="2400" b="0" i="0" u="none" strike="noStrike" cap="none" normalizeH="0" baseline="0" dirty="0" err="1">
+              <a:rPr kumimoji="0" lang="en-US" altLang="en-US" sz="2800" b="0" i="0" u="none" strike="noStrike" cap="none" normalizeH="0" baseline="0" dirty="0" err="1">
                 <a:ln>
                   <a:noFill/>
                 </a:ln>
@@ -12143,7 +12133,7 @@
               <a:t>objList.size</a:t>
             </a:r>
             <a:r>
-              <a:rPr kumimoji="0" lang="en-US" altLang="en-US" sz="2400" b="0" i="0" u="none" strike="noStrike" cap="none" normalizeH="0" baseline="0" dirty="0">
+              <a:rPr kumimoji="0" lang="en-US" altLang="en-US" sz="2800" b="0" i="0" u="none" strike="noStrike" cap="none" normalizeH="0" baseline="0" dirty="0">
                 <a:ln>
                   <a:noFill/>
                 </a:ln>
@@ -12156,7 +12146,7 @@
               <a:t>(); ++</a:t>
             </a:r>
             <a:r>
-              <a:rPr kumimoji="0" lang="en-US" altLang="en-US" sz="2400" b="0" i="0" u="none" strike="noStrike" cap="none" normalizeH="0" baseline="0" dirty="0" err="1">
+              <a:rPr kumimoji="0" lang="en-US" altLang="en-US" sz="2800" b="0" i="0" u="none" strike="noStrike" cap="none" normalizeH="0" baseline="0" dirty="0" err="1">
                 <a:ln>
                   <a:noFill/>
                 </a:ln>
@@ -12169,7 +12159,7 @@
               <a:t>i</a:t>
             </a:r>
             <a:r>
-              <a:rPr kumimoji="0" lang="en-US" altLang="en-US" sz="2400" b="0" i="0" u="none" strike="noStrike" cap="none" normalizeH="0" baseline="0" dirty="0">
+              <a:rPr kumimoji="0" lang="en-US" altLang="en-US" sz="2800" b="0" i="0" u="none" strike="noStrike" cap="none" normalizeH="0" baseline="0" dirty="0">
                 <a:ln>
                   <a:noFill/>
                 </a:ln>
@@ -12182,7 +12172,7 @@
               <a:t>) {</a:t>
             </a:r>
             <a:br>
-              <a:rPr kumimoji="0" lang="en-US" altLang="en-US" sz="2400" b="0" i="0" u="none" strike="noStrike" cap="none" normalizeH="0" baseline="0" dirty="0">
+              <a:rPr kumimoji="0" lang="en-US" altLang="en-US" sz="2800" b="0" i="0" u="none" strike="noStrike" cap="none" normalizeH="0" baseline="0" dirty="0">
                 <a:ln>
                   <a:noFill/>
                 </a:ln>
@@ -12194,7 +12184,7 @@
               </a:rPr>
             </a:br>
             <a:r>
-              <a:rPr kumimoji="0" lang="en-US" altLang="en-US" sz="2400" b="0" i="0" u="none" strike="noStrike" cap="none" normalizeH="0" baseline="0" dirty="0">
+              <a:rPr kumimoji="0" lang="en-US" altLang="en-US" sz="2800" b="0" i="0" u="none" strike="noStrike" cap="none" normalizeH="0" baseline="0" dirty="0">
                 <a:ln>
                   <a:noFill/>
                 </a:ln>
@@ -12207,7 +12197,7 @@
               <a:t>        </a:t>
             </a:r>
             <a:r>
-              <a:rPr kumimoji="0" lang="en-US" altLang="en-US" sz="2400" b="0" i="0" u="none" strike="noStrike" cap="none" normalizeH="0" baseline="0" dirty="0">
+              <a:rPr kumimoji="0" lang="en-US" altLang="en-US" sz="2800" b="0" i="0" u="none" strike="noStrike" cap="none" normalizeH="0" baseline="0" dirty="0">
                 <a:ln>
                   <a:noFill/>
                 </a:ln>
@@ -12220,7 +12210,7 @@
               <a:t>Object obj </a:t>
             </a:r>
             <a:r>
-              <a:rPr kumimoji="0" lang="en-US" altLang="en-US" sz="2400" b="0" i="0" u="none" strike="noStrike" cap="none" normalizeH="0" baseline="0" dirty="0">
+              <a:rPr kumimoji="0" lang="en-US" altLang="en-US" sz="2800" b="0" i="0" u="none" strike="noStrike" cap="none" normalizeH="0" baseline="0" dirty="0">
                 <a:ln>
                   <a:noFill/>
                 </a:ln>
@@ -12233,7 +12223,7 @@
               <a:t>= </a:t>
             </a:r>
             <a:r>
-              <a:rPr kumimoji="0" lang="en-US" altLang="en-US" sz="2400" b="0" i="0" u="none" strike="noStrike" cap="none" normalizeH="0" baseline="0" dirty="0" err="1">
+              <a:rPr kumimoji="0" lang="en-US" altLang="en-US" sz="2800" b="0" i="0" u="none" strike="noStrike" cap="none" normalizeH="0" baseline="0" dirty="0" err="1">
                 <a:ln>
                   <a:noFill/>
                 </a:ln>
@@ -12246,7 +12236,7 @@
               <a:t>objList.get</a:t>
             </a:r>
             <a:r>
-              <a:rPr kumimoji="0" lang="en-US" altLang="en-US" sz="2400" b="0" i="0" u="none" strike="noStrike" cap="none" normalizeH="0" baseline="0" dirty="0">
+              <a:rPr kumimoji="0" lang="en-US" altLang="en-US" sz="2800" b="0" i="0" u="none" strike="noStrike" cap="none" normalizeH="0" baseline="0" dirty="0">
                 <a:ln>
                   <a:noFill/>
                 </a:ln>
@@ -12259,7 +12249,7 @@
               <a:t>(</a:t>
             </a:r>
             <a:r>
-              <a:rPr kumimoji="0" lang="en-US" altLang="en-US" sz="2400" b="0" i="0" u="none" strike="noStrike" cap="none" normalizeH="0" baseline="0" dirty="0" err="1">
+              <a:rPr kumimoji="0" lang="en-US" altLang="en-US" sz="2800" b="0" i="0" u="none" strike="noStrike" cap="none" normalizeH="0" baseline="0" dirty="0" err="1">
                 <a:ln>
                   <a:noFill/>
                 </a:ln>
@@ -12272,7 +12262,7 @@
               <a:t>i</a:t>
             </a:r>
             <a:r>
-              <a:rPr kumimoji="0" lang="en-US" altLang="en-US" sz="2400" b="0" i="0" u="none" strike="noStrike" cap="none" normalizeH="0" baseline="0" dirty="0">
+              <a:rPr kumimoji="0" lang="en-US" altLang="en-US" sz="2800" b="0" i="0" u="none" strike="noStrike" cap="none" normalizeH="0" baseline="0" dirty="0">
                 <a:ln>
                   <a:noFill/>
                 </a:ln>
@@ -12285,7 +12275,7 @@
               <a:t>);</a:t>
             </a:r>
             <a:br>
-              <a:rPr kumimoji="0" lang="en-US" altLang="en-US" sz="2400" b="0" i="0" u="none" strike="noStrike" cap="none" normalizeH="0" baseline="0" dirty="0">
+              <a:rPr kumimoji="0" lang="en-US" altLang="en-US" sz="2800" b="0" i="0" u="none" strike="noStrike" cap="none" normalizeH="0" baseline="0" dirty="0">
                 <a:ln>
                   <a:noFill/>
                 </a:ln>
@@ -12297,7 +12287,7 @@
               </a:rPr>
             </a:br>
             <a:r>
-              <a:rPr kumimoji="0" lang="en-US" altLang="en-US" sz="2400" b="0" i="0" u="none" strike="noStrike" cap="none" normalizeH="0" baseline="0" dirty="0">
+              <a:rPr kumimoji="0" lang="en-US" altLang="en-US" sz="2800" b="0" i="0" u="none" strike="noStrike" cap="none" normalizeH="0" baseline="0" dirty="0">
                 <a:ln>
                   <a:noFill/>
                 </a:ln>
@@ -12310,7 +12300,7 @@
               <a:t>        </a:t>
             </a:r>
             <a:r>
-              <a:rPr kumimoji="0" lang="en-US" altLang="en-US" sz="2400" b="0" i="0" u="none" strike="noStrike" cap="none" normalizeH="0" baseline="0" dirty="0">
+              <a:rPr kumimoji="0" lang="en-US" altLang="en-US" sz="2800" b="0" i="0" u="none" strike="noStrike" cap="none" normalizeH="0" baseline="0" dirty="0">
                 <a:ln>
                   <a:noFill/>
                 </a:ln>
@@ -12323,7 +12313,7 @@
               <a:t>if</a:t>
             </a:r>
             <a:r>
-              <a:rPr kumimoji="0" lang="en-US" altLang="en-US" sz="2400" b="0" i="0" u="none" strike="noStrike" cap="none" normalizeH="0" baseline="0" dirty="0">
+              <a:rPr kumimoji="0" lang="en-US" altLang="en-US" sz="2800" b="0" i="0" u="none" strike="noStrike" cap="none" normalizeH="0" baseline="0" dirty="0">
                 <a:ln>
                   <a:noFill/>
                 </a:ln>
@@ -12336,7 +12326,7 @@
               <a:t>(</a:t>
             </a:r>
             <a:r>
-              <a:rPr kumimoji="0" lang="en-US" altLang="en-US" sz="2400" b="0" i="0" u="none" strike="noStrike" cap="none" normalizeH="0" baseline="0" dirty="0">
+              <a:rPr kumimoji="0" lang="en-US" altLang="en-US" sz="2800" b="0" i="0" u="none" strike="noStrike" cap="none" normalizeH="0" baseline="0" dirty="0">
                 <a:ln>
                   <a:noFill/>
                 </a:ln>
@@ -12349,7 +12339,7 @@
               <a:t>obj </a:t>
             </a:r>
             <a:r>
-              <a:rPr kumimoji="0" lang="en-US" altLang="en-US" sz="2400" b="0" i="0" u="none" strike="noStrike" cap="none" normalizeH="0" baseline="0" dirty="0" err="1">
+              <a:rPr kumimoji="0" lang="en-US" altLang="en-US" sz="2800" b="0" i="0" u="none" strike="noStrike" cap="none" normalizeH="0" baseline="0" dirty="0" err="1">
                 <a:ln>
                   <a:noFill/>
                 </a:ln>
@@ -12362,7 +12352,7 @@
               <a:t>instanceof</a:t>
             </a:r>
             <a:r>
-              <a:rPr kumimoji="0" lang="en-US" altLang="en-US" sz="2400" b="0" i="0" u="none" strike="noStrike" cap="none" normalizeH="0" baseline="0" dirty="0">
+              <a:rPr kumimoji="0" lang="en-US" altLang="en-US" sz="2800" b="0" i="0" u="none" strike="noStrike" cap="none" normalizeH="0" baseline="0" dirty="0">
                 <a:ln>
                   <a:noFill/>
                 </a:ln>
@@ -12375,7 +12365,7 @@
               <a:t> </a:t>
             </a:r>
             <a:r>
-              <a:rPr kumimoji="0" lang="en-US" altLang="en-US" sz="2400" b="0" i="0" u="none" strike="noStrike" cap="none" normalizeH="0" baseline="0" dirty="0">
+              <a:rPr kumimoji="0" lang="en-US" altLang="en-US" sz="2800" b="0" i="0" u="none" strike="noStrike" cap="none" normalizeH="0" baseline="0" dirty="0">
                 <a:ln>
                   <a:noFill/>
                 </a:ln>
@@ -12388,7 +12378,7 @@
               <a:t>String</a:t>
             </a:r>
             <a:r>
-              <a:rPr kumimoji="0" lang="en-US" altLang="en-US" sz="2400" b="0" i="0" u="none" strike="noStrike" cap="none" normalizeH="0" baseline="0" dirty="0">
+              <a:rPr kumimoji="0" lang="en-US" altLang="en-US" sz="2800" b="0" i="0" u="none" strike="noStrike" cap="none" normalizeH="0" baseline="0" dirty="0">
                 <a:ln>
                   <a:noFill/>
                 </a:ln>
@@ -12401,7 +12391,7 @@
               <a:t>)</a:t>
             </a:r>
             <a:br>
-              <a:rPr kumimoji="0" lang="en-US" altLang="en-US" sz="2400" b="0" i="0" u="none" strike="noStrike" cap="none" normalizeH="0" baseline="0" dirty="0">
+              <a:rPr kumimoji="0" lang="en-US" altLang="en-US" sz="2800" b="0" i="0" u="none" strike="noStrike" cap="none" normalizeH="0" baseline="0" dirty="0">
                 <a:ln>
                   <a:noFill/>
                 </a:ln>
@@ -12413,7 +12403,7 @@
               </a:rPr>
             </a:br>
             <a:r>
-              <a:rPr kumimoji="0" lang="en-US" altLang="en-US" sz="2400" b="0" i="0" u="none" strike="noStrike" cap="none" normalizeH="0" baseline="0" dirty="0">
+              <a:rPr kumimoji="0" lang="en-US" altLang="en-US" sz="2800" b="0" i="0" u="none" strike="noStrike" cap="none" normalizeH="0" baseline="0" dirty="0">
                 <a:ln>
                   <a:noFill/>
                 </a:ln>
@@ -12426,7 +12416,7 @@
               <a:t>            </a:t>
             </a:r>
             <a:r>
-              <a:rPr kumimoji="0" lang="en-US" altLang="en-US" sz="2400" b="0" i="0" u="none" strike="noStrike" cap="none" normalizeH="0" baseline="0" dirty="0" err="1">
+              <a:rPr kumimoji="0" lang="en-US" altLang="en-US" sz="2800" b="0" i="0" u="none" strike="noStrike" cap="none" normalizeH="0" baseline="0" dirty="0" err="1">
                 <a:ln>
                   <a:noFill/>
                 </a:ln>
@@ -12439,7 +12429,7 @@
               <a:t>System</a:t>
             </a:r>
             <a:r>
-              <a:rPr kumimoji="0" lang="en-US" altLang="en-US" sz="2400" b="0" i="0" u="none" strike="noStrike" cap="none" normalizeH="0" baseline="0" dirty="0" err="1">
+              <a:rPr kumimoji="0" lang="en-US" altLang="en-US" sz="2800" b="0" i="0" u="none" strike="noStrike" cap="none" normalizeH="0" baseline="0" dirty="0" err="1">
                 <a:ln>
                   <a:noFill/>
                 </a:ln>
@@ -12452,7 +12442,7 @@
               <a:t>.</a:t>
             </a:r>
             <a:r>
-              <a:rPr kumimoji="0" lang="en-US" altLang="en-US" sz="2400" b="0" i="1" u="none" strike="noStrike" cap="none" normalizeH="0" baseline="0" dirty="0" err="1">
+              <a:rPr kumimoji="0" lang="en-US" altLang="en-US" sz="2800" b="0" i="1" u="none" strike="noStrike" cap="none" normalizeH="0" baseline="0" dirty="0" err="1">
                 <a:ln>
                   <a:noFill/>
                 </a:ln>
@@ -12465,7 +12455,7 @@
               <a:t>out</a:t>
             </a:r>
             <a:r>
-              <a:rPr kumimoji="0" lang="en-US" altLang="en-US" sz="2400" b="0" i="0" u="none" strike="noStrike" cap="none" normalizeH="0" baseline="0" dirty="0" err="1">
+              <a:rPr kumimoji="0" lang="en-US" altLang="en-US" sz="2800" b="0" i="0" u="none" strike="noStrike" cap="none" normalizeH="0" baseline="0" dirty="0" err="1">
                 <a:ln>
                   <a:noFill/>
                 </a:ln>
@@ -12478,7 +12468,7 @@
               <a:t>.println</a:t>
             </a:r>
             <a:r>
-              <a:rPr kumimoji="0" lang="en-US" altLang="en-US" sz="2400" b="0" i="0" u="none" strike="noStrike" cap="none" normalizeH="0" baseline="0" dirty="0">
+              <a:rPr kumimoji="0" lang="en-US" altLang="en-US" sz="2800" b="0" i="0" u="none" strike="noStrike" cap="none" normalizeH="0" baseline="0" dirty="0">
                 <a:ln>
                   <a:noFill/>
                 </a:ln>
@@ -12491,7 +12481,7 @@
               <a:t>(</a:t>
             </a:r>
             <a:r>
-              <a:rPr kumimoji="0" lang="en-US" altLang="en-US" sz="2400" b="0" i="0" u="none" strike="noStrike" cap="none" normalizeH="0" baseline="0" dirty="0">
+              <a:rPr kumimoji="0" lang="en-US" altLang="en-US" sz="2800" b="0" i="0" u="none" strike="noStrike" cap="none" normalizeH="0" baseline="0" dirty="0">
                 <a:ln>
                   <a:noFill/>
                 </a:ln>
@@ -12504,7 +12494,7 @@
               <a:t>"String:" </a:t>
             </a:r>
             <a:r>
-              <a:rPr kumimoji="0" lang="en-US" altLang="en-US" sz="2400" b="0" i="0" u="none" strike="noStrike" cap="none" normalizeH="0" baseline="0" dirty="0">
+              <a:rPr kumimoji="0" lang="en-US" altLang="en-US" sz="2800" b="0" i="0" u="none" strike="noStrike" cap="none" normalizeH="0" baseline="0" dirty="0">
                 <a:ln>
                   <a:noFill/>
                 </a:ln>
@@ -12517,7 +12507,7 @@
               <a:t>+ </a:t>
             </a:r>
             <a:r>
-              <a:rPr kumimoji="0" lang="en-US" altLang="en-US" sz="2400" b="0" i="0" u="none" strike="noStrike" cap="none" normalizeH="0" baseline="0" dirty="0" err="1">
+              <a:rPr kumimoji="0" lang="en-US" altLang="en-US" sz="2800" b="0" i="0" u="none" strike="noStrike" cap="none" normalizeH="0" baseline="0" dirty="0" err="1">
                 <a:ln>
                   <a:noFill/>
                 </a:ln>
@@ -12530,7 +12520,7 @@
               <a:t>objList.get</a:t>
             </a:r>
             <a:r>
-              <a:rPr kumimoji="0" lang="en-US" altLang="en-US" sz="2400" b="0" i="0" u="none" strike="noStrike" cap="none" normalizeH="0" baseline="0" dirty="0">
+              <a:rPr kumimoji="0" lang="en-US" altLang="en-US" sz="2800" b="0" i="0" u="none" strike="noStrike" cap="none" normalizeH="0" baseline="0" dirty="0">
                 <a:ln>
                   <a:noFill/>
                 </a:ln>
@@ -12543,7 +12533,7 @@
               <a:t>(</a:t>
             </a:r>
             <a:r>
-              <a:rPr kumimoji="0" lang="en-US" altLang="en-US" sz="2400" b="0" i="0" u="none" strike="noStrike" cap="none" normalizeH="0" baseline="0" dirty="0" err="1">
+              <a:rPr kumimoji="0" lang="en-US" altLang="en-US" sz="2800" b="0" i="0" u="none" strike="noStrike" cap="none" normalizeH="0" baseline="0" dirty="0" err="1">
                 <a:ln>
                   <a:noFill/>
                 </a:ln>
@@ -12556,7 +12546,7 @@
               <a:t>i</a:t>
             </a:r>
             <a:r>
-              <a:rPr kumimoji="0" lang="en-US" altLang="en-US" sz="2400" b="0" i="0" u="none" strike="noStrike" cap="none" normalizeH="0" baseline="0" dirty="0">
+              <a:rPr kumimoji="0" lang="en-US" altLang="en-US" sz="2800" b="0" i="0" u="none" strike="noStrike" cap="none" normalizeH="0" baseline="0" dirty="0">
                 <a:ln>
                   <a:noFill/>
                 </a:ln>
@@ -12569,7 +12559,7 @@
               <a:t>));</a:t>
             </a:r>
             <a:br>
-              <a:rPr kumimoji="0" lang="en-US" altLang="en-US" sz="2400" b="0" i="0" u="none" strike="noStrike" cap="none" normalizeH="0" baseline="0" dirty="0">
+              <a:rPr kumimoji="0" lang="en-US" altLang="en-US" sz="2800" b="0" i="0" u="none" strike="noStrike" cap="none" normalizeH="0" baseline="0" dirty="0">
                 <a:ln>
                   <a:noFill/>
                 </a:ln>
@@ -12581,7 +12571,7 @@
               </a:rPr>
             </a:br>
             <a:r>
-              <a:rPr kumimoji="0" lang="en-US" altLang="en-US" sz="2400" b="0" i="0" u="none" strike="noStrike" cap="none" normalizeH="0" baseline="0" dirty="0">
+              <a:rPr kumimoji="0" lang="en-US" altLang="en-US" sz="2800" b="0" i="0" u="none" strike="noStrike" cap="none" normalizeH="0" baseline="0" dirty="0">
                 <a:ln>
                   <a:noFill/>
                 </a:ln>
@@ -12594,7 +12584,7 @@
               <a:t>        </a:t>
             </a:r>
             <a:r>
-              <a:rPr kumimoji="0" lang="en-US" altLang="en-US" sz="2400" b="0" i="0" u="none" strike="noStrike" cap="none" normalizeH="0" baseline="0" dirty="0">
+              <a:rPr kumimoji="0" lang="en-US" altLang="en-US" sz="2800" b="0" i="0" u="none" strike="noStrike" cap="none" normalizeH="0" baseline="0" dirty="0">
                 <a:ln>
                   <a:noFill/>
                 </a:ln>
@@ -12607,7 +12597,7 @@
               <a:t>else if</a:t>
             </a:r>
             <a:r>
-              <a:rPr kumimoji="0" lang="en-US" altLang="en-US" sz="2400" b="0" i="0" u="none" strike="noStrike" cap="none" normalizeH="0" baseline="0" dirty="0">
+              <a:rPr kumimoji="0" lang="en-US" altLang="en-US" sz="2800" b="0" i="0" u="none" strike="noStrike" cap="none" normalizeH="0" baseline="0" dirty="0">
                 <a:ln>
                   <a:noFill/>
                 </a:ln>
@@ -12620,7 +12610,7 @@
               <a:t>(</a:t>
             </a:r>
             <a:r>
-              <a:rPr kumimoji="0" lang="en-US" altLang="en-US" sz="2400" b="0" i="0" u="none" strike="noStrike" cap="none" normalizeH="0" baseline="0" dirty="0">
+              <a:rPr kumimoji="0" lang="en-US" altLang="en-US" sz="2800" b="0" i="0" u="none" strike="noStrike" cap="none" normalizeH="0" baseline="0" dirty="0">
                 <a:ln>
                   <a:noFill/>
                 </a:ln>
@@ -12633,7 +12623,7 @@
               <a:t>obj </a:t>
             </a:r>
             <a:r>
-              <a:rPr kumimoji="0" lang="en-US" altLang="en-US" sz="2400" b="0" i="0" u="none" strike="noStrike" cap="none" normalizeH="0" baseline="0" dirty="0" err="1">
+              <a:rPr kumimoji="0" lang="en-US" altLang="en-US" sz="2800" b="0" i="0" u="none" strike="noStrike" cap="none" normalizeH="0" baseline="0" dirty="0" err="1">
                 <a:ln>
                   <a:noFill/>
                 </a:ln>
@@ -12646,7 +12636,7 @@
               <a:t>instanceof</a:t>
             </a:r>
             <a:r>
-              <a:rPr kumimoji="0" lang="en-US" altLang="en-US" sz="2400" b="0" i="0" u="none" strike="noStrike" cap="none" normalizeH="0" baseline="0" dirty="0">
+              <a:rPr kumimoji="0" lang="en-US" altLang="en-US" sz="2800" b="0" i="0" u="none" strike="noStrike" cap="none" normalizeH="0" baseline="0" dirty="0">
                 <a:ln>
                   <a:noFill/>
                 </a:ln>
@@ -12659,7 +12649,7 @@
               <a:t> </a:t>
             </a:r>
             <a:r>
-              <a:rPr kumimoji="0" lang="en-US" altLang="en-US" sz="2400" b="0" i="0" u="none" strike="noStrike" cap="none" normalizeH="0" baseline="0" dirty="0">
+              <a:rPr kumimoji="0" lang="en-US" altLang="en-US" sz="2800" b="0" i="0" u="none" strike="noStrike" cap="none" normalizeH="0" baseline="0" dirty="0">
                 <a:ln>
                   <a:noFill/>
                 </a:ln>
@@ -12672,7 +12662,7 @@
               <a:t>Integer</a:t>
             </a:r>
             <a:r>
-              <a:rPr kumimoji="0" lang="en-US" altLang="en-US" sz="2400" b="0" i="0" u="none" strike="noStrike" cap="none" normalizeH="0" baseline="0" dirty="0">
+              <a:rPr kumimoji="0" lang="en-US" altLang="en-US" sz="2800" b="0" i="0" u="none" strike="noStrike" cap="none" normalizeH="0" baseline="0" dirty="0">
                 <a:ln>
                   <a:noFill/>
                 </a:ln>
@@ -12685,7 +12675,7 @@
               <a:t>)</a:t>
             </a:r>
             <a:br>
-              <a:rPr kumimoji="0" lang="en-US" altLang="en-US" sz="2400" b="0" i="0" u="none" strike="noStrike" cap="none" normalizeH="0" baseline="0" dirty="0">
+              <a:rPr kumimoji="0" lang="en-US" altLang="en-US" sz="2800" b="0" i="0" u="none" strike="noStrike" cap="none" normalizeH="0" baseline="0" dirty="0">
                 <a:ln>
                   <a:noFill/>
                 </a:ln>
@@ -12697,7 +12687,7 @@
               </a:rPr>
             </a:br>
             <a:r>
-              <a:rPr kumimoji="0" lang="en-US" altLang="en-US" sz="2400" b="0" i="0" u="none" strike="noStrike" cap="none" normalizeH="0" baseline="0" dirty="0">
+              <a:rPr kumimoji="0" lang="en-US" altLang="en-US" sz="2800" b="0" i="0" u="none" strike="noStrike" cap="none" normalizeH="0" baseline="0" dirty="0">
                 <a:ln>
                   <a:noFill/>
                 </a:ln>
@@ -12710,7 +12700,7 @@
               <a:t>            </a:t>
             </a:r>
             <a:r>
-              <a:rPr kumimoji="0" lang="en-US" altLang="en-US" sz="2400" b="0" i="0" u="none" strike="noStrike" cap="none" normalizeH="0" baseline="0" dirty="0" err="1">
+              <a:rPr kumimoji="0" lang="en-US" altLang="en-US" sz="2800" b="0" i="0" u="none" strike="noStrike" cap="none" normalizeH="0" baseline="0" dirty="0" err="1">
                 <a:ln>
                   <a:noFill/>
                 </a:ln>
@@ -12723,7 +12713,7 @@
               <a:t>System</a:t>
             </a:r>
             <a:r>
-              <a:rPr kumimoji="0" lang="en-US" altLang="en-US" sz="2400" b="0" i="0" u="none" strike="noStrike" cap="none" normalizeH="0" baseline="0" dirty="0" err="1">
+              <a:rPr kumimoji="0" lang="en-US" altLang="en-US" sz="2800" b="0" i="0" u="none" strike="noStrike" cap="none" normalizeH="0" baseline="0" dirty="0" err="1">
                 <a:ln>
                   <a:noFill/>
                 </a:ln>
@@ -12736,7 +12726,7 @@
               <a:t>.</a:t>
             </a:r>
             <a:r>
-              <a:rPr kumimoji="0" lang="en-US" altLang="en-US" sz="2400" b="0" i="1" u="none" strike="noStrike" cap="none" normalizeH="0" baseline="0" dirty="0" err="1">
+              <a:rPr kumimoji="0" lang="en-US" altLang="en-US" sz="2800" b="0" i="1" u="none" strike="noStrike" cap="none" normalizeH="0" baseline="0" dirty="0" err="1">
                 <a:ln>
                   <a:noFill/>
                 </a:ln>
@@ -12749,7 +12739,7 @@
               <a:t>out</a:t>
             </a:r>
             <a:r>
-              <a:rPr kumimoji="0" lang="en-US" altLang="en-US" sz="2400" b="0" i="0" u="none" strike="noStrike" cap="none" normalizeH="0" baseline="0" dirty="0" err="1">
+              <a:rPr kumimoji="0" lang="en-US" altLang="en-US" sz="2800" b="0" i="0" u="none" strike="noStrike" cap="none" normalizeH="0" baseline="0" dirty="0" err="1">
                 <a:ln>
                   <a:noFill/>
                 </a:ln>
@@ -12762,7 +12752,7 @@
               <a:t>.println</a:t>
             </a:r>
             <a:r>
-              <a:rPr kumimoji="0" lang="en-US" altLang="en-US" sz="2400" b="0" i="0" u="none" strike="noStrike" cap="none" normalizeH="0" baseline="0" dirty="0">
+              <a:rPr kumimoji="0" lang="en-US" altLang="en-US" sz="2800" b="0" i="0" u="none" strike="noStrike" cap="none" normalizeH="0" baseline="0" dirty="0">
                 <a:ln>
                   <a:noFill/>
                 </a:ln>
@@ -12775,7 +12765,7 @@
               <a:t>(</a:t>
             </a:r>
             <a:r>
-              <a:rPr kumimoji="0" lang="en-US" altLang="en-US" sz="2400" b="0" i="0" u="none" strike="noStrike" cap="none" normalizeH="0" baseline="0" dirty="0">
+              <a:rPr kumimoji="0" lang="en-US" altLang="en-US" sz="2800" b="0" i="0" u="none" strike="noStrike" cap="none" normalizeH="0" baseline="0" dirty="0">
                 <a:ln>
                   <a:noFill/>
                 </a:ln>
@@ -12788,7 +12778,7 @@
               <a:t>"Integer:" </a:t>
             </a:r>
             <a:r>
-              <a:rPr kumimoji="0" lang="en-US" altLang="en-US" sz="2400" b="0" i="0" u="none" strike="noStrike" cap="none" normalizeH="0" baseline="0" dirty="0">
+              <a:rPr kumimoji="0" lang="en-US" altLang="en-US" sz="2800" b="0" i="0" u="none" strike="noStrike" cap="none" normalizeH="0" baseline="0" dirty="0">
                 <a:ln>
                   <a:noFill/>
                 </a:ln>
@@ -12801,7 +12791,7 @@
               <a:t>+ </a:t>
             </a:r>
             <a:r>
-              <a:rPr kumimoji="0" lang="en-US" altLang="en-US" sz="2400" b="0" i="0" u="none" strike="noStrike" cap="none" normalizeH="0" baseline="0" dirty="0" err="1">
+              <a:rPr kumimoji="0" lang="en-US" altLang="en-US" sz="2800" b="0" i="0" u="none" strike="noStrike" cap="none" normalizeH="0" baseline="0" dirty="0" err="1">
                 <a:ln>
                   <a:noFill/>
                 </a:ln>
@@ -12814,7 +12804,7 @@
               <a:t>objList.get</a:t>
             </a:r>
             <a:r>
-              <a:rPr kumimoji="0" lang="en-US" altLang="en-US" sz="2400" b="0" i="0" u="none" strike="noStrike" cap="none" normalizeH="0" baseline="0" dirty="0">
+              <a:rPr kumimoji="0" lang="en-US" altLang="en-US" sz="2800" b="0" i="0" u="none" strike="noStrike" cap="none" normalizeH="0" baseline="0" dirty="0">
                 <a:ln>
                   <a:noFill/>
                 </a:ln>
@@ -12827,7 +12817,7 @@
               <a:t>(</a:t>
             </a:r>
             <a:r>
-              <a:rPr kumimoji="0" lang="en-US" altLang="en-US" sz="2400" b="0" i="0" u="none" strike="noStrike" cap="none" normalizeH="0" baseline="0" dirty="0" err="1">
+              <a:rPr kumimoji="0" lang="en-US" altLang="en-US" sz="2800" b="0" i="0" u="none" strike="noStrike" cap="none" normalizeH="0" baseline="0" dirty="0" err="1">
                 <a:ln>
                   <a:noFill/>
                 </a:ln>
@@ -12840,7 +12830,7 @@
               <a:t>i</a:t>
             </a:r>
             <a:r>
-              <a:rPr kumimoji="0" lang="en-US" altLang="en-US" sz="2400" b="0" i="0" u="none" strike="noStrike" cap="none" normalizeH="0" baseline="0" dirty="0">
+              <a:rPr kumimoji="0" lang="en-US" altLang="en-US" sz="2800" b="0" i="0" u="none" strike="noStrike" cap="none" normalizeH="0" baseline="0" dirty="0">
                 <a:ln>
                   <a:noFill/>
                 </a:ln>
@@ -12853,7 +12843,7 @@
               <a:t>));</a:t>
             </a:r>
             <a:br>
-              <a:rPr kumimoji="0" lang="en-US" altLang="en-US" sz="2400" b="0" i="0" u="none" strike="noStrike" cap="none" normalizeH="0" baseline="0" dirty="0">
+              <a:rPr kumimoji="0" lang="en-US" altLang="en-US" sz="2800" b="0" i="0" u="none" strike="noStrike" cap="none" normalizeH="0" baseline="0" dirty="0">
                 <a:ln>
                   <a:noFill/>
                 </a:ln>
@@ -12865,7 +12855,7 @@
               </a:rPr>
             </a:br>
             <a:r>
-              <a:rPr kumimoji="0" lang="en-US" altLang="en-US" sz="2400" b="0" i="0" u="none" strike="noStrike" cap="none" normalizeH="0" baseline="0" dirty="0">
+              <a:rPr kumimoji="0" lang="en-US" altLang="en-US" sz="2800" b="0" i="0" u="none" strike="noStrike" cap="none" normalizeH="0" baseline="0" dirty="0">
                 <a:ln>
                   <a:noFill/>
                 </a:ln>
@@ -12878,7 +12868,7 @@
               <a:t>        </a:t>
             </a:r>
             <a:r>
-              <a:rPr kumimoji="0" lang="en-US" altLang="en-US" sz="2400" b="0" i="0" u="none" strike="noStrike" cap="none" normalizeH="0" baseline="0" dirty="0">
+              <a:rPr kumimoji="0" lang="en-US" altLang="en-US" sz="2800" b="0" i="0" u="none" strike="noStrike" cap="none" normalizeH="0" baseline="0" dirty="0">
                 <a:ln>
                   <a:noFill/>
                 </a:ln>
@@ -12891,7 +12881,7 @@
               <a:t>else if</a:t>
             </a:r>
             <a:r>
-              <a:rPr kumimoji="0" lang="en-US" altLang="en-US" sz="2400" b="0" i="0" u="none" strike="noStrike" cap="none" normalizeH="0" baseline="0" dirty="0">
+              <a:rPr kumimoji="0" lang="en-US" altLang="en-US" sz="2800" b="0" i="0" u="none" strike="noStrike" cap="none" normalizeH="0" baseline="0" dirty="0">
                 <a:ln>
                   <a:noFill/>
                 </a:ln>
@@ -12904,7 +12894,7 @@
               <a:t>(</a:t>
             </a:r>
             <a:r>
-              <a:rPr kumimoji="0" lang="en-US" altLang="en-US" sz="2400" b="0" i="0" u="none" strike="noStrike" cap="none" normalizeH="0" baseline="0" dirty="0">
+              <a:rPr kumimoji="0" lang="en-US" altLang="en-US" sz="2800" b="0" i="0" u="none" strike="noStrike" cap="none" normalizeH="0" baseline="0" dirty="0">
                 <a:ln>
                   <a:noFill/>
                 </a:ln>
@@ -12917,7 +12907,7 @@
               <a:t>obj </a:t>
             </a:r>
             <a:r>
-              <a:rPr kumimoji="0" lang="en-US" altLang="en-US" sz="2400" b="0" i="0" u="none" strike="noStrike" cap="none" normalizeH="0" baseline="0" dirty="0" err="1">
+              <a:rPr kumimoji="0" lang="en-US" altLang="en-US" sz="2800" b="0" i="0" u="none" strike="noStrike" cap="none" normalizeH="0" baseline="0" dirty="0" err="1">
                 <a:ln>
                   <a:noFill/>
                 </a:ln>
@@ -12930,7 +12920,7 @@
               <a:t>instanceof</a:t>
             </a:r>
             <a:r>
-              <a:rPr kumimoji="0" lang="en-US" altLang="en-US" sz="2400" b="0" i="0" u="none" strike="noStrike" cap="none" normalizeH="0" baseline="0" dirty="0">
+              <a:rPr kumimoji="0" lang="en-US" altLang="en-US" sz="2800" b="0" i="0" u="none" strike="noStrike" cap="none" normalizeH="0" baseline="0" dirty="0">
                 <a:ln>
                   <a:noFill/>
                 </a:ln>
@@ -12943,7 +12933,7 @@
               <a:t> </a:t>
             </a:r>
             <a:r>
-              <a:rPr kumimoji="0" lang="en-US" altLang="en-US" sz="2400" b="0" i="0" u="none" strike="noStrike" cap="none" normalizeH="0" baseline="0" dirty="0">
+              <a:rPr kumimoji="0" lang="en-US" altLang="en-US" sz="2800" b="0" i="0" u="none" strike="noStrike" cap="none" normalizeH="0" baseline="0" dirty="0">
                 <a:ln>
                   <a:noFill/>
                 </a:ln>
@@ -12956,7 +12946,7 @@
               <a:t>Double</a:t>
             </a:r>
             <a:r>
-              <a:rPr kumimoji="0" lang="en-US" altLang="en-US" sz="2400" b="0" i="0" u="none" strike="noStrike" cap="none" normalizeH="0" baseline="0" dirty="0">
+              <a:rPr kumimoji="0" lang="en-US" altLang="en-US" sz="2800" b="0" i="0" u="none" strike="noStrike" cap="none" normalizeH="0" baseline="0" dirty="0">
                 <a:ln>
                   <a:noFill/>
                 </a:ln>
@@ -12969,7 +12959,7 @@
               <a:t>)</a:t>
             </a:r>
             <a:br>
-              <a:rPr kumimoji="0" lang="en-US" altLang="en-US" sz="2400" b="0" i="0" u="none" strike="noStrike" cap="none" normalizeH="0" baseline="0" dirty="0">
+              <a:rPr kumimoji="0" lang="en-US" altLang="en-US" sz="2800" b="0" i="0" u="none" strike="noStrike" cap="none" normalizeH="0" baseline="0" dirty="0">
                 <a:ln>
                   <a:noFill/>
                 </a:ln>
@@ -12981,7 +12971,7 @@
               </a:rPr>
             </a:br>
             <a:r>
-              <a:rPr kumimoji="0" lang="en-US" altLang="en-US" sz="2400" b="0" i="0" u="none" strike="noStrike" cap="none" normalizeH="0" baseline="0" dirty="0">
+              <a:rPr kumimoji="0" lang="en-US" altLang="en-US" sz="2800" b="0" i="0" u="none" strike="noStrike" cap="none" normalizeH="0" baseline="0" dirty="0">
                 <a:ln>
                   <a:noFill/>
                 </a:ln>
@@ -12994,7 +12984,7 @@
               <a:t>            </a:t>
             </a:r>
             <a:r>
-              <a:rPr kumimoji="0" lang="en-US" altLang="en-US" sz="2400" b="0" i="0" u="none" strike="noStrike" cap="none" normalizeH="0" baseline="0" dirty="0" err="1">
+              <a:rPr kumimoji="0" lang="en-US" altLang="en-US" sz="2800" b="0" i="0" u="none" strike="noStrike" cap="none" normalizeH="0" baseline="0" dirty="0" err="1">
                 <a:ln>
                   <a:noFill/>
                 </a:ln>
@@ -13007,7 +12997,7 @@
               <a:t>System</a:t>
             </a:r>
             <a:r>
-              <a:rPr kumimoji="0" lang="en-US" altLang="en-US" sz="2400" b="0" i="0" u="none" strike="noStrike" cap="none" normalizeH="0" baseline="0" dirty="0" err="1">
+              <a:rPr kumimoji="0" lang="en-US" altLang="en-US" sz="2800" b="0" i="0" u="none" strike="noStrike" cap="none" normalizeH="0" baseline="0" dirty="0" err="1">
                 <a:ln>
                   <a:noFill/>
                 </a:ln>
@@ -13020,7 +13010,7 @@
               <a:t>.</a:t>
             </a:r>
             <a:r>
-              <a:rPr kumimoji="0" lang="en-US" altLang="en-US" sz="2400" b="0" i="1" u="none" strike="noStrike" cap="none" normalizeH="0" baseline="0" dirty="0" err="1">
+              <a:rPr kumimoji="0" lang="en-US" altLang="en-US" sz="2800" b="0" i="1" u="none" strike="noStrike" cap="none" normalizeH="0" baseline="0" dirty="0" err="1">
                 <a:ln>
                   <a:noFill/>
                 </a:ln>
@@ -13033,7 +13023,7 @@
               <a:t>out</a:t>
             </a:r>
             <a:r>
-              <a:rPr kumimoji="0" lang="en-US" altLang="en-US" sz="2400" b="0" i="0" u="none" strike="noStrike" cap="none" normalizeH="0" baseline="0" dirty="0" err="1">
+              <a:rPr kumimoji="0" lang="en-US" altLang="en-US" sz="2800" b="0" i="0" u="none" strike="noStrike" cap="none" normalizeH="0" baseline="0" dirty="0" err="1">
                 <a:ln>
                   <a:noFill/>
                 </a:ln>
@@ -13046,7 +13036,7 @@
               <a:t>.println</a:t>
             </a:r>
             <a:r>
-              <a:rPr kumimoji="0" lang="en-US" altLang="en-US" sz="2400" b="0" i="0" u="none" strike="noStrike" cap="none" normalizeH="0" baseline="0" dirty="0">
+              <a:rPr kumimoji="0" lang="en-US" altLang="en-US" sz="2800" b="0" i="0" u="none" strike="noStrike" cap="none" normalizeH="0" baseline="0" dirty="0">
                 <a:ln>
                   <a:noFill/>
                 </a:ln>
@@ -13059,7 +13049,7 @@
               <a:t>(</a:t>
             </a:r>
             <a:r>
-              <a:rPr kumimoji="0" lang="en-US" altLang="en-US" sz="2400" b="0" i="0" u="none" strike="noStrike" cap="none" normalizeH="0" baseline="0" dirty="0">
+              <a:rPr kumimoji="0" lang="en-US" altLang="en-US" sz="2800" b="0" i="0" u="none" strike="noStrike" cap="none" normalizeH="0" baseline="0" dirty="0">
                 <a:ln>
                   <a:noFill/>
                 </a:ln>
@@ -13072,7 +13062,7 @@
               <a:t>"Double:" </a:t>
             </a:r>
             <a:r>
-              <a:rPr kumimoji="0" lang="en-US" altLang="en-US" sz="2400" b="0" i="0" u="none" strike="noStrike" cap="none" normalizeH="0" baseline="0" dirty="0">
+              <a:rPr kumimoji="0" lang="en-US" altLang="en-US" sz="2800" b="0" i="0" u="none" strike="noStrike" cap="none" normalizeH="0" baseline="0" dirty="0">
                 <a:ln>
                   <a:noFill/>
                 </a:ln>
@@ -13085,7 +13075,7 @@
               <a:t>+ </a:t>
             </a:r>
             <a:r>
-              <a:rPr kumimoji="0" lang="en-US" altLang="en-US" sz="2400" b="0" i="0" u="none" strike="noStrike" cap="none" normalizeH="0" baseline="0" dirty="0" err="1">
+              <a:rPr kumimoji="0" lang="en-US" altLang="en-US" sz="2800" b="0" i="0" u="none" strike="noStrike" cap="none" normalizeH="0" baseline="0" dirty="0" err="1">
                 <a:ln>
                   <a:noFill/>
                 </a:ln>
@@ -13098,7 +13088,7 @@
               <a:t>objList.get</a:t>
             </a:r>
             <a:r>
-              <a:rPr kumimoji="0" lang="en-US" altLang="en-US" sz="2400" b="0" i="0" u="none" strike="noStrike" cap="none" normalizeH="0" baseline="0" dirty="0">
+              <a:rPr kumimoji="0" lang="en-US" altLang="en-US" sz="2800" b="0" i="0" u="none" strike="noStrike" cap="none" normalizeH="0" baseline="0" dirty="0">
                 <a:ln>
                   <a:noFill/>
                 </a:ln>
@@ -13111,7 +13101,7 @@
               <a:t>(</a:t>
             </a:r>
             <a:r>
-              <a:rPr kumimoji="0" lang="en-US" altLang="en-US" sz="2400" b="0" i="0" u="none" strike="noStrike" cap="none" normalizeH="0" baseline="0" dirty="0" err="1">
+              <a:rPr kumimoji="0" lang="en-US" altLang="en-US" sz="2800" b="0" i="0" u="none" strike="noStrike" cap="none" normalizeH="0" baseline="0" dirty="0" err="1">
                 <a:ln>
                   <a:noFill/>
                 </a:ln>
@@ -13124,7 +13114,7 @@
               <a:t>i</a:t>
             </a:r>
             <a:r>
-              <a:rPr kumimoji="0" lang="en-US" altLang="en-US" sz="2400" b="0" i="0" u="none" strike="noStrike" cap="none" normalizeH="0" baseline="0" dirty="0">
+              <a:rPr kumimoji="0" lang="en-US" altLang="en-US" sz="2800" b="0" i="0" u="none" strike="noStrike" cap="none" normalizeH="0" baseline="0" dirty="0">
                 <a:ln>
                   <a:noFill/>
                 </a:ln>
@@ -13137,7 +13127,7 @@
               <a:t>));</a:t>
             </a:r>
             <a:br>
-              <a:rPr kumimoji="0" lang="en-US" altLang="en-US" sz="2400" b="0" i="0" u="none" strike="noStrike" cap="none" normalizeH="0" baseline="0" dirty="0">
+              <a:rPr kumimoji="0" lang="en-US" altLang="en-US" sz="2800" b="0" i="0" u="none" strike="noStrike" cap="none" normalizeH="0" baseline="0" dirty="0">
                 <a:ln>
                   <a:noFill/>
                 </a:ln>
@@ -13149,7 +13139,7 @@
               </a:rPr>
             </a:br>
             <a:r>
-              <a:rPr kumimoji="0" lang="en-US" altLang="en-US" sz="2400" b="0" i="0" u="none" strike="noStrike" cap="none" normalizeH="0" baseline="0" dirty="0">
+              <a:rPr kumimoji="0" lang="en-US" altLang="en-US" sz="2800" b="0" i="0" u="none" strike="noStrike" cap="none" normalizeH="0" baseline="0" dirty="0">
                 <a:ln>
                   <a:noFill/>
                 </a:ln>
@@ -13162,7 +13152,7 @@
               <a:t>        </a:t>
             </a:r>
             <a:r>
-              <a:rPr kumimoji="0" lang="en-US" altLang="en-US" sz="2400" b="0" i="0" u="none" strike="noStrike" cap="none" normalizeH="0" baseline="0" dirty="0">
+              <a:rPr kumimoji="0" lang="en-US" altLang="en-US" sz="2800" b="0" i="0" u="none" strike="noStrike" cap="none" normalizeH="0" baseline="0" dirty="0">
                 <a:ln>
                   <a:noFill/>
                 </a:ln>
@@ -13175,7 +13165,7 @@
               <a:t>else if</a:t>
             </a:r>
             <a:r>
-              <a:rPr kumimoji="0" lang="en-US" altLang="en-US" sz="2400" b="0" i="0" u="none" strike="noStrike" cap="none" normalizeH="0" baseline="0" dirty="0">
+              <a:rPr kumimoji="0" lang="en-US" altLang="en-US" sz="2800" b="0" i="0" u="none" strike="noStrike" cap="none" normalizeH="0" baseline="0" dirty="0">
                 <a:ln>
                   <a:noFill/>
                 </a:ln>
@@ -13188,7 +13178,7 @@
               <a:t>(</a:t>
             </a:r>
             <a:r>
-              <a:rPr kumimoji="0" lang="en-US" altLang="en-US" sz="2400" b="0" i="0" u="none" strike="noStrike" cap="none" normalizeH="0" baseline="0" dirty="0">
+              <a:rPr kumimoji="0" lang="en-US" altLang="en-US" sz="2800" b="0" i="0" u="none" strike="noStrike" cap="none" normalizeH="0" baseline="0" dirty="0">
                 <a:ln>
                   <a:noFill/>
                 </a:ln>
@@ -13201,7 +13191,7 @@
               <a:t>obj </a:t>
             </a:r>
             <a:r>
-              <a:rPr kumimoji="0" lang="en-US" altLang="en-US" sz="2400" b="0" i="0" u="none" strike="noStrike" cap="none" normalizeH="0" baseline="0" dirty="0" err="1">
+              <a:rPr kumimoji="0" lang="en-US" altLang="en-US" sz="2800" b="0" i="0" u="none" strike="noStrike" cap="none" normalizeH="0" baseline="0" dirty="0" err="1">
                 <a:ln>
                   <a:noFill/>
                 </a:ln>
@@ -13214,7 +13204,7 @@
               <a:t>instanceof</a:t>
             </a:r>
             <a:r>
-              <a:rPr kumimoji="0" lang="en-US" altLang="en-US" sz="2400" b="0" i="0" u="none" strike="noStrike" cap="none" normalizeH="0" baseline="0" dirty="0">
+              <a:rPr kumimoji="0" lang="en-US" altLang="en-US" sz="2800" b="0" i="0" u="none" strike="noStrike" cap="none" normalizeH="0" baseline="0" dirty="0">
                 <a:ln>
                   <a:noFill/>
                 </a:ln>
@@ -13227,7 +13217,7 @@
               <a:t> </a:t>
             </a:r>
             <a:r>
-              <a:rPr kumimoji="0" lang="en-US" altLang="en-US" sz="2400" b="0" i="0" u="none" strike="noStrike" cap="none" normalizeH="0" baseline="0" dirty="0">
+              <a:rPr kumimoji="0" lang="en-US" altLang="en-US" sz="2800" b="0" i="0" u="none" strike="noStrike" cap="none" normalizeH="0" baseline="0" dirty="0">
                 <a:ln>
                   <a:noFill/>
                 </a:ln>
@@ -13240,7 +13230,7 @@
               <a:t>Business</a:t>
             </a:r>
             <a:r>
-              <a:rPr kumimoji="0" lang="en-US" altLang="en-US" sz="2400" b="0" i="0" u="none" strike="noStrike" cap="none" normalizeH="0" baseline="0" dirty="0">
+              <a:rPr kumimoji="0" lang="en-US" altLang="en-US" sz="2800" b="0" i="0" u="none" strike="noStrike" cap="none" normalizeH="0" baseline="0" dirty="0">
                 <a:ln>
                   <a:noFill/>
                 </a:ln>
@@ -13253,7 +13243,7 @@
               <a:t>)</a:t>
             </a:r>
             <a:br>
-              <a:rPr kumimoji="0" lang="en-US" altLang="en-US" sz="2400" b="0" i="0" u="none" strike="noStrike" cap="none" normalizeH="0" baseline="0" dirty="0">
+              <a:rPr kumimoji="0" lang="en-US" altLang="en-US" sz="2800" b="0" i="0" u="none" strike="noStrike" cap="none" normalizeH="0" baseline="0" dirty="0">
                 <a:ln>
                   <a:noFill/>
                 </a:ln>
@@ -13265,7 +13255,7 @@
               </a:rPr>
             </a:br>
             <a:r>
-              <a:rPr kumimoji="0" lang="en-US" altLang="en-US" sz="2400" b="0" i="0" u="none" strike="noStrike" cap="none" normalizeH="0" baseline="0" dirty="0">
+              <a:rPr kumimoji="0" lang="en-US" altLang="en-US" sz="2800" b="0" i="0" u="none" strike="noStrike" cap="none" normalizeH="0" baseline="0" dirty="0">
                 <a:ln>
                   <a:noFill/>
                 </a:ln>
@@ -13278,7 +13268,7 @@
               <a:t>            </a:t>
             </a:r>
             <a:r>
-              <a:rPr kumimoji="0" lang="en-US" altLang="en-US" sz="2400" b="0" i="0" u="none" strike="noStrike" cap="none" normalizeH="0" baseline="0" dirty="0" err="1">
+              <a:rPr kumimoji="0" lang="en-US" altLang="en-US" sz="2800" b="0" i="0" u="none" strike="noStrike" cap="none" normalizeH="0" baseline="0" dirty="0" err="1">
                 <a:ln>
                   <a:noFill/>
                 </a:ln>
@@ -13291,7 +13281,7 @@
               <a:t>System</a:t>
             </a:r>
             <a:r>
-              <a:rPr kumimoji="0" lang="en-US" altLang="en-US" sz="2400" b="0" i="0" u="none" strike="noStrike" cap="none" normalizeH="0" baseline="0" dirty="0" err="1">
+              <a:rPr kumimoji="0" lang="en-US" altLang="en-US" sz="2800" b="0" i="0" u="none" strike="noStrike" cap="none" normalizeH="0" baseline="0" dirty="0" err="1">
                 <a:ln>
                   <a:noFill/>
                 </a:ln>
@@ -13304,7 +13294,7 @@
               <a:t>.</a:t>
             </a:r>
             <a:r>
-              <a:rPr kumimoji="0" lang="en-US" altLang="en-US" sz="2400" b="0" i="1" u="none" strike="noStrike" cap="none" normalizeH="0" baseline="0" dirty="0" err="1">
+              <a:rPr kumimoji="0" lang="en-US" altLang="en-US" sz="2800" b="0" i="1" u="none" strike="noStrike" cap="none" normalizeH="0" baseline="0" dirty="0" err="1">
                 <a:ln>
                   <a:noFill/>
                 </a:ln>
@@ -13317,7 +13307,7 @@
               <a:t>out</a:t>
             </a:r>
             <a:r>
-              <a:rPr kumimoji="0" lang="en-US" altLang="en-US" sz="2400" b="0" i="0" u="none" strike="noStrike" cap="none" normalizeH="0" baseline="0" dirty="0" err="1">
+              <a:rPr kumimoji="0" lang="en-US" altLang="en-US" sz="2800" b="0" i="0" u="none" strike="noStrike" cap="none" normalizeH="0" baseline="0" dirty="0" err="1">
                 <a:ln>
                   <a:noFill/>
                 </a:ln>
@@ -13330,7 +13320,7 @@
               <a:t>.println</a:t>
             </a:r>
             <a:r>
-              <a:rPr kumimoji="0" lang="en-US" altLang="en-US" sz="2400" b="0" i="0" u="none" strike="noStrike" cap="none" normalizeH="0" baseline="0" dirty="0">
+              <a:rPr kumimoji="0" lang="en-US" altLang="en-US" sz="2800" b="0" i="0" u="none" strike="noStrike" cap="none" normalizeH="0" baseline="0" dirty="0">
                 <a:ln>
                   <a:noFill/>
                 </a:ln>
@@ -13343,7 +13333,7 @@
               <a:t>(</a:t>
             </a:r>
             <a:r>
-              <a:rPr kumimoji="0" lang="en-US" altLang="en-US" sz="2400" b="0" i="0" u="none" strike="noStrike" cap="none" normalizeH="0" baseline="0" dirty="0">
+              <a:rPr kumimoji="0" lang="en-US" altLang="en-US" sz="2800" b="0" i="0" u="none" strike="noStrike" cap="none" normalizeH="0" baseline="0" dirty="0">
                 <a:ln>
                   <a:noFill/>
                 </a:ln>
@@ -13356,7 +13346,7 @@
               <a:t>"Business:" </a:t>
             </a:r>
             <a:r>
-              <a:rPr kumimoji="0" lang="en-US" altLang="en-US" sz="2400" b="0" i="0" u="none" strike="noStrike" cap="none" normalizeH="0" baseline="0" dirty="0">
+              <a:rPr kumimoji="0" lang="en-US" altLang="en-US" sz="2800" b="0" i="0" u="none" strike="noStrike" cap="none" normalizeH="0" baseline="0" dirty="0">
                 <a:ln>
                   <a:noFill/>
                 </a:ln>
@@ -13369,7 +13359,7 @@
               <a:t>+ </a:t>
             </a:r>
             <a:r>
-              <a:rPr kumimoji="0" lang="en-US" altLang="en-US" sz="2400" b="0" i="0" u="none" strike="noStrike" cap="none" normalizeH="0" baseline="0" dirty="0" err="1">
+              <a:rPr kumimoji="0" lang="en-US" altLang="en-US" sz="2800" b="0" i="0" u="none" strike="noStrike" cap="none" normalizeH="0" baseline="0" dirty="0" err="1">
                 <a:ln>
                   <a:noFill/>
                 </a:ln>
@@ -13382,7 +13372,7 @@
               <a:t>objList.get</a:t>
             </a:r>
             <a:r>
-              <a:rPr kumimoji="0" lang="en-US" altLang="en-US" sz="2400" b="0" i="0" u="none" strike="noStrike" cap="none" normalizeH="0" baseline="0" dirty="0">
+              <a:rPr kumimoji="0" lang="en-US" altLang="en-US" sz="2800" b="0" i="0" u="none" strike="noStrike" cap="none" normalizeH="0" baseline="0" dirty="0">
                 <a:ln>
                   <a:noFill/>
                 </a:ln>
@@ -13395,7 +13385,7 @@
               <a:t>(</a:t>
             </a:r>
             <a:r>
-              <a:rPr kumimoji="0" lang="en-US" altLang="en-US" sz="2400" b="0" i="0" u="none" strike="noStrike" cap="none" normalizeH="0" baseline="0" dirty="0" err="1">
+              <a:rPr kumimoji="0" lang="en-US" altLang="en-US" sz="2800" b="0" i="0" u="none" strike="noStrike" cap="none" normalizeH="0" baseline="0" dirty="0" err="1">
                 <a:ln>
                   <a:noFill/>
                 </a:ln>
@@ -13408,7 +13398,7 @@
               <a:t>i</a:t>
             </a:r>
             <a:r>
-              <a:rPr kumimoji="0" lang="en-US" altLang="en-US" sz="2400" b="0" i="0" u="none" strike="noStrike" cap="none" normalizeH="0" baseline="0" dirty="0">
+              <a:rPr kumimoji="0" lang="en-US" altLang="en-US" sz="2800" b="0" i="0" u="none" strike="noStrike" cap="none" normalizeH="0" baseline="0" dirty="0">
                 <a:ln>
                   <a:noFill/>
                 </a:ln>
@@ -13421,7 +13411,7 @@
               <a:t>));</a:t>
             </a:r>
             <a:br>
-              <a:rPr kumimoji="0" lang="en-US" altLang="en-US" sz="2400" b="0" i="0" u="none" strike="noStrike" cap="none" normalizeH="0" baseline="0" dirty="0">
+              <a:rPr kumimoji="0" lang="en-US" altLang="en-US" sz="2800" b="0" i="0" u="none" strike="noStrike" cap="none" normalizeH="0" baseline="0" dirty="0">
                 <a:ln>
                   <a:noFill/>
                 </a:ln>
@@ -13433,7 +13423,7 @@
               </a:rPr>
             </a:br>
             <a:r>
-              <a:rPr kumimoji="0" lang="en-US" altLang="en-US" sz="2400" b="0" i="0" u="none" strike="noStrike" cap="none" normalizeH="0" baseline="0" dirty="0">
+              <a:rPr kumimoji="0" lang="en-US" altLang="en-US" sz="2800" b="0" i="0" u="none" strike="noStrike" cap="none" normalizeH="0" baseline="0" dirty="0">
                 <a:ln>
                   <a:noFill/>
                 </a:ln>
@@ -13446,7 +13436,7 @@
               <a:t>    }</a:t>
             </a:r>
             <a:br>
-              <a:rPr kumimoji="0" lang="en-US" altLang="en-US" sz="2400" b="0" i="0" u="none" strike="noStrike" cap="none" normalizeH="0" baseline="0" dirty="0">
+              <a:rPr kumimoji="0" lang="en-US" altLang="en-US" sz="2800" b="0" i="0" u="none" strike="noStrike" cap="none" normalizeH="0" baseline="0" dirty="0">
                 <a:ln>
                   <a:noFill/>
                 </a:ln>
@@ -13458,7 +13448,7 @@
               </a:rPr>
             </a:br>
             <a:r>
-              <a:rPr kumimoji="0" lang="en-US" altLang="en-US" sz="2400" b="0" i="0" u="none" strike="noStrike" cap="none" normalizeH="0" baseline="0" dirty="0">
+              <a:rPr kumimoji="0" lang="en-US" altLang="en-US" sz="2800" b="0" i="0" u="none" strike="noStrike" cap="none" normalizeH="0" baseline="0" dirty="0">
                 <a:ln>
                   <a:noFill/>
                 </a:ln>
@@ -13470,7 +13460,7 @@
               </a:rPr>
               <a:t>}</a:t>
             </a:r>
-            <a:endParaRPr kumimoji="0" lang="en-US" altLang="en-US" sz="2400" b="0" i="0" u="none" strike="noStrike" cap="none" normalizeH="0" baseline="0" dirty="0">
+            <a:endParaRPr kumimoji="0" lang="en-US" altLang="en-US" sz="2800" b="0" i="0" u="none" strike="noStrike" cap="none" normalizeH="0" baseline="0" dirty="0">
               <a:ln>
                 <a:noFill/>
               </a:ln>
@@ -14439,6 +14429,15 @@
 </file>
 
 <file path=customXml/item2.xml><?xml version="1.0" encoding="utf-8"?>
+<?mso-contentType ?>
+<FormTemplates xmlns="http://schemas.microsoft.com/sharepoint/v3/contenttype/forms">
+  <Display>DocumentLibraryForm</Display>
+  <Edit>DocumentLibraryForm</Edit>
+  <New>DocumentLibraryForm</New>
+</FormTemplates>
+</file>
+
+<file path=customXml/item3.xml><?xml version="1.0" encoding="utf-8"?>
 <ct:contentTypeSchema xmlns:ct="http://schemas.microsoft.com/office/2006/metadata/contentType" xmlns:ma="http://schemas.microsoft.com/office/2006/metadata/properties/metaAttributes" ct:_="" ma:_="" ma:contentTypeName="Document" ma:contentTypeID="0x010100074387D78AC76C4289401EF66FB51FCC" ma:contentTypeVersion="15" ma:contentTypeDescription="Create a new document." ma:contentTypeScope="" ma:versionID="d3659bec8b8330148a03d82a9d99f412">
   <xsd:schema xmlns:xsd="http://www.w3.org/2001/XMLSchema" xmlns:xs="http://www.w3.org/2001/XMLSchema" xmlns:p="http://schemas.microsoft.com/office/2006/metadata/properties" xmlns:ns3="92c41bee-f0ee-4aa6-9399-a35fbb883510" xmlns:ns4="e06ed288-fd75-4b50-bbed-f5a5df88c31c" targetNamespace="http://schemas.microsoft.com/office/2006/metadata/properties" ma:root="true" ma:fieldsID="1a21d371127b63848c9a2290f5945250" ns3:_="" ns4:_="">
     <xsd:import namespace="92c41bee-f0ee-4aa6-9399-a35fbb883510"/>
@@ -14673,25 +14672,16 @@
 </ct:contentTypeSchema>
 </file>
 
-<file path=customXml/item3.xml><?xml version="1.0" encoding="utf-8"?>
-<?mso-contentType ?>
-<FormTemplates xmlns="http://schemas.microsoft.com/sharepoint/v3/contenttype/forms">
-  <Display>DocumentLibraryForm</Display>
-  <Edit>DocumentLibraryForm</Edit>
-  <New>DocumentLibraryForm</New>
-</FormTemplates>
-</file>
-
 <file path=customXml/itemProps1.xml><?xml version="1.0" encoding="utf-8"?>
 <ds:datastoreItem xmlns:ds="http://schemas.openxmlformats.org/officeDocument/2006/customXml" ds:itemID="{B0ABAC91-C1EB-481F-B60B-A09C54856BBA}">
   <ds:schemaRefs>
-    <ds:schemaRef ds:uri="http://schemas.microsoft.com/office/infopath/2007/PartnerControls"/>
-    <ds:schemaRef ds:uri="http://purl.org/dc/dcmitype/"/>
+    <ds:schemaRef ds:uri="92c41bee-f0ee-4aa6-9399-a35fbb883510"/>
     <ds:schemaRef ds:uri="http://www.w3.org/XML/1998/namespace"/>
-    <ds:schemaRef ds:uri="92c41bee-f0ee-4aa6-9399-a35fbb883510"/>
-    <ds:schemaRef ds:uri="http://schemas.openxmlformats.org/package/2006/metadata/core-properties"/>
     <ds:schemaRef ds:uri="http://purl.org/dc/terms/"/>
     <ds:schemaRef ds:uri="http://schemas.microsoft.com/office/2006/documentManagement/types"/>
+    <ds:schemaRef ds:uri="http://purl.org/dc/dcmitype/"/>
+    <ds:schemaRef ds:uri="http://schemas.microsoft.com/office/infopath/2007/PartnerControls"/>
+    <ds:schemaRef ds:uri="http://schemas.openxmlformats.org/package/2006/metadata/core-properties"/>
     <ds:schemaRef ds:uri="e06ed288-fd75-4b50-bbed-f5a5df88c31c"/>
     <ds:schemaRef ds:uri="http://schemas.microsoft.com/office/2006/metadata/properties"/>
     <ds:schemaRef ds:uri="http://purl.org/dc/elements/1.1/"/>
@@ -14700,6 +14690,14 @@
 </file>
 
 <file path=customXml/itemProps2.xml><?xml version="1.0" encoding="utf-8"?>
+<ds:datastoreItem xmlns:ds="http://schemas.openxmlformats.org/officeDocument/2006/customXml" ds:itemID="{89A51EB2-5938-4503-962D-41917281861E}">
+  <ds:schemaRefs>
+    <ds:schemaRef ds:uri="http://schemas.microsoft.com/sharepoint/v3/contenttype/forms"/>
+  </ds:schemaRefs>
+</ds:datastoreItem>
+</file>
+
+<file path=customXml/itemProps3.xml><?xml version="1.0" encoding="utf-8"?>
 <ds:datastoreItem xmlns:ds="http://schemas.openxmlformats.org/officeDocument/2006/customXml" ds:itemID="{35D18CAB-B00B-469B-942C-798A83C49EBE}">
   <ds:schemaRefs>
     <ds:schemaRef ds:uri="http://schemas.microsoft.com/office/2006/metadata/contentType"/>
@@ -14716,12 +14714,4 @@
     <ds:schemaRef ds:uri="http://schemas.microsoft.com/internal/obd"/>
   </ds:schemaRefs>
 </ds:datastoreItem>
-</file>
-
-<file path=customXml/itemProps3.xml><?xml version="1.0" encoding="utf-8"?>
-<ds:datastoreItem xmlns:ds="http://schemas.openxmlformats.org/officeDocument/2006/customXml" ds:itemID="{89A51EB2-5938-4503-962D-41917281861E}">
-  <ds:schemaRefs>
-    <ds:schemaRef ds:uri="http://schemas.microsoft.com/sharepoint/v3/contenttype/forms"/>
-  </ds:schemaRefs>
-</ds:datastoreItem>
 </file>